--- a/20180126_SmartCut/Meeting/20181221 Meeting/20181221 Meeting mac.pptx
+++ b/20180126_SmartCut/Meeting/20181221 Meeting/20181221 Meeting mac.pptx
@@ -5,7 +5,7 @@
     <p:sldMasterId id="2147483648" r:id="rId4"/>
   </p:sldMasterIdLst>
   <p:notesMasterIdLst>
-    <p:notesMasterId r:id="rId24"/>
+    <p:notesMasterId r:id="rId27"/>
   </p:notesMasterIdLst>
   <p:sldIdLst>
     <p:sldId id="314" r:id="rId5"/>
@@ -20,13 +20,16 @@
     <p:sldId id="381" r:id="rId14"/>
     <p:sldId id="380" r:id="rId15"/>
     <p:sldId id="382" r:id="rId16"/>
-    <p:sldId id="386" r:id="rId17"/>
-    <p:sldId id="387" r:id="rId18"/>
-    <p:sldId id="388" r:id="rId19"/>
-    <p:sldId id="376" r:id="rId20"/>
-    <p:sldId id="389" r:id="rId21"/>
-    <p:sldId id="378" r:id="rId22"/>
-    <p:sldId id="391" r:id="rId23"/>
+    <p:sldId id="393" r:id="rId17"/>
+    <p:sldId id="386" r:id="rId18"/>
+    <p:sldId id="387" r:id="rId19"/>
+    <p:sldId id="388" r:id="rId20"/>
+    <p:sldId id="394" r:id="rId21"/>
+    <p:sldId id="376" r:id="rId22"/>
+    <p:sldId id="389" r:id="rId23"/>
+    <p:sldId id="378" r:id="rId24"/>
+    <p:sldId id="391" r:id="rId25"/>
+    <p:sldId id="392" r:id="rId26"/>
   </p:sldIdLst>
   <p:sldSz cx="12192000" cy="6858000"/>
   <p:notesSz cx="6858000" cy="9144000"/>
@@ -150,9 +153,11 @@
             <p14:sldId id="381"/>
             <p14:sldId id="380"/>
             <p14:sldId id="382"/>
+            <p14:sldId id="393"/>
             <p14:sldId id="386"/>
             <p14:sldId id="387"/>
             <p14:sldId id="388"/>
+            <p14:sldId id="394"/>
           </p14:sldIdLst>
         </p14:section>
         <p14:section name="Time History" id="{8DFCAC6C-A6D1-4198-A597-18ED24E92B83}">
@@ -169,6 +174,7 @@
         <p14:section name="Plan" id="{8873404D-ED87-4F74-8826-B7664B9B1130}">
           <p14:sldIdLst>
             <p14:sldId id="391"/>
+            <p14:sldId id="392"/>
           </p14:sldIdLst>
         </p14:section>
       </p14:sectionLst>
@@ -688,6 +694,156 @@
     <p:extLst>
       <p:ext uri="{BB962C8B-B14F-4D97-AF65-F5344CB8AC3E}">
         <p14:creationId xmlns:p14="http://schemas.microsoft.com/office/powerpoint/2010/main" val="2987663062"/>
+      </p:ext>
+    </p:extLst>
+  </p:cSld>
+  <p:clrMapOvr>
+    <a:masterClrMapping/>
+  </p:clrMapOvr>
+</p:notes>
+</file>
+
+<file path=ppt/notesSlides/notesSlide10.xml><?xml version="1.0" encoding="utf-8"?>
+<p:notes xmlns:a="http://schemas.openxmlformats.org/drawingml/2006/main" xmlns:r="http://schemas.openxmlformats.org/officeDocument/2006/relationships" xmlns:p="http://schemas.openxmlformats.org/presentationml/2006/main">
+  <p:cSld>
+    <p:spTree>
+      <p:nvGrpSpPr>
+        <p:cNvPr id="1" name=""/>
+        <p:cNvGrpSpPr/>
+        <p:nvPr/>
+      </p:nvGrpSpPr>
+      <p:grpSpPr>
+        <a:xfrm>
+          <a:off x="0" y="0"/>
+          <a:ext cx="0" cy="0"/>
+          <a:chOff x="0" y="0"/>
+          <a:chExt cx="0" cy="0"/>
+        </a:xfrm>
+      </p:grpSpPr>
+      <p:sp>
+        <p:nvSpPr>
+          <p:cNvPr id="2" name="Slide Image Placeholder 1"/>
+          <p:cNvSpPr>
+            <a:spLocks noGrp="1" noRot="1" noChangeAspect="1"/>
+          </p:cNvSpPr>
+          <p:nvPr>
+            <p:ph type="sldImg"/>
+          </p:nvPr>
+        </p:nvSpPr>
+        <p:spPr/>
+      </p:sp>
+      <p:sp>
+        <p:nvSpPr>
+          <p:cNvPr id="3" name="Notes Placeholder 2"/>
+          <p:cNvSpPr>
+            <a:spLocks noGrp="1"/>
+          </p:cNvSpPr>
+          <p:nvPr>
+            <p:ph type="body" idx="1"/>
+          </p:nvPr>
+        </p:nvSpPr>
+        <p:spPr/>
+        <p:txBody>
+          <a:bodyPr/>
+          <a:lstStyle/>
+          <a:p>
+            <a:r>
+              <a:rPr lang="zh-TW" altLang="en-US" dirty="0">
+                <a:effectLst/>
+              </a:rPr>
+              <a:t>手做一次模型</a:t>
+            </a:r>
+          </a:p>
+          <a:p>
+            <a:r>
+              <a:rPr lang="zh-TW" altLang="en-US" dirty="0">
+                <a:effectLst/>
+              </a:rPr>
+              <a:t>開發程式 </a:t>
+            </a:r>
+            <a:r>
+              <a:rPr lang="en-US" dirty="0">
+                <a:effectLst/>
+              </a:rPr>
+              <a:t>for </a:t>
+            </a:r>
+            <a:r>
+              <a:rPr lang="en-US" dirty="0" err="1">
+                <a:effectLst/>
+              </a:rPr>
+              <a:t>etabs</a:t>
+            </a:r>
+            <a:r>
+              <a:rPr lang="en-US" dirty="0">
+                <a:effectLst/>
+              </a:rPr>
+              <a:t> 2016</a:t>
+            </a:r>
+          </a:p>
+          <a:p>
+            <a:r>
+              <a:rPr lang="zh-TW" altLang="en-US" dirty="0">
+                <a:effectLst/>
+              </a:rPr>
+              <a:t>塑絞設定</a:t>
+            </a:r>
+          </a:p>
+          <a:p>
+            <a:pPr lvl="1"/>
+            <a:r>
+              <a:rPr lang="en-US" dirty="0">
+                <a:effectLst/>
+              </a:rPr>
+              <a:t>TEASPA</a:t>
+            </a:r>
+          </a:p>
+          <a:p>
+            <a:pPr lvl="1"/>
+            <a:r>
+              <a:rPr lang="en-US" dirty="0">
+                <a:effectLst/>
+              </a:rPr>
+              <a:t>SERCB</a:t>
+            </a:r>
+          </a:p>
+          <a:p>
+            <a:pPr lvl="1"/>
+            <a:r>
+              <a:rPr lang="zh-TW" altLang="en-US" dirty="0">
+                <a:effectLst/>
+              </a:rPr>
+              <a:t>遲滯迴圈</a:t>
+            </a:r>
+          </a:p>
+        </p:txBody>
+      </p:sp>
+      <p:sp>
+        <p:nvSpPr>
+          <p:cNvPr id="4" name="Slide Number Placeholder 3"/>
+          <p:cNvSpPr>
+            <a:spLocks noGrp="1"/>
+          </p:cNvSpPr>
+          <p:nvPr>
+            <p:ph type="sldNum" sz="quarter" idx="5"/>
+          </p:nvPr>
+        </p:nvSpPr>
+        <p:spPr/>
+        <p:txBody>
+          <a:bodyPr/>
+          <a:lstStyle/>
+          <a:p>
+            <a:fld id="{4B9FA8AB-93ED-4030-B179-2AF13832ABA7}" type="slidenum">
+              <a:rPr lang="zh-TW" altLang="en-US" smtClean="0"/>
+              <a:t>20</a:t>
+            </a:fld>
+            <a:endParaRPr lang="zh-TW" altLang="en-US"/>
+          </a:p>
+        </p:txBody>
+      </p:sp>
+    </p:spTree>
+    <p:extLst>
+      <p:ext uri="{BB962C8B-B14F-4D97-AF65-F5344CB8AC3E}">
+        <p14:creationId xmlns:p14="http://schemas.microsoft.com/office/powerpoint/2010/main" val="1667760009"/>
       </p:ext>
     </p:extLst>
   </p:cSld>
@@ -1221,6 +1377,180 @@
           <a:lstStyle/>
           <a:p>
             <a:r>
+              <a:rPr lang="en-US" dirty="0"/>
+              <a:t>Pushover k=0, 1, 2</a:t>
+            </a:r>
+          </a:p>
+        </p:txBody>
+      </p:sp>
+      <p:sp>
+        <p:nvSpPr>
+          <p:cNvPr id="4" name="Slide Number Placeholder 3"/>
+          <p:cNvSpPr>
+            <a:spLocks noGrp="1"/>
+          </p:cNvSpPr>
+          <p:nvPr>
+            <p:ph type="sldNum" sz="quarter" idx="5"/>
+          </p:nvPr>
+        </p:nvSpPr>
+        <p:spPr/>
+        <p:txBody>
+          <a:bodyPr/>
+          <a:lstStyle/>
+          <a:p>
+            <a:fld id="{4B9FA8AB-93ED-4030-B179-2AF13832ABA7}" type="slidenum">
+              <a:rPr lang="zh-TW" altLang="en-US" smtClean="0"/>
+              <a:t>13</a:t>
+            </a:fld>
+            <a:endParaRPr lang="zh-TW" altLang="en-US"/>
+          </a:p>
+        </p:txBody>
+      </p:sp>
+    </p:spTree>
+    <p:extLst>
+      <p:ext uri="{BB962C8B-B14F-4D97-AF65-F5344CB8AC3E}">
+        <p14:creationId xmlns:p14="http://schemas.microsoft.com/office/powerpoint/2010/main" val="1734710991"/>
+      </p:ext>
+    </p:extLst>
+  </p:cSld>
+  <p:clrMapOvr>
+    <a:masterClrMapping/>
+  </p:clrMapOvr>
+</p:notes>
+</file>
+
+<file path=ppt/notesSlides/notesSlide7.xml><?xml version="1.0" encoding="utf-8"?>
+<p:notes xmlns:a="http://schemas.openxmlformats.org/drawingml/2006/main" xmlns:r="http://schemas.openxmlformats.org/officeDocument/2006/relationships" xmlns:p="http://schemas.openxmlformats.org/presentationml/2006/main">
+  <p:cSld>
+    <p:spTree>
+      <p:nvGrpSpPr>
+        <p:cNvPr id="1" name=""/>
+        <p:cNvGrpSpPr/>
+        <p:nvPr/>
+      </p:nvGrpSpPr>
+      <p:grpSpPr>
+        <a:xfrm>
+          <a:off x="0" y="0"/>
+          <a:ext cx="0" cy="0"/>
+          <a:chOff x="0" y="0"/>
+          <a:chExt cx="0" cy="0"/>
+        </a:xfrm>
+      </p:grpSpPr>
+      <p:sp>
+        <p:nvSpPr>
+          <p:cNvPr id="2" name="Slide Image Placeholder 1"/>
+          <p:cNvSpPr>
+            <a:spLocks noGrp="1" noRot="1" noChangeAspect="1"/>
+          </p:cNvSpPr>
+          <p:nvPr>
+            <p:ph type="sldImg"/>
+          </p:nvPr>
+        </p:nvSpPr>
+        <p:spPr/>
+      </p:sp>
+      <p:sp>
+        <p:nvSpPr>
+          <p:cNvPr id="3" name="Notes Placeholder 2"/>
+          <p:cNvSpPr>
+            <a:spLocks noGrp="1"/>
+          </p:cNvSpPr>
+          <p:nvPr>
+            <p:ph type="body" idx="1"/>
+          </p:nvPr>
+        </p:nvSpPr>
+        <p:spPr/>
+        <p:txBody>
+          <a:bodyPr/>
+          <a:lstStyle/>
+          <a:p>
+            <a:r>
+              <a:rPr lang="en-US" dirty="0"/>
+              <a:t>Pushover mode 1, 4, MMC</a:t>
+            </a:r>
+          </a:p>
+        </p:txBody>
+      </p:sp>
+      <p:sp>
+        <p:nvSpPr>
+          <p:cNvPr id="4" name="Slide Number Placeholder 3"/>
+          <p:cNvSpPr>
+            <a:spLocks noGrp="1"/>
+          </p:cNvSpPr>
+          <p:nvPr>
+            <p:ph type="sldNum" sz="quarter" idx="5"/>
+          </p:nvPr>
+        </p:nvSpPr>
+        <p:spPr/>
+        <p:txBody>
+          <a:bodyPr/>
+          <a:lstStyle/>
+          <a:p>
+            <a:fld id="{4B9FA8AB-93ED-4030-B179-2AF13832ABA7}" type="slidenum">
+              <a:rPr lang="zh-TW" altLang="en-US" smtClean="0"/>
+              <a:t>17</a:t>
+            </a:fld>
+            <a:endParaRPr lang="zh-TW" altLang="en-US"/>
+          </a:p>
+        </p:txBody>
+      </p:sp>
+    </p:spTree>
+    <p:extLst>
+      <p:ext uri="{BB962C8B-B14F-4D97-AF65-F5344CB8AC3E}">
+        <p14:creationId xmlns:p14="http://schemas.microsoft.com/office/powerpoint/2010/main" val="3073344155"/>
+      </p:ext>
+    </p:extLst>
+  </p:cSld>
+  <p:clrMapOvr>
+    <a:masterClrMapping/>
+  </p:clrMapOvr>
+</p:notes>
+</file>
+
+<file path=ppt/notesSlides/notesSlide8.xml><?xml version="1.0" encoding="utf-8"?>
+<p:notes xmlns:a="http://schemas.openxmlformats.org/drawingml/2006/main" xmlns:r="http://schemas.openxmlformats.org/officeDocument/2006/relationships" xmlns:p="http://schemas.openxmlformats.org/presentationml/2006/main">
+  <p:cSld>
+    <p:spTree>
+      <p:nvGrpSpPr>
+        <p:cNvPr id="1" name=""/>
+        <p:cNvGrpSpPr/>
+        <p:nvPr/>
+      </p:nvGrpSpPr>
+      <p:grpSpPr>
+        <a:xfrm>
+          <a:off x="0" y="0"/>
+          <a:ext cx="0" cy="0"/>
+          <a:chOff x="0" y="0"/>
+          <a:chExt cx="0" cy="0"/>
+        </a:xfrm>
+      </p:grpSpPr>
+      <p:sp>
+        <p:nvSpPr>
+          <p:cNvPr id="2" name="Slide Image Placeholder 1"/>
+          <p:cNvSpPr>
+            <a:spLocks noGrp="1" noRot="1" noChangeAspect="1"/>
+          </p:cNvSpPr>
+          <p:nvPr>
+            <p:ph type="sldImg"/>
+          </p:nvPr>
+        </p:nvSpPr>
+        <p:spPr/>
+      </p:sp>
+      <p:sp>
+        <p:nvSpPr>
+          <p:cNvPr id="3" name="Notes Placeholder 2"/>
+          <p:cNvSpPr>
+            <a:spLocks noGrp="1"/>
+          </p:cNvSpPr>
+          <p:nvPr>
+            <p:ph type="body" idx="1"/>
+          </p:nvPr>
+        </p:nvSpPr>
+        <p:spPr/>
+        <p:txBody>
+          <a:bodyPr/>
+          <a:lstStyle/>
+          <a:p>
+            <a:r>
               <a:rPr lang="zh-TW" altLang="en-US" dirty="0"/>
               <a:t>擬合反應譜 圖</a:t>
             </a:r>
@@ -1258,7 +1588,7 @@
           <a:p>
             <a:fld id="{4B9FA8AB-93ED-4030-B179-2AF13832ABA7}" type="slidenum">
               <a:rPr lang="zh-TW" altLang="en-US" smtClean="0"/>
-              <a:t>16</a:t>
+              <a:t>18</a:t>
             </a:fld>
             <a:endParaRPr lang="zh-TW" altLang="en-US"/>
           </a:p>
@@ -1277,7 +1607,7 @@
 </p:notes>
 </file>
 
-<file path=ppt/notesSlides/notesSlide7.xml><?xml version="1.0" encoding="utf-8"?>
+<file path=ppt/notesSlides/notesSlide9.xml><?xml version="1.0" encoding="utf-8"?>
 <p:notes xmlns:a="http://schemas.openxmlformats.org/drawingml/2006/main" xmlns:r="http://schemas.openxmlformats.org/officeDocument/2006/relationships" xmlns:p="http://schemas.openxmlformats.org/presentationml/2006/main">
   <p:cSld>
     <p:spTree>
@@ -1360,7 +1690,7 @@
           <a:p>
             <a:fld id="{4B9FA8AB-93ED-4030-B179-2AF13832ABA7}" type="slidenum">
               <a:rPr lang="zh-TW" altLang="en-US" smtClean="0"/>
-              <a:t>17</a:t>
+              <a:t>19</a:t>
             </a:fld>
             <a:endParaRPr lang="zh-TW" altLang="en-US"/>
           </a:p>
@@ -1370,156 +1700,6 @@
     <p:extLst>
       <p:ext uri="{BB962C8B-B14F-4D97-AF65-F5344CB8AC3E}">
         <p14:creationId xmlns:p14="http://schemas.microsoft.com/office/powerpoint/2010/main" val="3933307879"/>
-      </p:ext>
-    </p:extLst>
-  </p:cSld>
-  <p:clrMapOvr>
-    <a:masterClrMapping/>
-  </p:clrMapOvr>
-</p:notes>
-</file>
-
-<file path=ppt/notesSlides/notesSlide8.xml><?xml version="1.0" encoding="utf-8"?>
-<p:notes xmlns:a="http://schemas.openxmlformats.org/drawingml/2006/main" xmlns:r="http://schemas.openxmlformats.org/officeDocument/2006/relationships" xmlns:p="http://schemas.openxmlformats.org/presentationml/2006/main">
-  <p:cSld>
-    <p:spTree>
-      <p:nvGrpSpPr>
-        <p:cNvPr id="1" name=""/>
-        <p:cNvGrpSpPr/>
-        <p:nvPr/>
-      </p:nvGrpSpPr>
-      <p:grpSpPr>
-        <a:xfrm>
-          <a:off x="0" y="0"/>
-          <a:ext cx="0" cy="0"/>
-          <a:chOff x="0" y="0"/>
-          <a:chExt cx="0" cy="0"/>
-        </a:xfrm>
-      </p:grpSpPr>
-      <p:sp>
-        <p:nvSpPr>
-          <p:cNvPr id="2" name="Slide Image Placeholder 1"/>
-          <p:cNvSpPr>
-            <a:spLocks noGrp="1" noRot="1" noChangeAspect="1"/>
-          </p:cNvSpPr>
-          <p:nvPr>
-            <p:ph type="sldImg"/>
-          </p:nvPr>
-        </p:nvSpPr>
-        <p:spPr/>
-      </p:sp>
-      <p:sp>
-        <p:nvSpPr>
-          <p:cNvPr id="3" name="Notes Placeholder 2"/>
-          <p:cNvSpPr>
-            <a:spLocks noGrp="1"/>
-          </p:cNvSpPr>
-          <p:nvPr>
-            <p:ph type="body" idx="1"/>
-          </p:nvPr>
-        </p:nvSpPr>
-        <p:spPr/>
-        <p:txBody>
-          <a:bodyPr/>
-          <a:lstStyle/>
-          <a:p>
-            <a:r>
-              <a:rPr lang="zh-TW" altLang="en-US" dirty="0">
-                <a:effectLst/>
-              </a:rPr>
-              <a:t>手做一次模型</a:t>
-            </a:r>
-          </a:p>
-          <a:p>
-            <a:r>
-              <a:rPr lang="zh-TW" altLang="en-US" dirty="0">
-                <a:effectLst/>
-              </a:rPr>
-              <a:t>開發程式 </a:t>
-            </a:r>
-            <a:r>
-              <a:rPr lang="en-US" dirty="0">
-                <a:effectLst/>
-              </a:rPr>
-              <a:t>for </a:t>
-            </a:r>
-            <a:r>
-              <a:rPr lang="en-US" dirty="0" err="1">
-                <a:effectLst/>
-              </a:rPr>
-              <a:t>etabs</a:t>
-            </a:r>
-            <a:r>
-              <a:rPr lang="en-US" dirty="0">
-                <a:effectLst/>
-              </a:rPr>
-              <a:t> 2016</a:t>
-            </a:r>
-          </a:p>
-          <a:p>
-            <a:r>
-              <a:rPr lang="zh-TW" altLang="en-US" dirty="0">
-                <a:effectLst/>
-              </a:rPr>
-              <a:t>塑絞設定</a:t>
-            </a:r>
-          </a:p>
-          <a:p>
-            <a:pPr lvl="1"/>
-            <a:r>
-              <a:rPr lang="en-US" dirty="0">
-                <a:effectLst/>
-              </a:rPr>
-              <a:t>TEASPA</a:t>
-            </a:r>
-          </a:p>
-          <a:p>
-            <a:pPr lvl="1"/>
-            <a:r>
-              <a:rPr lang="en-US" dirty="0">
-                <a:effectLst/>
-              </a:rPr>
-              <a:t>SERCB</a:t>
-            </a:r>
-          </a:p>
-          <a:p>
-            <a:pPr lvl="1"/>
-            <a:r>
-              <a:rPr lang="zh-TW" altLang="en-US" dirty="0">
-                <a:effectLst/>
-              </a:rPr>
-              <a:t>遲滯迴圈</a:t>
-            </a:r>
-          </a:p>
-        </p:txBody>
-      </p:sp>
-      <p:sp>
-        <p:nvSpPr>
-          <p:cNvPr id="4" name="Slide Number Placeholder 3"/>
-          <p:cNvSpPr>
-            <a:spLocks noGrp="1"/>
-          </p:cNvSpPr>
-          <p:nvPr>
-            <p:ph type="sldNum" sz="quarter" idx="5"/>
-          </p:nvPr>
-        </p:nvSpPr>
-        <p:spPr/>
-        <p:txBody>
-          <a:bodyPr/>
-          <a:lstStyle/>
-          <a:p>
-            <a:fld id="{4B9FA8AB-93ED-4030-B179-2AF13832ABA7}" type="slidenum">
-              <a:rPr lang="zh-TW" altLang="en-US" smtClean="0"/>
-              <a:t>18</a:t>
-            </a:fld>
-            <a:endParaRPr lang="zh-TW" altLang="en-US"/>
-          </a:p>
-        </p:txBody>
-      </p:sp>
-    </p:spTree>
-    <p:extLst>
-      <p:ext uri="{BB962C8B-B14F-4D97-AF65-F5344CB8AC3E}">
-        <p14:creationId xmlns:p14="http://schemas.microsoft.com/office/powerpoint/2010/main" val="1667760009"/>
       </p:ext>
     </p:extLst>
   </p:cSld>
@@ -23575,6 +23755,13 @@
       </p:transition>
     </mc:Fallback>
   </mc:AlternateContent>
+  <p:timing>
+    <p:tnLst>
+      <p:par>
+        <p:cTn id="1" dur="indefinite" restart="never" nodeType="tmRoot"/>
+      </p:par>
+    </p:tnLst>
+  </p:timing>
 </p:sld>
 </file>
 
@@ -24084,6 +24271,13 @@
       </p:transition>
     </mc:Fallback>
   </mc:AlternateContent>
+  <p:timing>
+    <p:tnLst>
+      <p:par>
+        <p:cTn id="1" dur="indefinite" restart="never" nodeType="tmRoot"/>
+      </p:par>
+    </p:tnLst>
+  </p:timing>
 </p:sld>
 </file>
 
@@ -25083,6 +25277,1279 @@
           <a:chExt cx="0" cy="0"/>
         </a:xfrm>
       </p:grpSpPr>
+      <p:sp>
+        <p:nvSpPr>
+          <p:cNvPr id="2" name="Text Placeholder 1">
+            <a:extLst>
+              <a:ext uri="{FF2B5EF4-FFF2-40B4-BE49-F238E27FC236}">
+                <a16:creationId xmlns:a16="http://schemas.microsoft.com/office/drawing/2014/main" id="{40FA5D16-4050-A54E-B6E3-F0638B46F768}"/>
+              </a:ext>
+            </a:extLst>
+          </p:cNvPr>
+          <p:cNvSpPr>
+            <a:spLocks noGrp="1"/>
+          </p:cNvSpPr>
+          <p:nvPr>
+            <p:ph type="body" sz="quarter" idx="10"/>
+          </p:nvPr>
+        </p:nvSpPr>
+        <p:spPr/>
+        <p:txBody>
+          <a:bodyPr/>
+          <a:lstStyle/>
+          <a:p>
+            <a:r>
+              <a:rPr lang="en-US" altLang="zh-TW" dirty="0" smtClean="0"/>
+              <a:t>Pushover</a:t>
+            </a:r>
+            <a:endParaRPr lang="en-US" dirty="0"/>
+          </a:p>
+        </p:txBody>
+      </p:sp>
+      <p:sp>
+        <p:nvSpPr>
+          <p:cNvPr id="3" name="Slide Number Placeholder 2">
+            <a:extLst>
+              <a:ext uri="{FF2B5EF4-FFF2-40B4-BE49-F238E27FC236}">
+                <a16:creationId xmlns:a16="http://schemas.microsoft.com/office/drawing/2014/main" id="{8DFB7625-2296-2A4E-A94D-91040245B75D}"/>
+              </a:ext>
+            </a:extLst>
+          </p:cNvPr>
+          <p:cNvSpPr>
+            <a:spLocks noGrp="1"/>
+          </p:cNvSpPr>
+          <p:nvPr>
+            <p:ph type="sldNum" sz="quarter" idx="4"/>
+          </p:nvPr>
+        </p:nvSpPr>
+        <p:spPr/>
+        <p:txBody>
+          <a:bodyPr/>
+          <a:lstStyle/>
+          <a:p>
+            <a:fld id="{6F0746BA-D1AA-4FF4-8D48-BDBC7FF48778}" type="slidenum">
+              <a:rPr lang="fr-FR" smtClean="0"/>
+              <a:t>13</a:t>
+            </a:fld>
+            <a:endParaRPr lang="fr-FR"/>
+          </a:p>
+        </p:txBody>
+      </p:sp>
+      <p:pic>
+        <p:nvPicPr>
+          <p:cNvPr id="4" name="圖片 3"/>
+          <p:cNvPicPr>
+            <a:picLocks noChangeAspect="1"/>
+          </p:cNvPicPr>
+          <p:nvPr/>
+        </p:nvPicPr>
+        <p:blipFill>
+          <a:blip r:embed="rId3">
+            <a:clrChange>
+              <a:clrFrom>
+                <a:srgbClr val="FFFFFF"/>
+              </a:clrFrom>
+              <a:clrTo>
+                <a:srgbClr val="FFFFFF">
+                  <a:alpha val="0"/>
+                </a:srgbClr>
+              </a:clrTo>
+            </a:clrChange>
+          </a:blip>
+          <a:stretch>
+            <a:fillRect/>
+          </a:stretch>
+        </p:blipFill>
+        <p:spPr>
+          <a:xfrm>
+            <a:off x="9707244" y="2725618"/>
+            <a:ext cx="1967232" cy="2348349"/>
+          </a:xfrm>
+          <a:prstGeom prst="rect">
+            <a:avLst/>
+          </a:prstGeom>
+        </p:spPr>
+      </p:pic>
+      <p:grpSp>
+        <p:nvGrpSpPr>
+          <p:cNvPr id="54" name="群組 53"/>
+          <p:cNvGrpSpPr/>
+          <p:nvPr/>
+        </p:nvGrpSpPr>
+        <p:grpSpPr>
+          <a:xfrm>
+            <a:off x="4650740" y="2713037"/>
+            <a:ext cx="723900" cy="2194243"/>
+            <a:chOff x="5372100" y="2713037"/>
+            <a:chExt cx="723900" cy="2194243"/>
+          </a:xfrm>
+        </p:grpSpPr>
+        <p:cxnSp>
+          <p:nvCxnSpPr>
+            <p:cNvPr id="6" name="直線接點 5"/>
+            <p:cNvCxnSpPr/>
+            <p:nvPr/>
+          </p:nvCxnSpPr>
+          <p:spPr>
+            <a:xfrm>
+              <a:off x="5372100" y="2723197"/>
+              <a:ext cx="0" cy="2184083"/>
+            </a:xfrm>
+            <a:prstGeom prst="line">
+              <a:avLst/>
+            </a:prstGeom>
+            <a:ln>
+              <a:solidFill>
+                <a:schemeClr val="tx1"/>
+              </a:solidFill>
+            </a:ln>
+          </p:spPr>
+          <p:style>
+            <a:lnRef idx="1">
+              <a:schemeClr val="accent1"/>
+            </a:lnRef>
+            <a:fillRef idx="0">
+              <a:schemeClr val="accent1"/>
+            </a:fillRef>
+            <a:effectRef idx="0">
+              <a:schemeClr val="accent1"/>
+            </a:effectRef>
+            <a:fontRef idx="minor">
+              <a:schemeClr val="tx1"/>
+            </a:fontRef>
+          </p:style>
+        </p:cxnSp>
+        <p:cxnSp>
+          <p:nvCxnSpPr>
+            <p:cNvPr id="10" name="直線單箭頭接點 9"/>
+            <p:cNvCxnSpPr/>
+            <p:nvPr/>
+          </p:nvCxnSpPr>
+          <p:spPr>
+            <a:xfrm>
+              <a:off x="5372100" y="3434080"/>
+              <a:ext cx="723900" cy="0"/>
+            </a:xfrm>
+            <a:prstGeom prst="straightConnector1">
+              <a:avLst/>
+            </a:prstGeom>
+            <a:ln>
+              <a:solidFill>
+                <a:schemeClr val="tx1"/>
+              </a:solidFill>
+              <a:tailEnd type="triangle"/>
+            </a:ln>
+          </p:spPr>
+          <p:style>
+            <a:lnRef idx="1">
+              <a:schemeClr val="accent1"/>
+            </a:lnRef>
+            <a:fillRef idx="0">
+              <a:schemeClr val="accent1"/>
+            </a:fillRef>
+            <a:effectRef idx="0">
+              <a:schemeClr val="accent1"/>
+            </a:effectRef>
+            <a:fontRef idx="minor">
+              <a:schemeClr val="tx1"/>
+            </a:fontRef>
+          </p:style>
+        </p:cxnSp>
+        <p:cxnSp>
+          <p:nvCxnSpPr>
+            <p:cNvPr id="12" name="直線單箭頭接點 11"/>
+            <p:cNvCxnSpPr/>
+            <p:nvPr/>
+          </p:nvCxnSpPr>
+          <p:spPr>
+            <a:xfrm>
+              <a:off x="5372100" y="4145280"/>
+              <a:ext cx="723900" cy="0"/>
+            </a:xfrm>
+            <a:prstGeom prst="straightConnector1">
+              <a:avLst/>
+            </a:prstGeom>
+            <a:ln>
+              <a:solidFill>
+                <a:schemeClr val="tx1"/>
+              </a:solidFill>
+              <a:tailEnd type="triangle"/>
+            </a:ln>
+          </p:spPr>
+          <p:style>
+            <a:lnRef idx="1">
+              <a:schemeClr val="accent1"/>
+            </a:lnRef>
+            <a:fillRef idx="0">
+              <a:schemeClr val="accent1"/>
+            </a:fillRef>
+            <a:effectRef idx="0">
+              <a:schemeClr val="accent1"/>
+            </a:effectRef>
+            <a:fontRef idx="minor">
+              <a:schemeClr val="tx1"/>
+            </a:fontRef>
+          </p:style>
+        </p:cxnSp>
+        <p:cxnSp>
+          <p:nvCxnSpPr>
+            <p:cNvPr id="14" name="直線單箭頭接點 13"/>
+            <p:cNvCxnSpPr/>
+            <p:nvPr/>
+          </p:nvCxnSpPr>
+          <p:spPr>
+            <a:xfrm>
+              <a:off x="5372100" y="2713037"/>
+              <a:ext cx="723900" cy="0"/>
+            </a:xfrm>
+            <a:prstGeom prst="straightConnector1">
+              <a:avLst/>
+            </a:prstGeom>
+            <a:ln>
+              <a:solidFill>
+                <a:schemeClr val="tx1"/>
+              </a:solidFill>
+              <a:tailEnd type="triangle"/>
+            </a:ln>
+          </p:spPr>
+          <p:style>
+            <a:lnRef idx="1">
+              <a:schemeClr val="accent1"/>
+            </a:lnRef>
+            <a:fillRef idx="0">
+              <a:schemeClr val="accent1"/>
+            </a:fillRef>
+            <a:effectRef idx="0">
+              <a:schemeClr val="accent1"/>
+            </a:effectRef>
+            <a:fontRef idx="minor">
+              <a:schemeClr val="tx1"/>
+            </a:fontRef>
+          </p:style>
+        </p:cxnSp>
+        <p:cxnSp>
+          <p:nvCxnSpPr>
+            <p:cNvPr id="16" name="直線接點 15"/>
+            <p:cNvCxnSpPr/>
+            <p:nvPr/>
+          </p:nvCxnSpPr>
+          <p:spPr>
+            <a:xfrm>
+              <a:off x="6096000" y="2723197"/>
+              <a:ext cx="0" cy="1442403"/>
+            </a:xfrm>
+            <a:prstGeom prst="line">
+              <a:avLst/>
+            </a:prstGeom>
+            <a:ln>
+              <a:solidFill>
+                <a:schemeClr val="tx1"/>
+              </a:solidFill>
+            </a:ln>
+          </p:spPr>
+          <p:style>
+            <a:lnRef idx="1">
+              <a:schemeClr val="accent1"/>
+            </a:lnRef>
+            <a:fillRef idx="0">
+              <a:schemeClr val="accent1"/>
+            </a:fillRef>
+            <a:effectRef idx="0">
+              <a:schemeClr val="accent1"/>
+            </a:effectRef>
+            <a:fontRef idx="minor">
+              <a:schemeClr val="tx1"/>
+            </a:fontRef>
+          </p:style>
+        </p:cxnSp>
+        <p:cxnSp>
+          <p:nvCxnSpPr>
+            <p:cNvPr id="18" name="直線接點 17"/>
+            <p:cNvCxnSpPr/>
+            <p:nvPr/>
+          </p:nvCxnSpPr>
+          <p:spPr>
+            <a:xfrm flipH="1">
+              <a:off x="5372100" y="4165600"/>
+              <a:ext cx="723900" cy="723900"/>
+            </a:xfrm>
+            <a:prstGeom prst="line">
+              <a:avLst/>
+            </a:prstGeom>
+            <a:ln>
+              <a:solidFill>
+                <a:schemeClr val="tx1"/>
+              </a:solidFill>
+            </a:ln>
+          </p:spPr>
+          <p:style>
+            <a:lnRef idx="1">
+              <a:schemeClr val="accent1"/>
+            </a:lnRef>
+            <a:fillRef idx="0">
+              <a:schemeClr val="accent1"/>
+            </a:fillRef>
+            <a:effectRef idx="0">
+              <a:schemeClr val="accent1"/>
+            </a:effectRef>
+            <a:fontRef idx="minor">
+              <a:schemeClr val="tx1"/>
+            </a:fontRef>
+          </p:style>
+        </p:cxnSp>
+      </p:grpSp>
+      <p:grpSp>
+        <p:nvGrpSpPr>
+          <p:cNvPr id="56" name="群組 55"/>
+          <p:cNvGrpSpPr/>
+          <p:nvPr/>
+        </p:nvGrpSpPr>
+        <p:grpSpPr>
+          <a:xfrm>
+            <a:off x="6088379" y="2713037"/>
+            <a:ext cx="1094741" cy="2176463"/>
+            <a:chOff x="6819899" y="2713037"/>
+            <a:chExt cx="1094741" cy="2176463"/>
+          </a:xfrm>
+        </p:grpSpPr>
+        <p:cxnSp>
+          <p:nvCxnSpPr>
+            <p:cNvPr id="20" name="直線接點 19"/>
+            <p:cNvCxnSpPr/>
+            <p:nvPr/>
+          </p:nvCxnSpPr>
+          <p:spPr>
+            <a:xfrm>
+              <a:off x="6827520" y="2723197"/>
+              <a:ext cx="0" cy="2166303"/>
+            </a:xfrm>
+            <a:prstGeom prst="line">
+              <a:avLst/>
+            </a:prstGeom>
+            <a:ln>
+              <a:solidFill>
+                <a:schemeClr val="tx1"/>
+              </a:solidFill>
+            </a:ln>
+          </p:spPr>
+          <p:style>
+            <a:lnRef idx="1">
+              <a:schemeClr val="accent1"/>
+            </a:lnRef>
+            <a:fillRef idx="0">
+              <a:schemeClr val="accent1"/>
+            </a:fillRef>
+            <a:effectRef idx="0">
+              <a:schemeClr val="accent1"/>
+            </a:effectRef>
+            <a:fontRef idx="minor">
+              <a:schemeClr val="tx1"/>
+            </a:fontRef>
+          </p:style>
+        </p:cxnSp>
+        <p:cxnSp>
+          <p:nvCxnSpPr>
+            <p:cNvPr id="22" name="直線單箭頭接點 21"/>
+            <p:cNvCxnSpPr/>
+            <p:nvPr/>
+          </p:nvCxnSpPr>
+          <p:spPr>
+            <a:xfrm>
+              <a:off x="6827520" y="2713037"/>
+              <a:ext cx="1087120" cy="0"/>
+            </a:xfrm>
+            <a:prstGeom prst="straightConnector1">
+              <a:avLst/>
+            </a:prstGeom>
+            <a:ln>
+              <a:solidFill>
+                <a:schemeClr val="tx1"/>
+              </a:solidFill>
+              <a:tailEnd type="triangle"/>
+            </a:ln>
+          </p:spPr>
+          <p:style>
+            <a:lnRef idx="1">
+              <a:schemeClr val="accent1"/>
+            </a:lnRef>
+            <a:fillRef idx="0">
+              <a:schemeClr val="accent1"/>
+            </a:fillRef>
+            <a:effectRef idx="0">
+              <a:schemeClr val="accent1"/>
+            </a:effectRef>
+            <a:fontRef idx="minor">
+              <a:schemeClr val="tx1"/>
+            </a:fontRef>
+          </p:style>
+        </p:cxnSp>
+        <p:cxnSp>
+          <p:nvCxnSpPr>
+            <p:cNvPr id="24" name="直線接點 23"/>
+            <p:cNvCxnSpPr/>
+            <p:nvPr/>
+          </p:nvCxnSpPr>
+          <p:spPr>
+            <a:xfrm flipH="1">
+              <a:off x="6827520" y="2723197"/>
+              <a:ext cx="1087120" cy="2166303"/>
+            </a:xfrm>
+            <a:prstGeom prst="line">
+              <a:avLst/>
+            </a:prstGeom>
+            <a:ln>
+              <a:solidFill>
+                <a:schemeClr val="tx1"/>
+              </a:solidFill>
+            </a:ln>
+          </p:spPr>
+          <p:style>
+            <a:lnRef idx="1">
+              <a:schemeClr val="accent1"/>
+            </a:lnRef>
+            <a:fillRef idx="0">
+              <a:schemeClr val="accent1"/>
+            </a:fillRef>
+            <a:effectRef idx="0">
+              <a:schemeClr val="accent1"/>
+            </a:effectRef>
+            <a:fontRef idx="minor">
+              <a:schemeClr val="tx1"/>
+            </a:fontRef>
+          </p:style>
+        </p:cxnSp>
+        <p:cxnSp>
+          <p:nvCxnSpPr>
+            <p:cNvPr id="26" name="直線單箭頭接點 25"/>
+            <p:cNvCxnSpPr/>
+            <p:nvPr/>
+          </p:nvCxnSpPr>
+          <p:spPr>
+            <a:xfrm>
+              <a:off x="6819899" y="3434080"/>
+              <a:ext cx="739141" cy="0"/>
+            </a:xfrm>
+            <a:prstGeom prst="straightConnector1">
+              <a:avLst/>
+            </a:prstGeom>
+            <a:ln>
+              <a:solidFill>
+                <a:schemeClr val="tx1"/>
+              </a:solidFill>
+              <a:tailEnd type="triangle"/>
+            </a:ln>
+          </p:spPr>
+          <p:style>
+            <a:lnRef idx="1">
+              <a:schemeClr val="accent1"/>
+            </a:lnRef>
+            <a:fillRef idx="0">
+              <a:schemeClr val="accent1"/>
+            </a:fillRef>
+            <a:effectRef idx="0">
+              <a:schemeClr val="accent1"/>
+            </a:effectRef>
+            <a:fontRef idx="minor">
+              <a:schemeClr val="tx1"/>
+            </a:fontRef>
+          </p:style>
+        </p:cxnSp>
+        <p:cxnSp>
+          <p:nvCxnSpPr>
+            <p:cNvPr id="28" name="直線單箭頭接點 27"/>
+            <p:cNvCxnSpPr/>
+            <p:nvPr/>
+          </p:nvCxnSpPr>
+          <p:spPr>
+            <a:xfrm>
+              <a:off x="6827520" y="4145280"/>
+              <a:ext cx="365760" cy="0"/>
+            </a:xfrm>
+            <a:prstGeom prst="straightConnector1">
+              <a:avLst/>
+            </a:prstGeom>
+            <a:ln>
+              <a:solidFill>
+                <a:schemeClr val="tx1"/>
+              </a:solidFill>
+              <a:tailEnd type="triangle"/>
+            </a:ln>
+          </p:spPr>
+          <p:style>
+            <a:lnRef idx="1">
+              <a:schemeClr val="accent1"/>
+            </a:lnRef>
+            <a:fillRef idx="0">
+              <a:schemeClr val="accent1"/>
+            </a:fillRef>
+            <a:effectRef idx="0">
+              <a:schemeClr val="accent1"/>
+            </a:effectRef>
+            <a:fontRef idx="minor">
+              <a:schemeClr val="tx1"/>
+            </a:fontRef>
+          </p:style>
+        </p:cxnSp>
+      </p:grpSp>
+      <p:pic>
+        <p:nvPicPr>
+          <p:cNvPr id="29" name="圖片 28"/>
+          <p:cNvPicPr>
+            <a:picLocks noChangeAspect="1"/>
+          </p:cNvPicPr>
+          <p:nvPr/>
+        </p:nvPicPr>
+        <p:blipFill>
+          <a:blip r:embed="rId4">
+            <a:clrChange>
+              <a:clrFrom>
+                <a:srgbClr val="FFFFFF"/>
+              </a:clrFrom>
+              <a:clrTo>
+                <a:srgbClr val="FFFFFF">
+                  <a:alpha val="0"/>
+                </a:srgbClr>
+              </a:clrTo>
+            </a:clrChange>
+            <a:extLst>
+              <a:ext uri="{28A0092B-C50C-407E-A947-70E740481C1C}">
+                <a14:useLocalDpi xmlns:a14="http://schemas.microsoft.com/office/drawing/2010/main" val="0"/>
+              </a:ext>
+            </a:extLst>
+          </a:blip>
+          <a:stretch>
+            <a:fillRect/>
+          </a:stretch>
+        </p:blipFill>
+        <p:spPr>
+          <a:xfrm>
+            <a:off x="890588" y="1997392"/>
+            <a:ext cx="2705100" cy="3076575"/>
+          </a:xfrm>
+          <a:prstGeom prst="rect">
+            <a:avLst/>
+          </a:prstGeom>
+        </p:spPr>
+      </p:pic>
+      <p:grpSp>
+        <p:nvGrpSpPr>
+          <p:cNvPr id="53" name="群組 52"/>
+          <p:cNvGrpSpPr/>
+          <p:nvPr/>
+        </p:nvGrpSpPr>
+        <p:grpSpPr>
+          <a:xfrm>
+            <a:off x="7853679" y="2713037"/>
+            <a:ext cx="2875281" cy="4144963"/>
+            <a:chOff x="8971279" y="2713037"/>
+            <a:chExt cx="2875281" cy="4144963"/>
+          </a:xfrm>
+        </p:grpSpPr>
+        <p:cxnSp>
+          <p:nvCxnSpPr>
+            <p:cNvPr id="32" name="直線接點 31"/>
+            <p:cNvCxnSpPr/>
+            <p:nvPr/>
+          </p:nvCxnSpPr>
+          <p:spPr>
+            <a:xfrm>
+              <a:off x="8971280" y="2713037"/>
+              <a:ext cx="0" cy="2176463"/>
+            </a:xfrm>
+            <a:prstGeom prst="line">
+              <a:avLst/>
+            </a:prstGeom>
+            <a:ln>
+              <a:solidFill>
+                <a:schemeClr val="tx1"/>
+              </a:solidFill>
+            </a:ln>
+          </p:spPr>
+          <p:style>
+            <a:lnRef idx="1">
+              <a:schemeClr val="accent1"/>
+            </a:lnRef>
+            <a:fillRef idx="0">
+              <a:schemeClr val="accent1"/>
+            </a:fillRef>
+            <a:effectRef idx="0">
+              <a:schemeClr val="accent1"/>
+            </a:effectRef>
+            <a:fontRef idx="minor">
+              <a:schemeClr val="tx1"/>
+            </a:fontRef>
+          </p:style>
+        </p:cxnSp>
+        <p:cxnSp>
+          <p:nvCxnSpPr>
+            <p:cNvPr id="34" name="直線單箭頭接點 33"/>
+            <p:cNvCxnSpPr/>
+            <p:nvPr/>
+          </p:nvCxnSpPr>
+          <p:spPr>
+            <a:xfrm>
+              <a:off x="8971280" y="2713037"/>
+              <a:ext cx="1422400" cy="0"/>
+            </a:xfrm>
+            <a:prstGeom prst="straightConnector1">
+              <a:avLst/>
+            </a:prstGeom>
+            <a:ln>
+              <a:solidFill>
+                <a:schemeClr val="tx1"/>
+              </a:solidFill>
+              <a:tailEnd type="triangle"/>
+            </a:ln>
+          </p:spPr>
+          <p:style>
+            <a:lnRef idx="1">
+              <a:schemeClr val="accent1"/>
+            </a:lnRef>
+            <a:fillRef idx="0">
+              <a:schemeClr val="accent1"/>
+            </a:fillRef>
+            <a:effectRef idx="0">
+              <a:schemeClr val="accent1"/>
+            </a:effectRef>
+            <a:fontRef idx="minor">
+              <a:schemeClr val="tx1"/>
+            </a:fontRef>
+          </p:style>
+        </p:cxnSp>
+        <p:cxnSp>
+          <p:nvCxnSpPr>
+            <p:cNvPr id="36" name="直線單箭頭接點 35"/>
+            <p:cNvCxnSpPr/>
+            <p:nvPr/>
+          </p:nvCxnSpPr>
+          <p:spPr>
+            <a:xfrm>
+              <a:off x="8971280" y="3434080"/>
+              <a:ext cx="355600" cy="0"/>
+            </a:xfrm>
+            <a:prstGeom prst="straightConnector1">
+              <a:avLst/>
+            </a:prstGeom>
+            <a:ln>
+              <a:solidFill>
+                <a:schemeClr val="tx1"/>
+              </a:solidFill>
+              <a:tailEnd type="triangle"/>
+            </a:ln>
+          </p:spPr>
+          <p:style>
+            <a:lnRef idx="1">
+              <a:schemeClr val="accent1"/>
+            </a:lnRef>
+            <a:fillRef idx="0">
+              <a:schemeClr val="accent1"/>
+            </a:fillRef>
+            <a:effectRef idx="0">
+              <a:schemeClr val="accent1"/>
+            </a:effectRef>
+            <a:fontRef idx="minor">
+              <a:schemeClr val="tx1"/>
+            </a:fontRef>
+          </p:style>
+        </p:cxnSp>
+        <p:cxnSp>
+          <p:nvCxnSpPr>
+            <p:cNvPr id="38" name="直線單箭頭接點 37"/>
+            <p:cNvCxnSpPr/>
+            <p:nvPr/>
+          </p:nvCxnSpPr>
+          <p:spPr>
+            <a:xfrm>
+              <a:off x="8971280" y="4145280"/>
+              <a:ext cx="81280" cy="0"/>
+            </a:xfrm>
+            <a:prstGeom prst="straightConnector1">
+              <a:avLst/>
+            </a:prstGeom>
+            <a:ln>
+              <a:solidFill>
+                <a:schemeClr val="tx1"/>
+              </a:solidFill>
+              <a:tailEnd type="triangle"/>
+            </a:ln>
+          </p:spPr>
+          <p:style>
+            <a:lnRef idx="1">
+              <a:schemeClr val="accent1"/>
+            </a:lnRef>
+            <a:fillRef idx="0">
+              <a:schemeClr val="accent1"/>
+            </a:fillRef>
+            <a:effectRef idx="0">
+              <a:schemeClr val="accent1"/>
+            </a:effectRef>
+            <a:fontRef idx="minor">
+              <a:schemeClr val="tx1"/>
+            </a:fontRef>
+          </p:style>
+        </p:cxnSp>
+        <p:sp>
+          <p:nvSpPr>
+            <p:cNvPr id="50" name="弧形 49"/>
+            <p:cNvSpPr/>
+            <p:nvPr/>
+          </p:nvSpPr>
+          <p:spPr>
+            <a:xfrm flipH="1">
+              <a:off x="8971279" y="2723198"/>
+              <a:ext cx="2875281" cy="4134802"/>
+            </a:xfrm>
+            <a:prstGeom prst="arc">
+              <a:avLst/>
+            </a:prstGeom>
+            <a:ln>
+              <a:solidFill>
+                <a:schemeClr val="tx1"/>
+              </a:solidFill>
+            </a:ln>
+          </p:spPr>
+          <p:style>
+            <a:lnRef idx="1">
+              <a:schemeClr val="accent1"/>
+            </a:lnRef>
+            <a:fillRef idx="0">
+              <a:schemeClr val="accent1"/>
+            </a:fillRef>
+            <a:effectRef idx="0">
+              <a:schemeClr val="accent1"/>
+            </a:effectRef>
+            <a:fontRef idx="minor">
+              <a:schemeClr val="tx1"/>
+            </a:fontRef>
+          </p:style>
+          <p:txBody>
+            <a:bodyPr rtlCol="0" anchor="ctr"/>
+            <a:lstStyle/>
+            <a:p>
+              <a:pPr algn="ctr"/>
+              <a:endParaRPr lang="zh-TW" altLang="en-US"/>
+            </a:p>
+          </p:txBody>
+        </p:sp>
+      </p:grpSp>
+      <mc:AlternateContent xmlns:mc="http://schemas.openxmlformats.org/markup-compatibility/2006" xmlns:a14="http://schemas.microsoft.com/office/drawing/2010/main">
+        <mc:Choice Requires="a14">
+          <p:sp>
+            <p:nvSpPr>
+              <p:cNvPr id="57" name="文字方塊 56"/>
+              <p:cNvSpPr txBox="1"/>
+              <p:nvPr/>
+            </p:nvSpPr>
+            <p:spPr>
+              <a:xfrm>
+                <a:off x="4660900" y="5374640"/>
+                <a:ext cx="788934" cy="461665"/>
+              </a:xfrm>
+              <a:prstGeom prst="rect">
+                <a:avLst/>
+              </a:prstGeom>
+              <a:noFill/>
+            </p:spPr>
+            <p:txBody>
+              <a:bodyPr wrap="none" lIns="0" rtlCol="0" anchor="t">
+                <a:spAutoFit/>
+              </a:bodyPr>
+              <a:lstStyle/>
+              <a:p>
+                <a:pPr algn="l">
+                  <a:lnSpc>
+                    <a:spcPct val="120000"/>
+                  </a:lnSpc>
+                </a:pPr>
+                <a14:m>
+                  <m:oMathPara xmlns:m="http://schemas.openxmlformats.org/officeDocument/2006/math">
+                    <m:oMathParaPr>
+                      <m:jc m:val="centerGroup"/>
+                    </m:oMathParaPr>
+                    <m:oMath xmlns:m="http://schemas.openxmlformats.org/officeDocument/2006/math">
+                      <m:r>
+                        <a:rPr lang="en-US" altLang="zh-TW" sz="2000" b="0" i="1" smtClean="0">
+                          <a:latin typeface="Cambria Math" panose="02040503050406030204" pitchFamily="18" charset="0"/>
+                          <a:cs typeface="Segoe UI Light" panose="020B0502040204020203" pitchFamily="34" charset="0"/>
+                        </a:rPr>
+                        <m:t>𝑘</m:t>
+                      </m:r>
+                      <m:r>
+                        <a:rPr lang="en-US" altLang="zh-TW" sz="2000" b="0" i="1" smtClean="0">
+                          <a:latin typeface="Cambria Math" panose="02040503050406030204" pitchFamily="18" charset="0"/>
+                          <a:cs typeface="Segoe UI Light" panose="020B0502040204020203" pitchFamily="34" charset="0"/>
+                        </a:rPr>
+                        <m:t>=0</m:t>
+                      </m:r>
+                    </m:oMath>
+                  </m:oMathPara>
+                </a14:m>
+                <a:endParaRPr lang="zh-TW" altLang="en-US" sz="2000" dirty="0" smtClean="0">
+                  <a:latin typeface="Segoe UI Light" panose="020B0502040204020203" pitchFamily="34" charset="0"/>
+                  <a:cs typeface="Segoe UI Light" panose="020B0502040204020203" pitchFamily="34" charset="0"/>
+                </a:endParaRPr>
+              </a:p>
+            </p:txBody>
+          </p:sp>
+        </mc:Choice>
+        <mc:Fallback xmlns="">
+          <p:sp>
+            <p:nvSpPr>
+              <p:cNvPr id="57" name="文字方塊 56"/>
+              <p:cNvSpPr txBox="1">
+                <a:spLocks noRot="1" noChangeAspect="1" noMove="1" noResize="1" noEditPoints="1" noAdjustHandles="1" noChangeArrowheads="1" noChangeShapeType="1" noTextEdit="1"/>
+              </p:cNvSpPr>
+              <p:nvPr/>
+            </p:nvSpPr>
+            <p:spPr>
+              <a:xfrm>
+                <a:off x="4660900" y="5374640"/>
+                <a:ext cx="788934" cy="461665"/>
+              </a:xfrm>
+              <a:prstGeom prst="rect">
+                <a:avLst/>
+              </a:prstGeom>
+              <a:blipFill>
+                <a:blip r:embed="rId5"/>
+                <a:stretch>
+                  <a:fillRect/>
+                </a:stretch>
+              </a:blipFill>
+            </p:spPr>
+            <p:txBody>
+              <a:bodyPr/>
+              <a:lstStyle/>
+              <a:p>
+                <a:r>
+                  <a:rPr lang="zh-TW" altLang="en-US">
+                    <a:noFill/>
+                  </a:rPr>
+                  <a:t> </a:t>
+                </a:r>
+              </a:p>
+            </p:txBody>
+          </p:sp>
+        </mc:Fallback>
+      </mc:AlternateContent>
+      <mc:AlternateContent xmlns:mc="http://schemas.openxmlformats.org/markup-compatibility/2006" xmlns:a14="http://schemas.microsoft.com/office/drawing/2010/main">
+        <mc:Choice Requires="a14">
+          <p:sp>
+            <p:nvSpPr>
+              <p:cNvPr id="58" name="文字方塊 57"/>
+              <p:cNvSpPr txBox="1"/>
+              <p:nvPr/>
+            </p:nvSpPr>
+            <p:spPr>
+              <a:xfrm>
+                <a:off x="6104122" y="5369550"/>
+                <a:ext cx="788934" cy="461665"/>
+              </a:xfrm>
+              <a:prstGeom prst="rect">
+                <a:avLst/>
+              </a:prstGeom>
+              <a:noFill/>
+            </p:spPr>
+            <p:txBody>
+              <a:bodyPr wrap="none" lIns="0" rtlCol="0" anchor="t">
+                <a:spAutoFit/>
+              </a:bodyPr>
+              <a:lstStyle/>
+              <a:p>
+                <a:pPr algn="l">
+                  <a:lnSpc>
+                    <a:spcPct val="120000"/>
+                  </a:lnSpc>
+                </a:pPr>
+                <a14:m>
+                  <m:oMathPara xmlns:m="http://schemas.openxmlformats.org/officeDocument/2006/math">
+                    <m:oMathParaPr>
+                      <m:jc m:val="centerGroup"/>
+                    </m:oMathParaPr>
+                    <m:oMath xmlns:m="http://schemas.openxmlformats.org/officeDocument/2006/math">
+                      <m:r>
+                        <a:rPr lang="en-US" altLang="zh-TW" sz="2000" b="0" i="1" smtClean="0">
+                          <a:latin typeface="Cambria Math" panose="02040503050406030204" pitchFamily="18" charset="0"/>
+                          <a:cs typeface="Segoe UI Light" panose="020B0502040204020203" pitchFamily="34" charset="0"/>
+                        </a:rPr>
+                        <m:t>𝑘</m:t>
+                      </m:r>
+                      <m:r>
+                        <a:rPr lang="en-US" altLang="zh-TW" sz="2000" b="0" i="1" smtClean="0">
+                          <a:latin typeface="Cambria Math" panose="02040503050406030204" pitchFamily="18" charset="0"/>
+                          <a:cs typeface="Segoe UI Light" panose="020B0502040204020203" pitchFamily="34" charset="0"/>
+                        </a:rPr>
+                        <m:t>=1</m:t>
+                      </m:r>
+                    </m:oMath>
+                  </m:oMathPara>
+                </a14:m>
+                <a:endParaRPr lang="zh-TW" altLang="en-US" sz="2000" dirty="0" smtClean="0">
+                  <a:latin typeface="Segoe UI Light" panose="020B0502040204020203" pitchFamily="34" charset="0"/>
+                  <a:cs typeface="Segoe UI Light" panose="020B0502040204020203" pitchFamily="34" charset="0"/>
+                </a:endParaRPr>
+              </a:p>
+            </p:txBody>
+          </p:sp>
+        </mc:Choice>
+        <mc:Fallback xmlns="">
+          <p:sp>
+            <p:nvSpPr>
+              <p:cNvPr id="58" name="文字方塊 57"/>
+              <p:cNvSpPr txBox="1">
+                <a:spLocks noRot="1" noChangeAspect="1" noMove="1" noResize="1" noEditPoints="1" noAdjustHandles="1" noChangeArrowheads="1" noChangeShapeType="1" noTextEdit="1"/>
+              </p:cNvSpPr>
+              <p:nvPr/>
+            </p:nvSpPr>
+            <p:spPr>
+              <a:xfrm>
+                <a:off x="6104122" y="5369550"/>
+                <a:ext cx="788934" cy="461665"/>
+              </a:xfrm>
+              <a:prstGeom prst="rect">
+                <a:avLst/>
+              </a:prstGeom>
+              <a:blipFill>
+                <a:blip r:embed="rId6"/>
+                <a:stretch>
+                  <a:fillRect/>
+                </a:stretch>
+              </a:blipFill>
+            </p:spPr>
+            <p:txBody>
+              <a:bodyPr/>
+              <a:lstStyle/>
+              <a:p>
+                <a:r>
+                  <a:rPr lang="en-US">
+                    <a:noFill/>
+                  </a:rPr>
+                  <a:t> </a:t>
+                </a:r>
+              </a:p>
+            </p:txBody>
+          </p:sp>
+        </mc:Fallback>
+      </mc:AlternateContent>
+      <mc:AlternateContent xmlns:mc="http://schemas.openxmlformats.org/markup-compatibility/2006" xmlns:a14="http://schemas.microsoft.com/office/drawing/2010/main">
+        <mc:Choice Requires="a14">
+          <p:sp>
+            <p:nvSpPr>
+              <p:cNvPr id="59" name="文字方塊 58"/>
+              <p:cNvSpPr txBox="1"/>
+              <p:nvPr/>
+            </p:nvSpPr>
+            <p:spPr>
+              <a:xfrm>
+                <a:off x="7553958" y="5364460"/>
+                <a:ext cx="788934" cy="461665"/>
+              </a:xfrm>
+              <a:prstGeom prst="rect">
+                <a:avLst/>
+              </a:prstGeom>
+              <a:noFill/>
+            </p:spPr>
+            <p:txBody>
+              <a:bodyPr wrap="none" lIns="0" rtlCol="0" anchor="t">
+                <a:spAutoFit/>
+              </a:bodyPr>
+              <a:lstStyle/>
+              <a:p>
+                <a:pPr algn="l">
+                  <a:lnSpc>
+                    <a:spcPct val="120000"/>
+                  </a:lnSpc>
+                </a:pPr>
+                <a14:m>
+                  <m:oMathPara xmlns:m="http://schemas.openxmlformats.org/officeDocument/2006/math">
+                    <m:oMathParaPr>
+                      <m:jc m:val="centerGroup"/>
+                    </m:oMathParaPr>
+                    <m:oMath xmlns:m="http://schemas.openxmlformats.org/officeDocument/2006/math">
+                      <m:r>
+                        <a:rPr lang="en-US" altLang="zh-TW" sz="2000" b="0" i="1" smtClean="0">
+                          <a:latin typeface="Cambria Math" panose="02040503050406030204" pitchFamily="18" charset="0"/>
+                          <a:cs typeface="Segoe UI Light" panose="020B0502040204020203" pitchFamily="34" charset="0"/>
+                        </a:rPr>
+                        <m:t>𝑘</m:t>
+                      </m:r>
+                      <m:r>
+                        <a:rPr lang="en-US" altLang="zh-TW" sz="2000" b="0" i="1" smtClean="0">
+                          <a:latin typeface="Cambria Math" panose="02040503050406030204" pitchFamily="18" charset="0"/>
+                          <a:cs typeface="Segoe UI Light" panose="020B0502040204020203" pitchFamily="34" charset="0"/>
+                        </a:rPr>
+                        <m:t>=</m:t>
+                      </m:r>
+                      <m:r>
+                        <a:rPr lang="en-US" altLang="zh-TW" sz="2000" b="0" i="0" smtClean="0">
+                          <a:latin typeface="Cambria Math" panose="02040503050406030204" pitchFamily="18" charset="0"/>
+                          <a:cs typeface="Segoe UI Light" panose="020B0502040204020203" pitchFamily="34" charset="0"/>
+                        </a:rPr>
+                        <m:t>2</m:t>
+                      </m:r>
+                    </m:oMath>
+                  </m:oMathPara>
+                </a14:m>
+                <a:endParaRPr lang="zh-TW" altLang="en-US" sz="2000" dirty="0" smtClean="0">
+                  <a:latin typeface="Segoe UI Light" panose="020B0502040204020203" pitchFamily="34" charset="0"/>
+                  <a:cs typeface="Segoe UI Light" panose="020B0502040204020203" pitchFamily="34" charset="0"/>
+                </a:endParaRPr>
+              </a:p>
+            </p:txBody>
+          </p:sp>
+        </mc:Choice>
+        <mc:Fallback xmlns="">
+          <p:sp>
+            <p:nvSpPr>
+              <p:cNvPr id="59" name="文字方塊 58"/>
+              <p:cNvSpPr txBox="1">
+                <a:spLocks noRot="1" noChangeAspect="1" noMove="1" noResize="1" noEditPoints="1" noAdjustHandles="1" noChangeArrowheads="1" noChangeShapeType="1" noTextEdit="1"/>
+              </p:cNvSpPr>
+              <p:nvPr/>
+            </p:nvSpPr>
+            <p:spPr>
+              <a:xfrm>
+                <a:off x="7553958" y="5364460"/>
+                <a:ext cx="788934" cy="461665"/>
+              </a:xfrm>
+              <a:prstGeom prst="rect">
+                <a:avLst/>
+              </a:prstGeom>
+              <a:blipFill>
+                <a:blip r:embed="rId7"/>
+                <a:stretch>
+                  <a:fillRect/>
+                </a:stretch>
+              </a:blipFill>
+            </p:spPr>
+            <p:txBody>
+              <a:bodyPr/>
+              <a:lstStyle/>
+              <a:p>
+                <a:r>
+                  <a:rPr lang="zh-TW" altLang="en-US">
+                    <a:noFill/>
+                  </a:rPr>
+                  <a:t> </a:t>
+                </a:r>
+              </a:p>
+            </p:txBody>
+          </p:sp>
+        </mc:Fallback>
+      </mc:AlternateContent>
+      <p:sp>
+        <p:nvSpPr>
+          <p:cNvPr id="30" name="文字方塊 4"/>
+          <p:cNvSpPr txBox="1"/>
+          <p:nvPr/>
+        </p:nvSpPr>
+        <p:spPr>
+          <a:xfrm>
+            <a:off x="4650740" y="1660263"/>
+            <a:ext cx="872996" cy="830997"/>
+          </a:xfrm>
+          <a:prstGeom prst="rect">
+            <a:avLst/>
+          </a:prstGeom>
+          <a:noFill/>
+        </p:spPr>
+        <p:txBody>
+          <a:bodyPr wrap="none" lIns="0" rtlCol="0" anchor="t">
+            <a:spAutoFit/>
+          </a:bodyPr>
+          <a:lstStyle/>
+          <a:p>
+            <a:pPr algn="l">
+              <a:lnSpc>
+                <a:spcPct val="120000"/>
+              </a:lnSpc>
+            </a:pPr>
+            <a:r>
+              <a:rPr lang="en-US" altLang="zh-TW" sz="2000" dirty="0" smtClean="0">
+                <a:latin typeface="Segoe UI Light" panose="020B0502040204020203" pitchFamily="34" charset="0"/>
+                <a:cs typeface="Segoe UI Light" panose="020B0502040204020203" pitchFamily="34" charset="0"/>
+              </a:rPr>
+              <a:t>1532kN</a:t>
+            </a:r>
+          </a:p>
+          <a:p>
+            <a:pPr algn="l">
+              <a:lnSpc>
+                <a:spcPct val="120000"/>
+              </a:lnSpc>
+            </a:pPr>
+            <a:r>
+              <a:rPr lang="en-US" altLang="zh-TW" sz="2000" dirty="0" smtClean="0">
+                <a:latin typeface="Segoe UI Light" panose="020B0502040204020203" pitchFamily="34" charset="0"/>
+                <a:cs typeface="Segoe UI Light" panose="020B0502040204020203" pitchFamily="34" charset="0"/>
+              </a:rPr>
+              <a:t>131mm</a:t>
+            </a:r>
+            <a:endParaRPr lang="zh-TW" altLang="en-US" sz="2000" dirty="0" smtClean="0">
+              <a:latin typeface="Segoe UI Light" panose="020B0502040204020203" pitchFamily="34" charset="0"/>
+              <a:cs typeface="Segoe UI Light" panose="020B0502040204020203" pitchFamily="34" charset="0"/>
+            </a:endParaRPr>
+          </a:p>
+        </p:txBody>
+      </p:sp>
+      <p:sp>
+        <p:nvSpPr>
+          <p:cNvPr id="31" name="文字方塊 12"/>
+          <p:cNvSpPr txBox="1"/>
+          <p:nvPr/>
+        </p:nvSpPr>
+        <p:spPr>
+          <a:xfrm>
+            <a:off x="6096000" y="1660262"/>
+            <a:ext cx="871392" cy="830997"/>
+          </a:xfrm>
+          <a:prstGeom prst="rect">
+            <a:avLst/>
+          </a:prstGeom>
+          <a:noFill/>
+        </p:spPr>
+        <p:txBody>
+          <a:bodyPr wrap="none" lIns="0" rtlCol="0" anchor="t">
+            <a:spAutoFit/>
+          </a:bodyPr>
+          <a:lstStyle/>
+          <a:p>
+            <a:pPr algn="l">
+              <a:lnSpc>
+                <a:spcPct val="120000"/>
+              </a:lnSpc>
+            </a:pPr>
+            <a:r>
+              <a:rPr lang="en-US" altLang="zh-TW" sz="2000" dirty="0" smtClean="0">
+                <a:latin typeface="Segoe UI Light" panose="020B0502040204020203" pitchFamily="34" charset="0"/>
+                <a:cs typeface="Segoe UI Light" panose="020B0502040204020203" pitchFamily="34" charset="0"/>
+              </a:rPr>
+              <a:t>1314kN</a:t>
+            </a:r>
+          </a:p>
+          <a:p>
+            <a:pPr algn="l">
+              <a:lnSpc>
+                <a:spcPct val="120000"/>
+              </a:lnSpc>
+            </a:pPr>
+            <a:r>
+              <a:rPr lang="en-US" altLang="zh-TW" sz="2000" dirty="0" smtClean="0">
+                <a:latin typeface="Segoe UI Light" panose="020B0502040204020203" pitchFamily="34" charset="0"/>
+                <a:cs typeface="Segoe UI Light" panose="020B0502040204020203" pitchFamily="34" charset="0"/>
+              </a:rPr>
+              <a:t>140mm</a:t>
+            </a:r>
+            <a:endParaRPr lang="zh-TW" altLang="en-US" sz="2000" dirty="0" smtClean="0">
+              <a:latin typeface="Segoe UI Light" panose="020B0502040204020203" pitchFamily="34" charset="0"/>
+              <a:cs typeface="Segoe UI Light" panose="020B0502040204020203" pitchFamily="34" charset="0"/>
+            </a:endParaRPr>
+          </a:p>
+        </p:txBody>
+      </p:sp>
+      <p:sp>
+        <p:nvSpPr>
+          <p:cNvPr id="33" name="文字方塊 4"/>
+          <p:cNvSpPr txBox="1"/>
+          <p:nvPr/>
+        </p:nvSpPr>
+        <p:spPr>
+          <a:xfrm>
+            <a:off x="7853679" y="1656347"/>
+            <a:ext cx="871392" cy="830997"/>
+          </a:xfrm>
+          <a:prstGeom prst="rect">
+            <a:avLst/>
+          </a:prstGeom>
+          <a:noFill/>
+        </p:spPr>
+        <p:txBody>
+          <a:bodyPr wrap="none" lIns="0" rtlCol="0" anchor="t">
+            <a:spAutoFit/>
+          </a:bodyPr>
+          <a:lstStyle/>
+          <a:p>
+            <a:pPr algn="l">
+              <a:lnSpc>
+                <a:spcPct val="120000"/>
+              </a:lnSpc>
+            </a:pPr>
+            <a:r>
+              <a:rPr lang="en-US" altLang="zh-TW" sz="2000" dirty="0" smtClean="0">
+                <a:latin typeface="Segoe UI Light" panose="020B0502040204020203" pitchFamily="34" charset="0"/>
+                <a:cs typeface="Segoe UI Light" panose="020B0502040204020203" pitchFamily="34" charset="0"/>
+              </a:rPr>
+              <a:t>1190kN</a:t>
+            </a:r>
+          </a:p>
+          <a:p>
+            <a:pPr algn="l">
+              <a:lnSpc>
+                <a:spcPct val="120000"/>
+              </a:lnSpc>
+            </a:pPr>
+            <a:r>
+              <a:rPr lang="en-US" altLang="zh-TW" sz="2000" dirty="0" smtClean="0">
+                <a:latin typeface="Segoe UI Light" panose="020B0502040204020203" pitchFamily="34" charset="0"/>
+                <a:cs typeface="Segoe UI Light" panose="020B0502040204020203" pitchFamily="34" charset="0"/>
+              </a:rPr>
+              <a:t>143mm</a:t>
+            </a:r>
+            <a:endParaRPr lang="zh-TW" altLang="en-US" sz="2000" dirty="0" smtClean="0">
+              <a:latin typeface="Segoe UI Light" panose="020B0502040204020203" pitchFamily="34" charset="0"/>
+              <a:cs typeface="Segoe UI Light" panose="020B0502040204020203" pitchFamily="34" charset="0"/>
+            </a:endParaRPr>
+          </a:p>
+        </p:txBody>
+      </p:sp>
+    </p:spTree>
+    <p:extLst>
+      <p:ext uri="{BB962C8B-B14F-4D97-AF65-F5344CB8AC3E}">
+        <p14:creationId xmlns:p14="http://schemas.microsoft.com/office/powerpoint/2010/main" val="4030445356"/>
+      </p:ext>
+    </p:extLst>
+  </p:cSld>
+  <p:clrMapOvr>
+    <a:masterClrMapping/>
+  </p:clrMapOvr>
+  <mc:AlternateContent xmlns:mc="http://schemas.openxmlformats.org/markup-compatibility/2006" xmlns:p14="http://schemas.microsoft.com/office/powerpoint/2010/main">
+    <mc:Choice Requires="p14">
+      <p:transition spd="med" p14:dur="700">
+        <p:fade/>
+      </p:transition>
+    </mc:Choice>
+    <mc:Fallback xmlns="">
+      <p:transition spd="med">
+        <p:fade/>
+      </p:transition>
+    </mc:Fallback>
+  </mc:AlternateContent>
+  <p:timing>
+    <p:tnLst>
+      <p:par>
+        <p:cTn id="1" dur="indefinite" restart="never" nodeType="tmRoot"/>
+      </p:par>
+    </p:tnLst>
+  </p:timing>
+</p:sld>
+</file>
+
+<file path=ppt/slides/slide14.xml><?xml version="1.0" encoding="utf-8"?>
+<p:sld xmlns:a="http://schemas.openxmlformats.org/drawingml/2006/main" xmlns:r="http://schemas.openxmlformats.org/officeDocument/2006/relationships" xmlns:p="http://schemas.openxmlformats.org/presentationml/2006/main">
+  <p:cSld>
+    <p:spTree>
+      <p:nvGrpSpPr>
+        <p:cNvPr id="1" name=""/>
+        <p:cNvGrpSpPr/>
+        <p:nvPr/>
+      </p:nvGrpSpPr>
+      <p:grpSpPr>
+        <a:xfrm>
+          <a:off x="0" y="0"/>
+          <a:ext cx="0" cy="0"/>
+          <a:chOff x="0" y="0"/>
+          <a:chExt cx="0" cy="0"/>
+        </a:xfrm>
+      </p:grpSpPr>
       <p:pic>
         <p:nvPicPr>
           <p:cNvPr id="14" name="圖片 3"/>
@@ -25148,7 +26615,7 @@
           <a:p>
             <a:fld id="{6F0746BA-D1AA-4FF4-8D48-BDBC7FF48778}" type="slidenum">
               <a:rPr lang="fr-FR" smtClean="0"/>
-              <a:t>13</a:t>
+              <a:t>14</a:t>
             </a:fld>
             <a:endParaRPr lang="fr-FR"/>
           </a:p>
@@ -25186,19 +26653,8 @@
                 <a:latin typeface="Segoe UI Light" panose="020B0502040204020203" pitchFamily="34" charset="0"/>
                 <a:cs typeface="Segoe UI Light" panose="020B0502040204020203" pitchFamily="34" charset="0"/>
               </a:rPr>
-              <a:t>Max Base Shear: </a:t>
+              <a:t>Max Base Shear: 1316kN</a:t>
             </a:r>
-            <a:r>
-              <a:rPr lang="en-US" altLang="zh-TW" sz="2000" dirty="0" smtClean="0">
-                <a:latin typeface="Segoe UI Light" panose="020B0502040204020203" pitchFamily="34" charset="0"/>
-                <a:cs typeface="Segoe UI Light" panose="020B0502040204020203" pitchFamily="34" charset="0"/>
-              </a:rPr>
-              <a:t>1316kN</a:t>
-            </a:r>
-            <a:endParaRPr lang="en-US" altLang="zh-TW" sz="2000" dirty="0" smtClean="0">
-              <a:latin typeface="Segoe UI Light" panose="020B0502040204020203" pitchFamily="34" charset="0"/>
-              <a:cs typeface="Segoe UI Light" panose="020B0502040204020203" pitchFamily="34" charset="0"/>
-            </a:endParaRPr>
           </a:p>
           <a:p>
             <a:pPr algn="l">
@@ -25225,14 +26681,7 @@
                 <a:latin typeface="Segoe UI Light" panose="020B0502040204020203" pitchFamily="34" charset="0"/>
                 <a:cs typeface="Segoe UI Light" panose="020B0502040204020203" pitchFamily="34" charset="0"/>
               </a:rPr>
-              <a:t>: </a:t>
-            </a:r>
-            <a:r>
-              <a:rPr lang="en-US" altLang="zh-TW" sz="2000" dirty="0" smtClean="0">
-                <a:latin typeface="Segoe UI Light" panose="020B0502040204020203" pitchFamily="34" charset="0"/>
-                <a:cs typeface="Segoe UI Light" panose="020B0502040204020203" pitchFamily="34" charset="0"/>
-              </a:rPr>
-              <a:t>140mm</a:t>
+              <a:t>: 140mm</a:t>
             </a:r>
             <a:endParaRPr lang="zh-TW" altLang="en-US" sz="2000" dirty="0" smtClean="0">
               <a:latin typeface="Segoe UI Light" panose="020B0502040204020203" pitchFamily="34" charset="0"/>
@@ -25276,8 +26725,8 @@
           </a:prstGeom>
         </p:spPr>
       </p:pic>
-      <mc:AlternateContent xmlns:mc="http://schemas.openxmlformats.org/markup-compatibility/2006">
-        <mc:Choice xmlns:a14="http://schemas.microsoft.com/office/drawing/2010/main" Requires="a14">
+      <mc:AlternateContent xmlns:mc="http://schemas.openxmlformats.org/markup-compatibility/2006" xmlns:a14="http://schemas.microsoft.com/office/drawing/2010/main">
+        <mc:Choice Requires="a14">
           <p:sp>
             <p:nvSpPr>
               <p:cNvPr id="16" name="文字方塊 5"/>
@@ -25336,7 +26785,7 @@
             </p:txBody>
           </p:sp>
         </mc:Choice>
-        <mc:Fallback>
+        <mc:Fallback xmlns="">
           <p:sp>
             <p:nvSpPr>
               <p:cNvPr id="16" name="文字方塊 5"/>
@@ -25407,7 +26856,7 @@
 </p:sld>
 </file>
 
-<file path=ppt/slides/slide14.xml><?xml version="1.0" encoding="utf-8"?>
+<file path=ppt/slides/slide15.xml><?xml version="1.0" encoding="utf-8"?>
 <p:sld xmlns:a="http://schemas.openxmlformats.org/drawingml/2006/main" xmlns:r="http://schemas.openxmlformats.org/officeDocument/2006/relationships" xmlns:p="http://schemas.openxmlformats.org/presentationml/2006/main">
   <p:cSld>
     <p:spTree>
@@ -25459,8 +26908,8 @@
           </a:prstGeom>
         </p:spPr>
       </p:pic>
-      <mc:AlternateContent xmlns:mc="http://schemas.openxmlformats.org/markup-compatibility/2006">
-        <mc:Choice xmlns:a14="http://schemas.microsoft.com/office/drawing/2010/main" Requires="a14">
+      <mc:AlternateContent xmlns:mc="http://schemas.openxmlformats.org/markup-compatibility/2006" xmlns:a14="http://schemas.microsoft.com/office/drawing/2010/main">
+        <mc:Choice Requires="a14">
           <p:sp>
             <p:nvSpPr>
               <p:cNvPr id="11" name="文字方塊 6"/>
@@ -25519,7 +26968,7 @@
             </p:txBody>
           </p:sp>
         </mc:Choice>
-        <mc:Fallback>
+        <mc:Fallback xmlns="">
           <p:sp>
             <p:nvSpPr>
               <p:cNvPr id="11" name="文字方塊 6"/>
@@ -25623,7 +27072,7 @@
           <a:p>
             <a:fld id="{6F0746BA-D1AA-4FF4-8D48-BDBC7FF48778}" type="slidenum">
               <a:rPr lang="fr-FR" smtClean="0"/>
-              <a:t>14</a:t>
+              <a:t>15</a:t>
             </a:fld>
             <a:endParaRPr lang="fr-FR"/>
           </a:p>
@@ -25661,19 +27110,8 @@
                 <a:latin typeface="Segoe UI Light" panose="020B0502040204020203" pitchFamily="34" charset="0"/>
                 <a:cs typeface="Segoe UI Light" panose="020B0502040204020203" pitchFamily="34" charset="0"/>
               </a:rPr>
-              <a:t>Max Base Shear: </a:t>
+              <a:t>Max Base Shear: 1627kN</a:t>
             </a:r>
-            <a:r>
-              <a:rPr lang="en-US" altLang="zh-TW" sz="2000" dirty="0" smtClean="0">
-                <a:latin typeface="Segoe UI Light" panose="020B0502040204020203" pitchFamily="34" charset="0"/>
-                <a:cs typeface="Segoe UI Light" panose="020B0502040204020203" pitchFamily="34" charset="0"/>
-              </a:rPr>
-              <a:t>1627kN</a:t>
-            </a:r>
-            <a:endParaRPr lang="en-US" altLang="zh-TW" sz="2000" dirty="0" smtClean="0">
-              <a:latin typeface="Segoe UI Light" panose="020B0502040204020203" pitchFamily="34" charset="0"/>
-              <a:cs typeface="Segoe UI Light" panose="020B0502040204020203" pitchFamily="34" charset="0"/>
-            </a:endParaRPr>
           </a:p>
           <a:p>
             <a:pPr algn="l">
@@ -25755,7 +27193,7 @@
 </p:sld>
 </file>
 
-<file path=ppt/slides/slide15.xml><?xml version="1.0" encoding="utf-8"?>
+<file path=ppt/slides/slide16.xml><?xml version="1.0" encoding="utf-8"?>
 <p:sld xmlns:a="http://schemas.openxmlformats.org/drawingml/2006/main" xmlns:r="http://schemas.openxmlformats.org/officeDocument/2006/relationships" xmlns:p="http://schemas.openxmlformats.org/presentationml/2006/main">
   <p:cSld>
     <p:spTree>
@@ -25837,7 +27275,7 @@
           <a:p>
             <a:fld id="{6F0746BA-D1AA-4FF4-8D48-BDBC7FF48778}" type="slidenum">
               <a:rPr lang="fr-FR" smtClean="0"/>
-              <a:t>15</a:t>
+              <a:t>16</a:t>
             </a:fld>
             <a:endParaRPr lang="fr-FR"/>
           </a:p>
@@ -25875,26 +27313,8 @@
                 <a:latin typeface="Segoe UI Light" panose="020B0502040204020203" pitchFamily="34" charset="0"/>
                 <a:cs typeface="Segoe UI Light" panose="020B0502040204020203" pitchFamily="34" charset="0"/>
               </a:rPr>
-              <a:t>Max Base Shear: </a:t>
+              <a:t>Max Base Shear: 558kN</a:t>
             </a:r>
-            <a:r>
-              <a:rPr lang="en-US" altLang="zh-TW" sz="2000" dirty="0" smtClean="0">
-                <a:latin typeface="Segoe UI Light" panose="020B0502040204020203" pitchFamily="34" charset="0"/>
-                <a:cs typeface="Segoe UI Light" panose="020B0502040204020203" pitchFamily="34" charset="0"/>
-              </a:rPr>
-              <a:t>558</a:t>
-            </a:r>
-            <a:r>
-              <a:rPr lang="en-US" altLang="zh-TW" sz="2000" dirty="0" smtClean="0">
-                <a:latin typeface="Segoe UI Light" panose="020B0502040204020203" pitchFamily="34" charset="0"/>
-                <a:cs typeface="Segoe UI Light" panose="020B0502040204020203" pitchFamily="34" charset="0"/>
-              </a:rPr>
-              <a:t>kN</a:t>
-            </a:r>
-            <a:endParaRPr lang="en-US" altLang="zh-TW" sz="2000" dirty="0" smtClean="0">
-              <a:latin typeface="Segoe UI Light" panose="020B0502040204020203" pitchFamily="34" charset="0"/>
-              <a:cs typeface="Segoe UI Light" panose="020B0502040204020203" pitchFamily="34" charset="0"/>
-            </a:endParaRPr>
           </a:p>
           <a:p>
             <a:pPr algn="l">
@@ -25921,14 +27341,7 @@
                 <a:latin typeface="Segoe UI Light" panose="020B0502040204020203" pitchFamily="34" charset="0"/>
                 <a:cs typeface="Segoe UI Light" panose="020B0502040204020203" pitchFamily="34" charset="0"/>
               </a:rPr>
-              <a:t>: </a:t>
-            </a:r>
-            <a:r>
-              <a:rPr lang="en-US" altLang="zh-TW" sz="2000" dirty="0" smtClean="0">
-                <a:latin typeface="Segoe UI Light" panose="020B0502040204020203" pitchFamily="34" charset="0"/>
-                <a:cs typeface="Segoe UI Light" panose="020B0502040204020203" pitchFamily="34" charset="0"/>
-              </a:rPr>
-              <a:t>109mm</a:t>
+              <a:t>: 109mm</a:t>
             </a:r>
             <a:endParaRPr lang="zh-TW" altLang="en-US" sz="2000" dirty="0" smtClean="0">
               <a:latin typeface="Segoe UI Light" panose="020B0502040204020203" pitchFamily="34" charset="0"/>
@@ -25937,8 +27350,8 @@
           </a:p>
         </p:txBody>
       </p:sp>
-      <mc:AlternateContent xmlns:mc="http://schemas.openxmlformats.org/markup-compatibility/2006">
-        <mc:Choice xmlns:a14="http://schemas.microsoft.com/office/drawing/2010/main" Requires="a14">
+      <mc:AlternateContent xmlns:mc="http://schemas.openxmlformats.org/markup-compatibility/2006" xmlns:a14="http://schemas.microsoft.com/office/drawing/2010/main">
+        <mc:Choice Requires="a14">
           <p:sp>
             <p:nvSpPr>
               <p:cNvPr id="14" name="文字方塊 8"/>
@@ -26212,7 +27625,7 @@
             </p:txBody>
           </p:sp>
         </mc:Choice>
-        <mc:Fallback>
+        <mc:Fallback xmlns="">
           <p:sp>
             <p:nvSpPr>
               <p:cNvPr id="14" name="文字方塊 8"/>
@@ -26283,7 +27696,866 @@
 </p:sld>
 </file>
 
-<file path=ppt/slides/slide16.xml><?xml version="1.0" encoding="utf-8"?>
+<file path=ppt/slides/slide17.xml><?xml version="1.0" encoding="utf-8"?>
+<p:sld xmlns:a="http://schemas.openxmlformats.org/drawingml/2006/main" xmlns:r="http://schemas.openxmlformats.org/officeDocument/2006/relationships" xmlns:p="http://schemas.openxmlformats.org/presentationml/2006/main">
+  <p:cSld>
+    <p:spTree>
+      <p:nvGrpSpPr>
+        <p:cNvPr id="1" name=""/>
+        <p:cNvGrpSpPr/>
+        <p:nvPr/>
+      </p:nvGrpSpPr>
+      <p:grpSpPr>
+        <a:xfrm>
+          <a:off x="0" y="0"/>
+          <a:ext cx="0" cy="0"/>
+          <a:chOff x="0" y="0"/>
+          <a:chExt cx="0" cy="0"/>
+        </a:xfrm>
+      </p:grpSpPr>
+      <p:sp>
+        <p:nvSpPr>
+          <p:cNvPr id="2" name="Text Placeholder 1">
+            <a:extLst>
+              <a:ext uri="{FF2B5EF4-FFF2-40B4-BE49-F238E27FC236}">
+                <a16:creationId xmlns:a16="http://schemas.microsoft.com/office/drawing/2014/main" id="{099D5123-0174-1A45-8AA1-B7352238688E}"/>
+              </a:ext>
+            </a:extLst>
+          </p:cNvPr>
+          <p:cNvSpPr>
+            <a:spLocks noGrp="1"/>
+          </p:cNvSpPr>
+          <p:nvPr>
+            <p:ph type="body" sz="quarter" idx="10"/>
+          </p:nvPr>
+        </p:nvSpPr>
+        <p:spPr>
+          <a:xfrm>
+            <a:off x="839788" y="660400"/>
+            <a:ext cx="4481512" cy="701731"/>
+          </a:xfrm>
+        </p:spPr>
+        <p:txBody>
+          <a:bodyPr/>
+          <a:lstStyle/>
+          <a:p>
+            <a:r>
+              <a:rPr lang="en-US" dirty="0" smtClean="0"/>
+              <a:t>Pushover</a:t>
+            </a:r>
+            <a:endParaRPr lang="en-US" dirty="0"/>
+          </a:p>
+        </p:txBody>
+      </p:sp>
+      <p:sp>
+        <p:nvSpPr>
+          <p:cNvPr id="3" name="Slide Number Placeholder 2">
+            <a:extLst>
+              <a:ext uri="{FF2B5EF4-FFF2-40B4-BE49-F238E27FC236}">
+                <a16:creationId xmlns:a16="http://schemas.microsoft.com/office/drawing/2014/main" id="{49AC727D-99CD-A649-9E95-62E3952A9AFE}"/>
+              </a:ext>
+            </a:extLst>
+          </p:cNvPr>
+          <p:cNvSpPr>
+            <a:spLocks noGrp="1"/>
+          </p:cNvSpPr>
+          <p:nvPr>
+            <p:ph type="sldNum" sz="quarter" idx="4"/>
+          </p:nvPr>
+        </p:nvSpPr>
+        <p:spPr/>
+        <p:txBody>
+          <a:bodyPr/>
+          <a:lstStyle/>
+          <a:p>
+            <a:fld id="{6F0746BA-D1AA-4FF4-8D48-BDBC7FF48778}" type="slidenum">
+              <a:rPr lang="fr-FR" smtClean="0"/>
+              <a:t>17</a:t>
+            </a:fld>
+            <a:endParaRPr lang="fr-FR"/>
+          </a:p>
+        </p:txBody>
+      </p:sp>
+      <p:pic>
+        <p:nvPicPr>
+          <p:cNvPr id="4" name="圖片 3"/>
+          <p:cNvPicPr>
+            <a:picLocks noChangeAspect="1"/>
+          </p:cNvPicPr>
+          <p:nvPr/>
+        </p:nvPicPr>
+        <p:blipFill>
+          <a:blip r:embed="rId3">
+            <a:clrChange>
+              <a:clrFrom>
+                <a:srgbClr val="FFFFFF"/>
+              </a:clrFrom>
+              <a:clrTo>
+                <a:srgbClr val="FFFFFF">
+                  <a:alpha val="0"/>
+                </a:srgbClr>
+              </a:clrTo>
+            </a:clrChange>
+          </a:blip>
+          <a:stretch>
+            <a:fillRect/>
+          </a:stretch>
+        </p:blipFill>
+        <p:spPr>
+          <a:xfrm>
+            <a:off x="2323465" y="1594167"/>
+            <a:ext cx="895350" cy="4924425"/>
+          </a:xfrm>
+          <a:prstGeom prst="rect">
+            <a:avLst/>
+          </a:prstGeom>
+        </p:spPr>
+      </p:pic>
+      <p:pic>
+        <p:nvPicPr>
+          <p:cNvPr id="5" name="圖片 4"/>
+          <p:cNvPicPr>
+            <a:picLocks noChangeAspect="1"/>
+          </p:cNvPicPr>
+          <p:nvPr/>
+        </p:nvPicPr>
+        <p:blipFill>
+          <a:blip r:embed="rId4">
+            <a:clrChange>
+              <a:clrFrom>
+                <a:srgbClr val="FFFFFF"/>
+              </a:clrFrom>
+              <a:clrTo>
+                <a:srgbClr val="FFFFFF">
+                  <a:alpha val="0"/>
+                </a:srgbClr>
+              </a:clrTo>
+            </a:clrChange>
+          </a:blip>
+          <a:stretch>
+            <a:fillRect/>
+          </a:stretch>
+        </p:blipFill>
+        <p:spPr>
+          <a:xfrm>
+            <a:off x="5127625" y="1630997"/>
+            <a:ext cx="1209675" cy="4867275"/>
+          </a:xfrm>
+          <a:prstGeom prst="rect">
+            <a:avLst/>
+          </a:prstGeom>
+        </p:spPr>
+      </p:pic>
+      <mc:AlternateContent xmlns:mc="http://schemas.openxmlformats.org/markup-compatibility/2006" xmlns:a14="http://schemas.microsoft.com/office/drawing/2010/main">
+        <mc:Choice Requires="a14">
+          <p:sp>
+            <p:nvSpPr>
+              <p:cNvPr id="6" name="文字方塊 5"/>
+              <p:cNvSpPr txBox="1"/>
+              <p:nvPr/>
+            </p:nvSpPr>
+            <p:spPr>
+              <a:xfrm>
+                <a:off x="1070295" y="2001520"/>
+                <a:ext cx="997261" cy="461665"/>
+              </a:xfrm>
+              <a:prstGeom prst="rect">
+                <a:avLst/>
+              </a:prstGeom>
+              <a:noFill/>
+            </p:spPr>
+            <p:txBody>
+              <a:bodyPr wrap="none" lIns="0" rtlCol="0" anchor="t">
+                <a:spAutoFit/>
+              </a:bodyPr>
+              <a:lstStyle/>
+              <a:p>
+                <a:pPr algn="l">
+                  <a:lnSpc>
+                    <a:spcPct val="120000"/>
+                  </a:lnSpc>
+                </a:pPr>
+                <a14:m>
+                  <m:oMathPara xmlns:m="http://schemas.openxmlformats.org/officeDocument/2006/math">
+                    <m:oMathParaPr>
+                      <m:jc m:val="centerGroup"/>
+                    </m:oMathParaPr>
+                    <m:oMath xmlns:m="http://schemas.openxmlformats.org/officeDocument/2006/math">
+                      <m:r>
+                        <a:rPr lang="en-US" altLang="zh-TW" sz="2000" i="1" dirty="0" smtClean="0">
+                          <a:latin typeface="Cambria Math" panose="02040503050406030204" pitchFamily="18" charset="0"/>
+                          <a:cs typeface="Segoe UI Light" panose="020B0502040204020203" pitchFamily="34" charset="0"/>
+                        </a:rPr>
+                        <m:t>𝑀𝑜𝑑𝑒</m:t>
+                      </m:r>
+                      <m:r>
+                        <a:rPr lang="en-US" altLang="zh-TW" sz="2000" i="1" dirty="0" smtClean="0">
+                          <a:latin typeface="Cambria Math" panose="02040503050406030204" pitchFamily="18" charset="0"/>
+                          <a:cs typeface="Segoe UI Light" panose="020B0502040204020203" pitchFamily="34" charset="0"/>
+                        </a:rPr>
+                        <m:t> 1</m:t>
+                      </m:r>
+                    </m:oMath>
+                  </m:oMathPara>
+                </a14:m>
+                <a:endParaRPr lang="zh-TW" altLang="en-US" sz="2000" dirty="0" smtClean="0">
+                  <a:latin typeface="Segoe UI Light" panose="020B0502040204020203" pitchFamily="34" charset="0"/>
+                  <a:cs typeface="Segoe UI Light" panose="020B0502040204020203" pitchFamily="34" charset="0"/>
+                </a:endParaRPr>
+              </a:p>
+            </p:txBody>
+          </p:sp>
+        </mc:Choice>
+        <mc:Fallback xmlns="">
+          <p:sp>
+            <p:nvSpPr>
+              <p:cNvPr id="6" name="文字方塊 5"/>
+              <p:cNvSpPr txBox="1">
+                <a:spLocks noRot="1" noChangeAspect="1" noMove="1" noResize="1" noEditPoints="1" noAdjustHandles="1" noChangeArrowheads="1" noChangeShapeType="1" noTextEdit="1"/>
+              </p:cNvSpPr>
+              <p:nvPr/>
+            </p:nvSpPr>
+            <p:spPr>
+              <a:xfrm>
+                <a:off x="1070295" y="2001520"/>
+                <a:ext cx="997261" cy="461665"/>
+              </a:xfrm>
+              <a:prstGeom prst="rect">
+                <a:avLst/>
+              </a:prstGeom>
+              <a:blipFill>
+                <a:blip r:embed="rId5"/>
+                <a:stretch>
+                  <a:fillRect/>
+                </a:stretch>
+              </a:blipFill>
+            </p:spPr>
+            <p:txBody>
+              <a:bodyPr/>
+              <a:lstStyle/>
+              <a:p>
+                <a:r>
+                  <a:rPr lang="zh-TW" altLang="en-US">
+                    <a:noFill/>
+                  </a:rPr>
+                  <a:t> </a:t>
+                </a:r>
+              </a:p>
+            </p:txBody>
+          </p:sp>
+        </mc:Fallback>
+      </mc:AlternateContent>
+      <mc:AlternateContent xmlns:mc="http://schemas.openxmlformats.org/markup-compatibility/2006" xmlns:a14="http://schemas.microsoft.com/office/drawing/2010/main">
+        <mc:Choice Requires="a14">
+          <p:sp>
+            <p:nvSpPr>
+              <p:cNvPr id="7" name="文字方塊 6"/>
+              <p:cNvSpPr txBox="1"/>
+              <p:nvPr/>
+            </p:nvSpPr>
+            <p:spPr>
+              <a:xfrm>
+                <a:off x="3940913" y="2001519"/>
+                <a:ext cx="997260" cy="461665"/>
+              </a:xfrm>
+              <a:prstGeom prst="rect">
+                <a:avLst/>
+              </a:prstGeom>
+              <a:noFill/>
+            </p:spPr>
+            <p:txBody>
+              <a:bodyPr wrap="none" lIns="0" rtlCol="0" anchor="t">
+                <a:spAutoFit/>
+              </a:bodyPr>
+              <a:lstStyle/>
+              <a:p>
+                <a:pPr algn="l">
+                  <a:lnSpc>
+                    <a:spcPct val="120000"/>
+                  </a:lnSpc>
+                </a:pPr>
+                <a14:m>
+                  <m:oMathPara xmlns:m="http://schemas.openxmlformats.org/officeDocument/2006/math">
+                    <m:oMathParaPr>
+                      <m:jc m:val="centerGroup"/>
+                    </m:oMathParaPr>
+                    <m:oMath xmlns:m="http://schemas.openxmlformats.org/officeDocument/2006/math">
+                      <m:r>
+                        <a:rPr lang="en-US" altLang="zh-TW" sz="2000" i="1" dirty="0" smtClean="0">
+                          <a:latin typeface="Cambria Math" panose="02040503050406030204" pitchFamily="18" charset="0"/>
+                          <a:cs typeface="Segoe UI Light" panose="020B0502040204020203" pitchFamily="34" charset="0"/>
+                        </a:rPr>
+                        <m:t>𝑀𝑜𝑑𝑒</m:t>
+                      </m:r>
+                      <m:r>
+                        <a:rPr lang="en-US" altLang="zh-TW" sz="2000" i="1" dirty="0" smtClean="0">
+                          <a:latin typeface="Cambria Math" panose="02040503050406030204" pitchFamily="18" charset="0"/>
+                          <a:cs typeface="Segoe UI Light" panose="020B0502040204020203" pitchFamily="34" charset="0"/>
+                        </a:rPr>
+                        <m:t> 4</m:t>
+                      </m:r>
+                    </m:oMath>
+                  </m:oMathPara>
+                </a14:m>
+                <a:endParaRPr lang="zh-TW" altLang="en-US" sz="2000" dirty="0" smtClean="0">
+                  <a:latin typeface="Segoe UI Light" panose="020B0502040204020203" pitchFamily="34" charset="0"/>
+                  <a:cs typeface="Segoe UI Light" panose="020B0502040204020203" pitchFamily="34" charset="0"/>
+                </a:endParaRPr>
+              </a:p>
+            </p:txBody>
+          </p:sp>
+        </mc:Choice>
+        <mc:Fallback xmlns="">
+          <p:sp>
+            <p:nvSpPr>
+              <p:cNvPr id="7" name="文字方塊 6"/>
+              <p:cNvSpPr txBox="1">
+                <a:spLocks noRot="1" noChangeAspect="1" noMove="1" noResize="1" noEditPoints="1" noAdjustHandles="1" noChangeArrowheads="1" noChangeShapeType="1" noTextEdit="1"/>
+              </p:cNvSpPr>
+              <p:nvPr/>
+            </p:nvSpPr>
+            <p:spPr>
+              <a:xfrm>
+                <a:off x="3940913" y="2001519"/>
+                <a:ext cx="997260" cy="461665"/>
+              </a:xfrm>
+              <a:prstGeom prst="rect">
+                <a:avLst/>
+              </a:prstGeom>
+              <a:blipFill>
+                <a:blip r:embed="rId6"/>
+                <a:stretch>
+                  <a:fillRect/>
+                </a:stretch>
+              </a:blipFill>
+            </p:spPr>
+            <p:txBody>
+              <a:bodyPr/>
+              <a:lstStyle/>
+              <a:p>
+                <a:r>
+                  <a:rPr lang="zh-TW" altLang="en-US">
+                    <a:noFill/>
+                  </a:rPr>
+                  <a:t> </a:t>
+                </a:r>
+              </a:p>
+            </p:txBody>
+          </p:sp>
+        </mc:Fallback>
+      </mc:AlternateContent>
+      <mc:AlternateContent xmlns:mc="http://schemas.openxmlformats.org/markup-compatibility/2006" xmlns:a14="http://schemas.microsoft.com/office/drawing/2010/main">
+        <mc:Choice Requires="a14">
+          <p:sp>
+            <p:nvSpPr>
+              <p:cNvPr id="9" name="文字方塊 8"/>
+              <p:cNvSpPr txBox="1"/>
+              <p:nvPr/>
+            </p:nvSpPr>
+            <p:spPr>
+              <a:xfrm>
+                <a:off x="7545070" y="2001519"/>
+                <a:ext cx="3436775" cy="2238818"/>
+              </a:xfrm>
+              <a:prstGeom prst="rect">
+                <a:avLst/>
+              </a:prstGeom>
+              <a:noFill/>
+            </p:spPr>
+            <p:txBody>
+              <a:bodyPr wrap="none" lIns="0" rtlCol="0" anchor="t">
+                <a:spAutoFit/>
+              </a:bodyPr>
+              <a:lstStyle/>
+              <a:p>
+                <a:pPr>
+                  <a:lnSpc>
+                    <a:spcPct val="120000"/>
+                  </a:lnSpc>
+                </a:pPr>
+                <a:r>
+                  <a:rPr lang="en-US" altLang="zh-TW" sz="2000" i="1" dirty="0" smtClean="0">
+                    <a:latin typeface="Cambria Math" panose="02040503050406030204" pitchFamily="18" charset="0"/>
+                    <a:cs typeface="Segoe UI Light" panose="020B0502040204020203" pitchFamily="34" charset="0"/>
+                  </a:rPr>
+                  <a:t>MMC:</a:t>
+                </a:r>
+              </a:p>
+              <a:p>
+                <a:pPr>
+                  <a:lnSpc>
+                    <a:spcPct val="120000"/>
+                  </a:lnSpc>
+                </a:pPr>
+                <a14:m>
+                  <m:oMathPara xmlns:m="http://schemas.openxmlformats.org/officeDocument/2006/math">
+                    <m:oMathParaPr>
+                      <m:jc m:val="left"/>
+                    </m:oMathParaPr>
+                    <m:oMath xmlns:m="http://schemas.openxmlformats.org/officeDocument/2006/math">
+                      <m:r>
+                        <a:rPr lang="en-US" altLang="zh-TW" sz="2000" i="1">
+                          <a:latin typeface="Cambria Math" panose="02040503050406030204" pitchFamily="18" charset="0"/>
+                          <a:cs typeface="Segoe UI Light" panose="020B0502040204020203" pitchFamily="34" charset="0"/>
+                        </a:rPr>
+                        <m:t>𝑀𝑜𝑑𝑒</m:t>
+                      </m:r>
+                      <m:r>
+                        <a:rPr lang="en-US" altLang="zh-TW" sz="2000" i="1">
+                          <a:latin typeface="Cambria Math" panose="02040503050406030204" pitchFamily="18" charset="0"/>
+                          <a:cs typeface="Segoe UI Light" panose="020B0502040204020203" pitchFamily="34" charset="0"/>
+                        </a:rPr>
+                        <m:t>1∗0.85+</m:t>
+                      </m:r>
+                      <m:r>
+                        <a:rPr lang="en-US" altLang="zh-TW" sz="2000" i="1">
+                          <a:latin typeface="Cambria Math" panose="02040503050406030204" pitchFamily="18" charset="0"/>
+                          <a:cs typeface="Segoe UI Light" panose="020B0502040204020203" pitchFamily="34" charset="0"/>
+                        </a:rPr>
+                        <m:t>𝑀𝑜𝑑𝑒</m:t>
+                      </m:r>
+                      <m:r>
+                        <a:rPr lang="en-US" altLang="zh-TW" sz="2000" i="1">
+                          <a:latin typeface="Cambria Math" panose="02040503050406030204" pitchFamily="18" charset="0"/>
+                          <a:cs typeface="Segoe UI Light" panose="020B0502040204020203" pitchFamily="34" charset="0"/>
+                        </a:rPr>
+                        <m:t>4∗0.11</m:t>
+                      </m:r>
+                    </m:oMath>
+                  </m:oMathPara>
+                </a14:m>
+                <a:endParaRPr lang="en-US" altLang="zh-TW" sz="2000" b="0" i="1" dirty="0" smtClean="0">
+                  <a:latin typeface="Cambria Math" panose="02040503050406030204" pitchFamily="18" charset="0"/>
+                  <a:cs typeface="Segoe UI Light" panose="020B0502040204020203" pitchFamily="34" charset="0"/>
+                </a:endParaRPr>
+              </a:p>
+              <a:p>
+                <a:pPr algn="l">
+                  <a:lnSpc>
+                    <a:spcPct val="120000"/>
+                  </a:lnSpc>
+                </a:pPr>
+                <a14:m>
+                  <m:oMathPara xmlns:m="http://schemas.openxmlformats.org/officeDocument/2006/math">
+                    <m:oMathParaPr>
+                      <m:jc m:val="left"/>
+                    </m:oMathParaPr>
+                    <m:oMath xmlns:m="http://schemas.openxmlformats.org/officeDocument/2006/math">
+                      <m:sSub>
+                        <m:sSubPr>
+                          <m:ctrlPr>
+                            <a:rPr lang="en-US" altLang="zh-TW" sz="2000" b="0" i="1" smtClean="0">
+                              <a:latin typeface="Cambria Math" panose="02040503050406030204" pitchFamily="18" charset="0"/>
+                              <a:cs typeface="Segoe UI Light" panose="020B0502040204020203" pitchFamily="34" charset="0"/>
+                            </a:rPr>
+                          </m:ctrlPr>
+                        </m:sSubPr>
+                        <m:e>
+                          <m:r>
+                            <a:rPr lang="en-US" altLang="zh-TW" sz="2000" b="0" i="1" smtClean="0">
+                              <a:latin typeface="Cambria Math" panose="02040503050406030204" pitchFamily="18" charset="0"/>
+                              <a:cs typeface="Segoe UI Light" panose="020B0502040204020203" pitchFamily="34" charset="0"/>
+                            </a:rPr>
+                            <m:t>𝐹</m:t>
+                          </m:r>
+                        </m:e>
+                        <m:sub>
+                          <m:r>
+                            <a:rPr lang="en-US" altLang="zh-TW" sz="2000" b="0" i="1" smtClean="0">
+                              <a:latin typeface="Cambria Math" panose="02040503050406030204" pitchFamily="18" charset="0"/>
+                              <a:cs typeface="Segoe UI Light" panose="020B0502040204020203" pitchFamily="34" charset="0"/>
+                            </a:rPr>
+                            <m:t>𝑗</m:t>
+                          </m:r>
+                        </m:sub>
+                      </m:sSub>
+                      <m:r>
+                        <a:rPr lang="en-US" altLang="zh-TW" sz="2000" b="0" i="1" smtClean="0">
+                          <a:latin typeface="Cambria Math" panose="02040503050406030204" pitchFamily="18" charset="0"/>
+                          <a:cs typeface="Segoe UI Light" panose="020B0502040204020203" pitchFamily="34" charset="0"/>
+                        </a:rPr>
+                        <m:t>=</m:t>
+                      </m:r>
+                      <m:nary>
+                        <m:naryPr>
+                          <m:chr m:val="∑"/>
+                          <m:ctrlPr>
+                            <a:rPr lang="en-US" altLang="zh-TW" sz="2000" b="0" i="1" smtClean="0">
+                              <a:latin typeface="Cambria Math" panose="02040503050406030204" pitchFamily="18" charset="0"/>
+                              <a:cs typeface="Segoe UI Light" panose="020B0502040204020203" pitchFamily="34" charset="0"/>
+                            </a:rPr>
+                          </m:ctrlPr>
+                        </m:naryPr>
+                        <m:sub>
+                          <m:r>
+                            <m:rPr>
+                              <m:brk m:alnAt="23"/>
+                            </m:rPr>
+                            <a:rPr lang="en-US" altLang="zh-TW" sz="2000" b="0" i="1" smtClean="0">
+                              <a:latin typeface="Cambria Math" panose="02040503050406030204" pitchFamily="18" charset="0"/>
+                              <a:cs typeface="Segoe UI Light" panose="020B0502040204020203" pitchFamily="34" charset="0"/>
+                            </a:rPr>
+                            <m:t>𝑛</m:t>
+                          </m:r>
+                          <m:r>
+                            <a:rPr lang="en-US" altLang="zh-TW" sz="2000" b="0" i="1" smtClean="0">
+                              <a:latin typeface="Cambria Math" panose="02040503050406030204" pitchFamily="18" charset="0"/>
+                              <a:cs typeface="Segoe UI Light" panose="020B0502040204020203" pitchFamily="34" charset="0"/>
+                            </a:rPr>
+                            <m:t>=1</m:t>
+                          </m:r>
+                        </m:sub>
+                        <m:sup>
+                          <m:r>
+                            <a:rPr lang="en-US" altLang="zh-TW" sz="2000" b="0" i="1" smtClean="0">
+                              <a:latin typeface="Cambria Math" panose="02040503050406030204" pitchFamily="18" charset="0"/>
+                              <a:cs typeface="Segoe UI Light" panose="020B0502040204020203" pitchFamily="34" charset="0"/>
+                            </a:rPr>
+                            <m:t>𝑁</m:t>
+                          </m:r>
+                        </m:sup>
+                        <m:e>
+                          <m:sSub>
+                            <m:sSubPr>
+                              <m:ctrlPr>
+                                <a:rPr lang="en-US" altLang="zh-TW" sz="2000" b="0" i="1" smtClean="0">
+                                  <a:latin typeface="Cambria Math" panose="02040503050406030204" pitchFamily="18" charset="0"/>
+                                  <a:cs typeface="Segoe UI Light" panose="020B0502040204020203" pitchFamily="34" charset="0"/>
+                                </a:rPr>
+                              </m:ctrlPr>
+                            </m:sSubPr>
+                            <m:e>
+                              <m:r>
+                                <m:rPr>
+                                  <m:sty m:val="p"/>
+                                </m:rPr>
+                                <a:rPr lang="en-US" altLang="zh-TW" sz="2000" b="0" i="0" smtClean="0">
+                                  <a:latin typeface="Cambria Math" panose="02040503050406030204" pitchFamily="18" charset="0"/>
+                                  <a:cs typeface="Segoe UI Light" panose="020B0502040204020203" pitchFamily="34" charset="0"/>
+                                </a:rPr>
+                                <m:t>Γ</m:t>
+                              </m:r>
+                            </m:e>
+                            <m:sub>
+                              <m:r>
+                                <a:rPr lang="en-US" altLang="zh-TW" sz="2000" b="0" i="1" smtClean="0">
+                                  <a:latin typeface="Cambria Math" panose="02040503050406030204" pitchFamily="18" charset="0"/>
+                                  <a:cs typeface="Segoe UI Light" panose="020B0502040204020203" pitchFamily="34" charset="0"/>
+                                </a:rPr>
+                                <m:t>𝑛</m:t>
+                              </m:r>
+                            </m:sub>
+                          </m:sSub>
+                          <m:sSub>
+                            <m:sSubPr>
+                              <m:ctrlPr>
+                                <a:rPr lang="en-US" altLang="zh-TW" sz="2000" b="0" i="1" smtClean="0">
+                                  <a:latin typeface="Cambria Math" panose="02040503050406030204" pitchFamily="18" charset="0"/>
+                                  <a:cs typeface="Segoe UI Light" panose="020B0502040204020203" pitchFamily="34" charset="0"/>
+                                </a:rPr>
+                              </m:ctrlPr>
+                            </m:sSubPr>
+                            <m:e>
+                              <m:sSub>
+                                <m:sSubPr>
+                                  <m:ctrlPr>
+                                    <a:rPr lang="en-US" altLang="zh-TW" sz="2000" b="0" i="1" smtClean="0">
+                                      <a:latin typeface="Cambria Math" panose="02040503050406030204" pitchFamily="18" charset="0"/>
+                                      <a:cs typeface="Segoe UI Light" panose="020B0502040204020203" pitchFamily="34" charset="0"/>
+                                    </a:rPr>
+                                  </m:ctrlPr>
+                                </m:sSubPr>
+                                <m:e>
+                                  <m:r>
+                                    <a:rPr lang="en-US" altLang="zh-TW" sz="2000" b="0" i="1" smtClean="0">
+                                      <a:latin typeface="Cambria Math" panose="02040503050406030204" pitchFamily="18" charset="0"/>
+                                      <a:cs typeface="Segoe UI Light" panose="020B0502040204020203" pitchFamily="34" charset="0"/>
+                                    </a:rPr>
+                                    <m:t>𝜙</m:t>
+                                  </m:r>
+                                </m:e>
+                                <m:sub>
+                                  <m:r>
+                                    <a:rPr lang="en-US" altLang="zh-TW" sz="2000" b="0" i="1" smtClean="0">
+                                      <a:latin typeface="Cambria Math" panose="02040503050406030204" pitchFamily="18" charset="0"/>
+                                      <a:cs typeface="Segoe UI Light" panose="020B0502040204020203" pitchFamily="34" charset="0"/>
+                                    </a:rPr>
+                                    <m:t>𝑛</m:t>
+                                  </m:r>
+                                </m:sub>
+                              </m:sSub>
+                            </m:e>
+                            <m:sub>
+                              <m:r>
+                                <a:rPr lang="en-US" altLang="zh-TW" sz="2000" b="0" i="1" smtClean="0">
+                                  <a:latin typeface="Cambria Math" panose="02040503050406030204" pitchFamily="18" charset="0"/>
+                                  <a:cs typeface="Segoe UI Light" panose="020B0502040204020203" pitchFamily="34" charset="0"/>
+                                </a:rPr>
+                                <m:t>𝑗</m:t>
+                              </m:r>
+                            </m:sub>
+                          </m:sSub>
+                        </m:e>
+                      </m:nary>
+                    </m:oMath>
+                  </m:oMathPara>
+                </a14:m>
+                <a:endParaRPr lang="en-US" altLang="zh-TW" sz="2000" b="0" i="1" dirty="0" smtClean="0">
+                  <a:latin typeface="Cambria Math" panose="02040503050406030204" pitchFamily="18" charset="0"/>
+                  <a:cs typeface="Segoe UI Light" panose="020B0502040204020203" pitchFamily="34" charset="0"/>
+                </a:endParaRPr>
+              </a:p>
+              <a:p>
+                <a:pPr algn="l">
+                  <a:lnSpc>
+                    <a:spcPct val="120000"/>
+                  </a:lnSpc>
+                </a:pPr>
+                <a:endParaRPr lang="en-US" altLang="zh-TW" sz="2000" b="0" i="1" dirty="0" smtClean="0">
+                  <a:latin typeface="Cambria Math" panose="02040503050406030204" pitchFamily="18" charset="0"/>
+                  <a:cs typeface="Segoe UI Light" panose="020B0502040204020203" pitchFamily="34" charset="0"/>
+                </a:endParaRPr>
+              </a:p>
+            </p:txBody>
+          </p:sp>
+        </mc:Choice>
+        <mc:Fallback xmlns="">
+          <p:sp>
+            <p:nvSpPr>
+              <p:cNvPr id="9" name="文字方塊 8"/>
+              <p:cNvSpPr txBox="1">
+                <a:spLocks noRot="1" noChangeAspect="1" noMove="1" noResize="1" noEditPoints="1" noAdjustHandles="1" noChangeArrowheads="1" noChangeShapeType="1" noTextEdit="1"/>
+              </p:cNvSpPr>
+              <p:nvPr/>
+            </p:nvSpPr>
+            <p:spPr>
+              <a:xfrm>
+                <a:off x="7545070" y="2001519"/>
+                <a:ext cx="3436775" cy="2238818"/>
+              </a:xfrm>
+              <a:prstGeom prst="rect">
+                <a:avLst/>
+              </a:prstGeom>
+              <a:blipFill>
+                <a:blip r:embed="rId7"/>
+                <a:stretch>
+                  <a:fillRect l="-4618" t="-272"/>
+                </a:stretch>
+              </a:blipFill>
+            </p:spPr>
+            <p:txBody>
+              <a:bodyPr/>
+              <a:lstStyle/>
+              <a:p>
+                <a:r>
+                  <a:rPr lang="zh-TW" altLang="en-US">
+                    <a:noFill/>
+                  </a:rPr>
+                  <a:t> </a:t>
+                </a:r>
+              </a:p>
+            </p:txBody>
+          </p:sp>
+        </mc:Fallback>
+      </mc:AlternateContent>
+      <p:sp>
+        <p:nvSpPr>
+          <p:cNvPr id="10" name="文字方塊 4"/>
+          <p:cNvSpPr txBox="1"/>
+          <p:nvPr/>
+        </p:nvSpPr>
+        <p:spPr>
+          <a:xfrm>
+            <a:off x="1070295" y="2602008"/>
+            <a:ext cx="871392" cy="830997"/>
+          </a:xfrm>
+          <a:prstGeom prst="rect">
+            <a:avLst/>
+          </a:prstGeom>
+          <a:noFill/>
+        </p:spPr>
+        <p:txBody>
+          <a:bodyPr wrap="none" lIns="0" rtlCol="0" anchor="t">
+            <a:spAutoFit/>
+          </a:bodyPr>
+          <a:lstStyle/>
+          <a:p>
+            <a:pPr algn="l">
+              <a:lnSpc>
+                <a:spcPct val="120000"/>
+              </a:lnSpc>
+            </a:pPr>
+            <a:r>
+              <a:rPr lang="en-US" altLang="zh-TW" sz="2000" dirty="0" smtClean="0">
+                <a:latin typeface="Segoe UI Light" panose="020B0502040204020203" pitchFamily="34" charset="0"/>
+                <a:cs typeface="Segoe UI Light" panose="020B0502040204020203" pitchFamily="34" charset="0"/>
+              </a:rPr>
+              <a:t>1316kN</a:t>
+            </a:r>
+          </a:p>
+          <a:p>
+            <a:pPr algn="l">
+              <a:lnSpc>
+                <a:spcPct val="120000"/>
+              </a:lnSpc>
+            </a:pPr>
+            <a:r>
+              <a:rPr lang="en-US" altLang="zh-TW" sz="2000" dirty="0" smtClean="0">
+                <a:latin typeface="Segoe UI Light" panose="020B0502040204020203" pitchFamily="34" charset="0"/>
+                <a:cs typeface="Segoe UI Light" panose="020B0502040204020203" pitchFamily="34" charset="0"/>
+              </a:rPr>
+              <a:t>140mm</a:t>
+            </a:r>
+            <a:endParaRPr lang="zh-TW" altLang="en-US" sz="2000" dirty="0" smtClean="0">
+              <a:latin typeface="Segoe UI Light" panose="020B0502040204020203" pitchFamily="34" charset="0"/>
+              <a:cs typeface="Segoe UI Light" panose="020B0502040204020203" pitchFamily="34" charset="0"/>
+            </a:endParaRPr>
+          </a:p>
+        </p:txBody>
+      </p:sp>
+      <p:sp>
+        <p:nvSpPr>
+          <p:cNvPr id="11" name="文字方塊 4"/>
+          <p:cNvSpPr txBox="1"/>
+          <p:nvPr/>
+        </p:nvSpPr>
+        <p:spPr>
+          <a:xfrm>
+            <a:off x="3940913" y="2602009"/>
+            <a:ext cx="869790" cy="830997"/>
+          </a:xfrm>
+          <a:prstGeom prst="rect">
+            <a:avLst/>
+          </a:prstGeom>
+          <a:noFill/>
+        </p:spPr>
+        <p:txBody>
+          <a:bodyPr wrap="none" lIns="0" rtlCol="0" anchor="t">
+            <a:spAutoFit/>
+          </a:bodyPr>
+          <a:lstStyle/>
+          <a:p>
+            <a:pPr algn="l">
+              <a:lnSpc>
+                <a:spcPct val="120000"/>
+              </a:lnSpc>
+            </a:pPr>
+            <a:r>
+              <a:rPr lang="en-US" altLang="zh-TW" sz="2000" dirty="0" smtClean="0">
+                <a:latin typeface="Segoe UI Light" panose="020B0502040204020203" pitchFamily="34" charset="0"/>
+                <a:cs typeface="Segoe UI Light" panose="020B0502040204020203" pitchFamily="34" charset="0"/>
+              </a:rPr>
+              <a:t>1627kN</a:t>
+            </a:r>
+          </a:p>
+          <a:p>
+            <a:pPr algn="l">
+              <a:lnSpc>
+                <a:spcPct val="120000"/>
+              </a:lnSpc>
+            </a:pPr>
+            <a:r>
+              <a:rPr lang="en-US" altLang="zh-TW" sz="2000" dirty="0" smtClean="0">
+                <a:latin typeface="Segoe UI Light" panose="020B0502040204020203" pitchFamily="34" charset="0"/>
+                <a:cs typeface="Segoe UI Light" panose="020B0502040204020203" pitchFamily="34" charset="0"/>
+              </a:rPr>
+              <a:t>50mm</a:t>
+            </a:r>
+            <a:endParaRPr lang="zh-TW" altLang="en-US" sz="2000" dirty="0" smtClean="0">
+              <a:latin typeface="Segoe UI Light" panose="020B0502040204020203" pitchFamily="34" charset="0"/>
+              <a:cs typeface="Segoe UI Light" panose="020B0502040204020203" pitchFamily="34" charset="0"/>
+            </a:endParaRPr>
+          </a:p>
+        </p:txBody>
+      </p:sp>
+      <p:sp>
+        <p:nvSpPr>
+          <p:cNvPr id="12" name="文字方塊 4"/>
+          <p:cNvSpPr txBox="1"/>
+          <p:nvPr/>
+        </p:nvSpPr>
+        <p:spPr>
+          <a:xfrm>
+            <a:off x="7545070" y="4197805"/>
+            <a:ext cx="866584" cy="830997"/>
+          </a:xfrm>
+          <a:prstGeom prst="rect">
+            <a:avLst/>
+          </a:prstGeom>
+          <a:noFill/>
+        </p:spPr>
+        <p:txBody>
+          <a:bodyPr wrap="none" lIns="0" rtlCol="0" anchor="t">
+            <a:spAutoFit/>
+          </a:bodyPr>
+          <a:lstStyle/>
+          <a:p>
+            <a:pPr algn="l">
+              <a:lnSpc>
+                <a:spcPct val="120000"/>
+              </a:lnSpc>
+            </a:pPr>
+            <a:r>
+              <a:rPr lang="en-US" altLang="zh-TW" sz="2000" dirty="0" smtClean="0">
+                <a:latin typeface="Segoe UI Light" panose="020B0502040204020203" pitchFamily="34" charset="0"/>
+                <a:cs typeface="Segoe UI Light" panose="020B0502040204020203" pitchFamily="34" charset="0"/>
+              </a:rPr>
+              <a:t>558kN</a:t>
+            </a:r>
+          </a:p>
+          <a:p>
+            <a:pPr algn="l">
+              <a:lnSpc>
+                <a:spcPct val="120000"/>
+              </a:lnSpc>
+            </a:pPr>
+            <a:r>
+              <a:rPr lang="en-US" altLang="zh-TW" sz="2000" dirty="0" smtClean="0">
+                <a:latin typeface="Segoe UI Light" panose="020B0502040204020203" pitchFamily="34" charset="0"/>
+                <a:cs typeface="Segoe UI Light" panose="020B0502040204020203" pitchFamily="34" charset="0"/>
+              </a:rPr>
+              <a:t>109mm</a:t>
+            </a:r>
+            <a:endParaRPr lang="zh-TW" altLang="en-US" sz="2000" dirty="0" smtClean="0">
+              <a:latin typeface="Segoe UI Light" panose="020B0502040204020203" pitchFamily="34" charset="0"/>
+              <a:cs typeface="Segoe UI Light" panose="020B0502040204020203" pitchFamily="34" charset="0"/>
+            </a:endParaRPr>
+          </a:p>
+        </p:txBody>
+      </p:sp>
+    </p:spTree>
+    <p:extLst>
+      <p:ext uri="{BB962C8B-B14F-4D97-AF65-F5344CB8AC3E}">
+        <p14:creationId xmlns:p14="http://schemas.microsoft.com/office/powerpoint/2010/main" val="1582486363"/>
+      </p:ext>
+    </p:extLst>
+  </p:cSld>
+  <p:clrMapOvr>
+    <a:masterClrMapping/>
+  </p:clrMapOvr>
+  <mc:AlternateContent xmlns:mc="http://schemas.openxmlformats.org/markup-compatibility/2006" xmlns:p14="http://schemas.microsoft.com/office/powerpoint/2010/main">
+    <mc:Choice Requires="p14">
+      <p:transition spd="med" p14:dur="700">
+        <p:fade/>
+      </p:transition>
+    </mc:Choice>
+    <mc:Fallback xmlns="">
+      <p:transition spd="med">
+        <p:fade/>
+      </p:transition>
+    </mc:Fallback>
+  </mc:AlternateContent>
+  <p:timing>
+    <p:tnLst>
+      <p:par>
+        <p:cTn id="1" dur="indefinite" restart="never" nodeType="tmRoot"/>
+      </p:par>
+    </p:tnLst>
+  </p:timing>
+</p:sld>
+</file>
+
+<file path=ppt/slides/slide18.xml><?xml version="1.0" encoding="utf-8"?>
 <p:sld xmlns:a="http://schemas.openxmlformats.org/drawingml/2006/main" xmlns:r="http://schemas.openxmlformats.org/officeDocument/2006/relationships" xmlns:p="http://schemas.openxmlformats.org/presentationml/2006/main">
   <p:cSld>
     <p:spTree>
@@ -26323,11 +28595,7 @@
           <a:p>
             <a:r>
               <a:rPr lang="en-US" dirty="0" smtClean="0"/>
-              <a:t>c</a:t>
-            </a:r>
-            <a:r>
-              <a:rPr lang="en-US" dirty="0" smtClean="0"/>
-              <a:t>hichi TAP010</a:t>
+              <a:t>chichi TAP010</a:t>
             </a:r>
             <a:endParaRPr lang="en-US" dirty="0"/>
           </a:p>
@@ -26356,7 +28624,7 @@
           <a:p>
             <a:fld id="{6F0746BA-D1AA-4FF4-8D48-BDBC7FF48778}" type="slidenum">
               <a:rPr lang="fr-FR" smtClean="0"/>
-              <a:t>16</a:t>
+              <a:t>18</a:t>
             </a:fld>
             <a:endParaRPr lang="fr-FR"/>
           </a:p>
@@ -26378,7 +28646,7 @@
         </p:blipFill>
         <p:spPr>
           <a:xfrm>
-            <a:off x="6207638" y="3424639"/>
+            <a:off x="6207638" y="11581"/>
             <a:ext cx="4572000" cy="3423939"/>
           </a:xfrm>
           <a:prstGeom prst="rect">
@@ -26402,7 +28670,7 @@
         </p:blipFill>
         <p:spPr>
           <a:xfrm>
-            <a:off x="6211180" y="700"/>
+            <a:off x="6211180" y="3424394"/>
             <a:ext cx="4572000" cy="3423939"/>
           </a:xfrm>
           <a:prstGeom prst="rect">
@@ -26466,7 +28734,7 @@
 </p:sld>
 </file>
 
-<file path=ppt/slides/slide17.xml><?xml version="1.0" encoding="utf-8"?>
+<file path=ppt/slides/slide19.xml><?xml version="1.0" encoding="utf-8"?>
 <p:sld xmlns:a="http://schemas.openxmlformats.org/drawingml/2006/main" xmlns:r="http://schemas.openxmlformats.org/officeDocument/2006/relationships" xmlns:p="http://schemas.openxmlformats.org/presentationml/2006/main">
   <p:cSld>
     <p:spTree>
@@ -26521,7 +28789,7 @@
           <a:p>
             <a:fld id="{6F0746BA-D1AA-4FF4-8D48-BDBC7FF48778}" type="slidenum">
               <a:rPr lang="fr-FR" smtClean="0"/>
-              <a:t>17</a:t>
+              <a:t>19</a:t>
             </a:fld>
             <a:endParaRPr lang="fr-FR"/>
           </a:p>
@@ -26559,7 +28827,932 @@
 </p:sld>
 </file>
 
-<file path=ppt/slides/slide18.xml><?xml version="1.0" encoding="utf-8"?>
+<file path=ppt/slides/slide2.xml><?xml version="1.0" encoding="utf-8"?>
+<p:sld xmlns:a="http://schemas.openxmlformats.org/drawingml/2006/main" xmlns:r="http://schemas.openxmlformats.org/officeDocument/2006/relationships" xmlns:p="http://schemas.openxmlformats.org/presentationml/2006/main">
+  <p:cSld>
+    <p:spTree>
+      <p:nvGrpSpPr>
+        <p:cNvPr id="1" name=""/>
+        <p:cNvGrpSpPr/>
+        <p:nvPr/>
+      </p:nvGrpSpPr>
+      <p:grpSpPr>
+        <a:xfrm>
+          <a:off x="0" y="0"/>
+          <a:ext cx="0" cy="0"/>
+          <a:chOff x="0" y="0"/>
+          <a:chExt cx="0" cy="0"/>
+        </a:xfrm>
+      </p:grpSpPr>
+      <p:cxnSp>
+        <p:nvCxnSpPr>
+          <p:cNvPr id="3" name="Straight Connector 2"/>
+          <p:cNvCxnSpPr/>
+          <p:nvPr/>
+        </p:nvCxnSpPr>
+        <p:spPr>
+          <a:xfrm>
+            <a:off x="6096000" y="628650"/>
+            <a:ext cx="0" cy="5600700"/>
+          </a:xfrm>
+          <a:prstGeom prst="line">
+            <a:avLst/>
+          </a:prstGeom>
+          <a:ln>
+            <a:headEnd type="triangle" w="med" len="med"/>
+            <a:tailEnd type="triangle" w="med" len="med"/>
+          </a:ln>
+        </p:spPr>
+        <p:style>
+          <a:lnRef idx="1">
+            <a:schemeClr val="accent1"/>
+          </a:lnRef>
+          <a:fillRef idx="0">
+            <a:schemeClr val="accent1"/>
+          </a:fillRef>
+          <a:effectRef idx="0">
+            <a:schemeClr val="accent1"/>
+          </a:effectRef>
+          <a:fontRef idx="minor">
+            <a:schemeClr val="tx1"/>
+          </a:fontRef>
+        </p:style>
+      </p:cxnSp>
+      <p:cxnSp>
+        <p:nvCxnSpPr>
+          <p:cNvPr id="15" name="Straight Connector 14"/>
+          <p:cNvCxnSpPr/>
+          <p:nvPr/>
+        </p:nvCxnSpPr>
+        <p:spPr>
+          <a:xfrm>
+            <a:off x="1987550" y="3581400"/>
+            <a:ext cx="8216900" cy="0"/>
+          </a:xfrm>
+          <a:prstGeom prst="line">
+            <a:avLst/>
+          </a:prstGeom>
+          <a:ln>
+            <a:headEnd type="triangle" w="med" len="med"/>
+            <a:tailEnd type="triangle" w="med" len="med"/>
+          </a:ln>
+        </p:spPr>
+        <p:style>
+          <a:lnRef idx="1">
+            <a:schemeClr val="accent1"/>
+          </a:lnRef>
+          <a:fillRef idx="0">
+            <a:schemeClr val="accent1"/>
+          </a:fillRef>
+          <a:effectRef idx="0">
+            <a:schemeClr val="accent1"/>
+          </a:effectRef>
+          <a:fontRef idx="minor">
+            <a:schemeClr val="tx1"/>
+          </a:fontRef>
+        </p:style>
+      </p:cxnSp>
+      <p:sp>
+        <p:nvSpPr>
+          <p:cNvPr id="92" name="TextBox 91"/>
+          <p:cNvSpPr txBox="1"/>
+          <p:nvPr/>
+        </p:nvSpPr>
+        <p:spPr>
+          <a:xfrm>
+            <a:off x="5240655" y="119065"/>
+            <a:ext cx="1710690" cy="523220"/>
+          </a:xfrm>
+          <a:prstGeom prst="rect">
+            <a:avLst/>
+          </a:prstGeom>
+          <a:noFill/>
+        </p:spPr>
+        <p:txBody>
+          <a:bodyPr wrap="square" rtlCol="0" anchor="ctr">
+            <a:spAutoFit/>
+          </a:bodyPr>
+          <a:lstStyle/>
+          <a:p>
+            <a:pPr algn="ctr"/>
+            <a:r>
+              <a:rPr lang="fr-FR" sz="1400" b="1" spc="300" dirty="0">
+                <a:latin typeface="Segoe UI" panose="020B0502040204020203" pitchFamily="34" charset="0"/>
+                <a:cs typeface="Segoe UI" panose="020B0502040204020203" pitchFamily="34" charset="0"/>
+              </a:rPr>
+              <a:t>RIGOROUS </a:t>
+            </a:r>
+          </a:p>
+          <a:p>
+            <a:pPr algn="ctr"/>
+            <a:r>
+              <a:rPr lang="fr-FR" sz="1400" b="1" spc="300" dirty="0">
+                <a:latin typeface="Segoe UI" panose="020B0502040204020203" pitchFamily="34" charset="0"/>
+                <a:cs typeface="Segoe UI" panose="020B0502040204020203" pitchFamily="34" charset="0"/>
+              </a:rPr>
+              <a:t>PROCEDURE</a:t>
+            </a:r>
+          </a:p>
+        </p:txBody>
+      </p:sp>
+      <p:sp>
+        <p:nvSpPr>
+          <p:cNvPr id="95" name="TextBox 94"/>
+          <p:cNvSpPr txBox="1"/>
+          <p:nvPr/>
+        </p:nvSpPr>
+        <p:spPr>
+          <a:xfrm>
+            <a:off x="5240655" y="6215716"/>
+            <a:ext cx="1710690" cy="523220"/>
+          </a:xfrm>
+          <a:prstGeom prst="rect">
+            <a:avLst/>
+          </a:prstGeom>
+          <a:noFill/>
+        </p:spPr>
+        <p:txBody>
+          <a:bodyPr wrap="square" rtlCol="0" anchor="ctr">
+            <a:spAutoFit/>
+          </a:bodyPr>
+          <a:lstStyle/>
+          <a:p>
+            <a:pPr algn="ctr"/>
+            <a:r>
+              <a:rPr lang="fr-FR" sz="1400" b="1" spc="300" dirty="0">
+                <a:latin typeface="Segoe UI" panose="020B0502040204020203" pitchFamily="34" charset="0"/>
+                <a:cs typeface="Segoe UI" panose="020B0502040204020203" pitchFamily="34" charset="0"/>
+              </a:rPr>
+              <a:t>ENGINEER</a:t>
+            </a:r>
+          </a:p>
+          <a:p>
+            <a:pPr algn="ctr"/>
+            <a:r>
+              <a:rPr lang="fr-FR" sz="1400" b="1" spc="300" dirty="0">
+                <a:latin typeface="Segoe UI" panose="020B0502040204020203" pitchFamily="34" charset="0"/>
+                <a:cs typeface="Segoe UI" panose="020B0502040204020203" pitchFamily="34" charset="0"/>
+              </a:rPr>
+              <a:t>SIMPLICITY</a:t>
+            </a:r>
+          </a:p>
+        </p:txBody>
+      </p:sp>
+      <p:sp>
+        <p:nvSpPr>
+          <p:cNvPr id="96" name="TextBox 95"/>
+          <p:cNvSpPr txBox="1"/>
+          <p:nvPr/>
+        </p:nvSpPr>
+        <p:spPr>
+          <a:xfrm>
+            <a:off x="10204450" y="3432370"/>
+            <a:ext cx="1710690" cy="307777"/>
+          </a:xfrm>
+          <a:prstGeom prst="rect">
+            <a:avLst/>
+          </a:prstGeom>
+          <a:noFill/>
+        </p:spPr>
+        <p:txBody>
+          <a:bodyPr wrap="square" rtlCol="0" anchor="ctr">
+            <a:spAutoFit/>
+          </a:bodyPr>
+          <a:lstStyle/>
+          <a:p>
+            <a:r>
+              <a:rPr lang="fr-FR" sz="1400" b="1" spc="300" dirty="0">
+                <a:latin typeface="Segoe UI" panose="020B0502040204020203" pitchFamily="34" charset="0"/>
+                <a:cs typeface="Segoe UI" panose="020B0502040204020203" pitchFamily="34" charset="0"/>
+              </a:rPr>
+              <a:t>NON-LINEAR</a:t>
+            </a:r>
+          </a:p>
+        </p:txBody>
+      </p:sp>
+      <p:sp>
+        <p:nvSpPr>
+          <p:cNvPr id="97" name="TextBox 96"/>
+          <p:cNvSpPr txBox="1"/>
+          <p:nvPr/>
+        </p:nvSpPr>
+        <p:spPr>
+          <a:xfrm>
+            <a:off x="276860" y="3427511"/>
+            <a:ext cx="1710690" cy="307777"/>
+          </a:xfrm>
+          <a:prstGeom prst="rect">
+            <a:avLst/>
+          </a:prstGeom>
+          <a:noFill/>
+        </p:spPr>
+        <p:txBody>
+          <a:bodyPr wrap="square" rtlCol="0" anchor="ctr">
+            <a:spAutoFit/>
+          </a:bodyPr>
+          <a:lstStyle/>
+          <a:p>
+            <a:pPr algn="r"/>
+            <a:r>
+              <a:rPr lang="fr-FR" sz="1400" b="1" spc="300" dirty="0">
+                <a:latin typeface="Segoe UI" panose="020B0502040204020203" pitchFamily="34" charset="0"/>
+                <a:cs typeface="Segoe UI" panose="020B0502040204020203" pitchFamily="34" charset="0"/>
+              </a:rPr>
+              <a:t>LINEAR</a:t>
+            </a:r>
+          </a:p>
+        </p:txBody>
+      </p:sp>
+      <p:sp>
+        <p:nvSpPr>
+          <p:cNvPr id="2" name="投影片編號版面配置區 1">
+            <a:extLst>
+              <a:ext uri="{FF2B5EF4-FFF2-40B4-BE49-F238E27FC236}">
+                <a16:creationId xmlns:a16="http://schemas.microsoft.com/office/drawing/2014/main" id="{D474FC78-848E-4CF3-A0B5-01A6B88BBD80}"/>
+              </a:ext>
+            </a:extLst>
+          </p:cNvPr>
+          <p:cNvSpPr>
+            <a:spLocks noGrp="1"/>
+          </p:cNvSpPr>
+          <p:nvPr>
+            <p:ph type="sldNum" sz="quarter" idx="4"/>
+          </p:nvPr>
+        </p:nvSpPr>
+        <p:spPr/>
+        <p:txBody>
+          <a:bodyPr/>
+          <a:lstStyle/>
+          <a:p>
+            <a:fld id="{6F0746BA-D1AA-4FF4-8D48-BDBC7FF48778}" type="slidenum">
+              <a:rPr lang="fr-FR" smtClean="0"/>
+              <a:t>2</a:t>
+            </a:fld>
+            <a:endParaRPr lang="fr-FR" dirty="0"/>
+          </a:p>
+        </p:txBody>
+      </p:sp>
+      <p:grpSp>
+        <p:nvGrpSpPr>
+          <p:cNvPr id="43" name="Group 1"/>
+          <p:cNvGrpSpPr/>
+          <p:nvPr/>
+        </p:nvGrpSpPr>
+        <p:grpSpPr>
+          <a:xfrm>
+            <a:off x="3231751" y="793935"/>
+            <a:ext cx="944566" cy="944566"/>
+            <a:chOff x="3173014" y="2956717"/>
+            <a:chExt cx="944566" cy="944566"/>
+          </a:xfrm>
+        </p:grpSpPr>
+        <p:sp>
+          <p:nvSpPr>
+            <p:cNvPr id="44" name="Oval 18"/>
+            <p:cNvSpPr/>
+            <p:nvPr/>
+          </p:nvSpPr>
+          <p:spPr>
+            <a:xfrm>
+              <a:off x="3290491" y="3074194"/>
+              <a:ext cx="709612" cy="709612"/>
+            </a:xfrm>
+            <a:prstGeom prst="ellipse">
+              <a:avLst/>
+            </a:prstGeom>
+            <a:solidFill>
+              <a:schemeClr val="bg1">
+                <a:lumMod val="85000"/>
+              </a:schemeClr>
+            </a:solidFill>
+            <a:ln>
+              <a:noFill/>
+            </a:ln>
+          </p:spPr>
+          <p:style>
+            <a:lnRef idx="2">
+              <a:schemeClr val="accent1">
+                <a:shade val="50000"/>
+              </a:schemeClr>
+            </a:lnRef>
+            <a:fillRef idx="1">
+              <a:schemeClr val="accent1"/>
+            </a:fillRef>
+            <a:effectRef idx="0">
+              <a:schemeClr val="accent1"/>
+            </a:effectRef>
+            <a:fontRef idx="minor">
+              <a:schemeClr val="lt1"/>
+            </a:fontRef>
+          </p:style>
+          <p:txBody>
+            <a:bodyPr rtlCol="0" anchor="ctr"/>
+            <a:lstStyle/>
+            <a:p>
+              <a:pPr algn="ctr"/>
+              <a:endParaRPr lang="fr-FR" dirty="0"/>
+            </a:p>
+          </p:txBody>
+        </p:sp>
+        <p:sp>
+          <p:nvSpPr>
+            <p:cNvPr id="45" name="Oval 22"/>
+            <p:cNvSpPr/>
+            <p:nvPr/>
+          </p:nvSpPr>
+          <p:spPr>
+            <a:xfrm>
+              <a:off x="3173014" y="2956717"/>
+              <a:ext cx="944566" cy="944566"/>
+            </a:xfrm>
+            <a:prstGeom prst="ellipse">
+              <a:avLst/>
+            </a:prstGeom>
+            <a:solidFill>
+              <a:schemeClr val="bg1">
+                <a:lumMod val="85000"/>
+                <a:alpha val="42000"/>
+              </a:schemeClr>
+            </a:solidFill>
+            <a:ln>
+              <a:noFill/>
+            </a:ln>
+          </p:spPr>
+          <p:style>
+            <a:lnRef idx="2">
+              <a:schemeClr val="accent1">
+                <a:shade val="50000"/>
+              </a:schemeClr>
+            </a:lnRef>
+            <a:fillRef idx="1">
+              <a:schemeClr val="accent1"/>
+            </a:fillRef>
+            <a:effectRef idx="0">
+              <a:schemeClr val="accent1"/>
+            </a:effectRef>
+            <a:fontRef idx="minor">
+              <a:schemeClr val="lt1"/>
+            </a:fontRef>
+          </p:style>
+          <p:txBody>
+            <a:bodyPr rtlCol="0" anchor="ctr"/>
+            <a:lstStyle/>
+            <a:p>
+              <a:pPr algn="ctr"/>
+              <a:r>
+                <a:rPr lang="fr-FR" sz="2800" dirty="0">
+                  <a:solidFill>
+                    <a:schemeClr val="tx1"/>
+                  </a:solidFill>
+                  <a:latin typeface="Segoe UI" panose="020B0502040204020203" pitchFamily="34" charset="0"/>
+                  <a:cs typeface="Segoe UI" panose="020B0502040204020203" pitchFamily="34" charset="0"/>
+                </a:rPr>
+                <a:t>2</a:t>
+              </a:r>
+            </a:p>
+          </p:txBody>
+        </p:sp>
+      </p:grpSp>
+      <p:grpSp>
+        <p:nvGrpSpPr>
+          <p:cNvPr id="46" name="Group 24"/>
+          <p:cNvGrpSpPr/>
+          <p:nvPr/>
+        </p:nvGrpSpPr>
+        <p:grpSpPr>
+          <a:xfrm>
+            <a:off x="3231751" y="3852852"/>
+            <a:ext cx="944566" cy="944566"/>
+            <a:chOff x="3173014" y="2956717"/>
+            <a:chExt cx="944566" cy="944566"/>
+          </a:xfrm>
+        </p:grpSpPr>
+        <p:sp>
+          <p:nvSpPr>
+            <p:cNvPr id="47" name="Oval 25"/>
+            <p:cNvSpPr/>
+            <p:nvPr/>
+          </p:nvSpPr>
+          <p:spPr>
+            <a:xfrm>
+              <a:off x="3290491" y="3074194"/>
+              <a:ext cx="709612" cy="709612"/>
+            </a:xfrm>
+            <a:prstGeom prst="ellipse">
+              <a:avLst/>
+            </a:prstGeom>
+            <a:solidFill>
+              <a:schemeClr val="bg1">
+                <a:lumMod val="85000"/>
+              </a:schemeClr>
+            </a:solidFill>
+            <a:ln>
+              <a:noFill/>
+            </a:ln>
+          </p:spPr>
+          <p:style>
+            <a:lnRef idx="2">
+              <a:schemeClr val="accent1">
+                <a:shade val="50000"/>
+              </a:schemeClr>
+            </a:lnRef>
+            <a:fillRef idx="1">
+              <a:schemeClr val="accent1"/>
+            </a:fillRef>
+            <a:effectRef idx="0">
+              <a:schemeClr val="accent1"/>
+            </a:effectRef>
+            <a:fontRef idx="minor">
+              <a:schemeClr val="lt1"/>
+            </a:fontRef>
+          </p:style>
+          <p:txBody>
+            <a:bodyPr rtlCol="0" anchor="ctr"/>
+            <a:lstStyle/>
+            <a:p>
+              <a:pPr algn="ctr"/>
+              <a:endParaRPr lang="fr-FR"/>
+            </a:p>
+          </p:txBody>
+        </p:sp>
+        <p:sp>
+          <p:nvSpPr>
+            <p:cNvPr id="48" name="Oval 26"/>
+            <p:cNvSpPr/>
+            <p:nvPr/>
+          </p:nvSpPr>
+          <p:spPr>
+            <a:xfrm>
+              <a:off x="3173014" y="2956717"/>
+              <a:ext cx="944566" cy="944566"/>
+            </a:xfrm>
+            <a:prstGeom prst="ellipse">
+              <a:avLst/>
+            </a:prstGeom>
+            <a:solidFill>
+              <a:schemeClr val="bg1">
+                <a:lumMod val="85000"/>
+                <a:alpha val="42000"/>
+              </a:schemeClr>
+            </a:solidFill>
+            <a:ln>
+              <a:noFill/>
+            </a:ln>
+          </p:spPr>
+          <p:style>
+            <a:lnRef idx="2">
+              <a:schemeClr val="accent1">
+                <a:shade val="50000"/>
+              </a:schemeClr>
+            </a:lnRef>
+            <a:fillRef idx="1">
+              <a:schemeClr val="accent1"/>
+            </a:fillRef>
+            <a:effectRef idx="0">
+              <a:schemeClr val="accent1"/>
+            </a:effectRef>
+            <a:fontRef idx="minor">
+              <a:schemeClr val="lt1"/>
+            </a:fontRef>
+          </p:style>
+          <p:txBody>
+            <a:bodyPr rtlCol="0" anchor="ctr"/>
+            <a:lstStyle/>
+            <a:p>
+              <a:pPr algn="ctr"/>
+              <a:r>
+                <a:rPr lang="fr-FR" sz="2800" dirty="0">
+                  <a:solidFill>
+                    <a:schemeClr val="tx1"/>
+                  </a:solidFill>
+                  <a:latin typeface="Segoe UI" panose="020B0502040204020203" pitchFamily="34" charset="0"/>
+                  <a:cs typeface="Segoe UI" panose="020B0502040204020203" pitchFamily="34" charset="0"/>
+                </a:rPr>
+                <a:t>1</a:t>
+              </a:r>
+            </a:p>
+          </p:txBody>
+        </p:sp>
+      </p:grpSp>
+      <p:sp>
+        <p:nvSpPr>
+          <p:cNvPr id="49" name="TextBox 98"/>
+          <p:cNvSpPr txBox="1"/>
+          <p:nvPr/>
+        </p:nvSpPr>
+        <p:spPr>
+          <a:xfrm>
+            <a:off x="3231753" y="5260966"/>
+            <a:ext cx="1548000" cy="1015663"/>
+          </a:xfrm>
+          <a:prstGeom prst="rect">
+            <a:avLst/>
+          </a:prstGeom>
+          <a:noFill/>
+        </p:spPr>
+        <p:txBody>
+          <a:bodyPr wrap="square" lIns="0" rtlCol="0" anchor="t">
+            <a:spAutoFit/>
+          </a:bodyPr>
+          <a:lstStyle/>
+          <a:p>
+            <a:r>
+              <a:rPr lang="fr-FR" sz="2000" dirty="0">
+                <a:latin typeface="Segoe UI Light" panose="020B0502040204020203" pitchFamily="34" charset="0"/>
+                <a:cs typeface="Segoe UI Light" panose="020B0502040204020203" pitchFamily="34" charset="0"/>
+              </a:rPr>
+              <a:t>FROM EXISTING REBAR</a:t>
+            </a:r>
+            <a:endParaRPr lang="fr-FR" sz="2000" dirty="0">
+              <a:solidFill>
+                <a:schemeClr val="accent1"/>
+              </a:solidFill>
+              <a:latin typeface="Segoe UI Light" panose="020B0502040204020203" pitchFamily="34" charset="0"/>
+              <a:cs typeface="Segoe UI Light" panose="020B0502040204020203" pitchFamily="34" charset="0"/>
+            </a:endParaRPr>
+          </a:p>
+        </p:txBody>
+      </p:sp>
+      <p:grpSp>
+        <p:nvGrpSpPr>
+          <p:cNvPr id="50" name="Group 27"/>
+          <p:cNvGrpSpPr/>
+          <p:nvPr/>
+        </p:nvGrpSpPr>
+        <p:grpSpPr>
+          <a:xfrm>
+            <a:off x="7611237" y="799884"/>
+            <a:ext cx="944566" cy="944566"/>
+            <a:chOff x="3173014" y="2956717"/>
+            <a:chExt cx="944566" cy="944566"/>
+          </a:xfrm>
+        </p:grpSpPr>
+        <p:sp>
+          <p:nvSpPr>
+            <p:cNvPr id="51" name="Oval 28"/>
+            <p:cNvSpPr/>
+            <p:nvPr/>
+          </p:nvSpPr>
+          <p:spPr>
+            <a:xfrm>
+              <a:off x="3290491" y="3074194"/>
+              <a:ext cx="709612" cy="709612"/>
+            </a:xfrm>
+            <a:prstGeom prst="ellipse">
+              <a:avLst/>
+            </a:prstGeom>
+            <a:solidFill>
+              <a:schemeClr val="bg1">
+                <a:lumMod val="85000"/>
+              </a:schemeClr>
+            </a:solidFill>
+            <a:ln>
+              <a:noFill/>
+            </a:ln>
+          </p:spPr>
+          <p:style>
+            <a:lnRef idx="2">
+              <a:schemeClr val="accent1">
+                <a:shade val="50000"/>
+              </a:schemeClr>
+            </a:lnRef>
+            <a:fillRef idx="1">
+              <a:schemeClr val="accent1"/>
+            </a:fillRef>
+            <a:effectRef idx="0">
+              <a:schemeClr val="accent1"/>
+            </a:effectRef>
+            <a:fontRef idx="minor">
+              <a:schemeClr val="lt1"/>
+            </a:fontRef>
+          </p:style>
+          <p:txBody>
+            <a:bodyPr rtlCol="0" anchor="ctr"/>
+            <a:lstStyle/>
+            <a:p>
+              <a:pPr algn="ctr"/>
+              <a:endParaRPr lang="fr-FR"/>
+            </a:p>
+          </p:txBody>
+        </p:sp>
+        <p:sp>
+          <p:nvSpPr>
+            <p:cNvPr id="52" name="Oval 29"/>
+            <p:cNvSpPr/>
+            <p:nvPr/>
+          </p:nvSpPr>
+          <p:spPr>
+            <a:xfrm>
+              <a:off x="3173014" y="2956717"/>
+              <a:ext cx="944566" cy="944566"/>
+            </a:xfrm>
+            <a:prstGeom prst="ellipse">
+              <a:avLst/>
+            </a:prstGeom>
+            <a:solidFill>
+              <a:schemeClr val="bg1">
+                <a:lumMod val="85000"/>
+                <a:alpha val="42000"/>
+              </a:schemeClr>
+            </a:solidFill>
+            <a:ln>
+              <a:noFill/>
+            </a:ln>
+          </p:spPr>
+          <p:style>
+            <a:lnRef idx="2">
+              <a:schemeClr val="accent1">
+                <a:shade val="50000"/>
+              </a:schemeClr>
+            </a:lnRef>
+            <a:fillRef idx="1">
+              <a:schemeClr val="accent1"/>
+            </a:fillRef>
+            <a:effectRef idx="0">
+              <a:schemeClr val="accent1"/>
+            </a:effectRef>
+            <a:fontRef idx="minor">
+              <a:schemeClr val="lt1"/>
+            </a:fontRef>
+          </p:style>
+          <p:txBody>
+            <a:bodyPr rtlCol="0" anchor="ctr"/>
+            <a:lstStyle/>
+            <a:p>
+              <a:pPr algn="ctr"/>
+              <a:r>
+                <a:rPr lang="fr-FR" sz="2800" dirty="0">
+                  <a:solidFill>
+                    <a:schemeClr val="tx1"/>
+                  </a:solidFill>
+                  <a:latin typeface="Segoe UI" panose="020B0502040204020203" pitchFamily="34" charset="0"/>
+                  <a:cs typeface="Segoe UI" panose="020B0502040204020203" pitchFamily="34" charset="0"/>
+                </a:rPr>
+                <a:t>3</a:t>
+              </a:r>
+            </a:p>
+          </p:txBody>
+        </p:sp>
+      </p:grpSp>
+      <p:grpSp>
+        <p:nvGrpSpPr>
+          <p:cNvPr id="53" name="Group 30"/>
+          <p:cNvGrpSpPr/>
+          <p:nvPr/>
+        </p:nvGrpSpPr>
+        <p:grpSpPr>
+          <a:xfrm>
+            <a:off x="7611236" y="3852860"/>
+            <a:ext cx="944566" cy="944566"/>
+            <a:chOff x="3173014" y="2956717"/>
+            <a:chExt cx="944566" cy="944566"/>
+          </a:xfrm>
+        </p:grpSpPr>
+        <p:sp>
+          <p:nvSpPr>
+            <p:cNvPr id="54" name="Oval 31"/>
+            <p:cNvSpPr/>
+            <p:nvPr/>
+          </p:nvSpPr>
+          <p:spPr>
+            <a:xfrm>
+              <a:off x="3290491" y="3074194"/>
+              <a:ext cx="709612" cy="709612"/>
+            </a:xfrm>
+            <a:prstGeom prst="ellipse">
+              <a:avLst/>
+            </a:prstGeom>
+            <a:solidFill>
+              <a:schemeClr val="bg1">
+                <a:lumMod val="85000"/>
+              </a:schemeClr>
+            </a:solidFill>
+            <a:ln>
+              <a:noFill/>
+            </a:ln>
+          </p:spPr>
+          <p:style>
+            <a:lnRef idx="2">
+              <a:schemeClr val="accent1">
+                <a:shade val="50000"/>
+              </a:schemeClr>
+            </a:lnRef>
+            <a:fillRef idx="1">
+              <a:schemeClr val="accent1"/>
+            </a:fillRef>
+            <a:effectRef idx="0">
+              <a:schemeClr val="accent1"/>
+            </a:effectRef>
+            <a:fontRef idx="minor">
+              <a:schemeClr val="lt1"/>
+            </a:fontRef>
+          </p:style>
+          <p:txBody>
+            <a:bodyPr rtlCol="0" anchor="ctr"/>
+            <a:lstStyle/>
+            <a:p>
+              <a:pPr algn="ctr"/>
+              <a:endParaRPr lang="fr-FR"/>
+            </a:p>
+          </p:txBody>
+        </p:sp>
+        <p:sp>
+          <p:nvSpPr>
+            <p:cNvPr id="55" name="Oval 32"/>
+            <p:cNvSpPr/>
+            <p:nvPr/>
+          </p:nvSpPr>
+          <p:spPr>
+            <a:xfrm>
+              <a:off x="3173014" y="2956717"/>
+              <a:ext cx="944566" cy="944566"/>
+            </a:xfrm>
+            <a:prstGeom prst="ellipse">
+              <a:avLst/>
+            </a:prstGeom>
+            <a:solidFill>
+              <a:schemeClr val="bg1">
+                <a:lumMod val="85000"/>
+                <a:alpha val="42000"/>
+              </a:schemeClr>
+            </a:solidFill>
+            <a:ln>
+              <a:noFill/>
+            </a:ln>
+          </p:spPr>
+          <p:style>
+            <a:lnRef idx="2">
+              <a:schemeClr val="accent1">
+                <a:shade val="50000"/>
+              </a:schemeClr>
+            </a:lnRef>
+            <a:fillRef idx="1">
+              <a:schemeClr val="accent1"/>
+            </a:fillRef>
+            <a:effectRef idx="0">
+              <a:schemeClr val="accent1"/>
+            </a:effectRef>
+            <a:fontRef idx="minor">
+              <a:schemeClr val="lt1"/>
+            </a:fontRef>
+          </p:style>
+          <p:txBody>
+            <a:bodyPr rtlCol="0" anchor="ctr"/>
+            <a:lstStyle/>
+            <a:p>
+              <a:pPr algn="ctr"/>
+              <a:r>
+                <a:rPr lang="fr-FR" sz="2800" dirty="0">
+                  <a:solidFill>
+                    <a:schemeClr val="tx1"/>
+                  </a:solidFill>
+                  <a:latin typeface="Segoe UI" panose="020B0502040204020203" pitchFamily="34" charset="0"/>
+                  <a:cs typeface="Segoe UI" panose="020B0502040204020203" pitchFamily="34" charset="0"/>
+                </a:rPr>
+                <a:t>4</a:t>
+              </a:r>
+            </a:p>
+          </p:txBody>
+        </p:sp>
+      </p:grpSp>
+      <p:sp>
+        <p:nvSpPr>
+          <p:cNvPr id="56" name="TextBox 41"/>
+          <p:cNvSpPr txBox="1"/>
+          <p:nvPr/>
+        </p:nvSpPr>
+        <p:spPr>
+          <a:xfrm>
+            <a:off x="3231752" y="2202049"/>
+            <a:ext cx="1548000" cy="1015663"/>
+          </a:xfrm>
+          <a:prstGeom prst="rect">
+            <a:avLst/>
+          </a:prstGeom>
+          <a:noFill/>
+        </p:spPr>
+        <p:txBody>
+          <a:bodyPr wrap="square" lIns="0" rtlCol="0" anchor="t">
+            <a:spAutoFit/>
+          </a:bodyPr>
+          <a:lstStyle/>
+          <a:p>
+            <a:r>
+              <a:rPr lang="fr-FR" sz="2000" dirty="0">
+                <a:latin typeface="Segoe UI Light" panose="020B0502040204020203" pitchFamily="34" charset="0"/>
+                <a:cs typeface="Segoe UI Light" panose="020B0502040204020203" pitchFamily="34" charset="0"/>
+              </a:rPr>
+              <a:t>ETABS DEMAND</a:t>
+            </a:r>
+          </a:p>
+          <a:p>
+            <a:r>
+              <a:rPr lang="fr-FR" sz="2000" dirty="0">
+                <a:latin typeface="Segoe UI Light" panose="020B0502040204020203" pitchFamily="34" charset="0"/>
+                <a:cs typeface="Segoe UI Light" panose="020B0502040204020203" pitchFamily="34" charset="0"/>
+              </a:rPr>
+              <a:t>MULTI-CUT</a:t>
+            </a:r>
+          </a:p>
+        </p:txBody>
+      </p:sp>
+      <p:sp>
+        <p:nvSpPr>
+          <p:cNvPr id="57" name="TextBox 42"/>
+          <p:cNvSpPr txBox="1"/>
+          <p:nvPr/>
+        </p:nvSpPr>
+        <p:spPr>
+          <a:xfrm>
+            <a:off x="7611236" y="2207998"/>
+            <a:ext cx="1548000" cy="1015663"/>
+          </a:xfrm>
+          <a:prstGeom prst="rect">
+            <a:avLst/>
+          </a:prstGeom>
+          <a:noFill/>
+        </p:spPr>
+        <p:txBody>
+          <a:bodyPr wrap="square" lIns="0" rtlCol="0" anchor="t">
+            <a:spAutoFit/>
+          </a:bodyPr>
+          <a:lstStyle/>
+          <a:p>
+            <a:r>
+              <a:rPr lang="fr-FR" altLang="zh-TW" sz="2000" dirty="0">
+                <a:latin typeface="Segoe UI Light" panose="020B0502040204020203" pitchFamily="34" charset="0"/>
+                <a:cs typeface="Segoe UI Light" panose="020B0502040204020203" pitchFamily="34" charset="0"/>
+              </a:rPr>
+              <a:t>NONLINEAR HISTORY ANALYSIS</a:t>
+            </a:r>
+          </a:p>
+        </p:txBody>
+      </p:sp>
+      <p:sp>
+        <p:nvSpPr>
+          <p:cNvPr id="83" name="TextBox 43"/>
+          <p:cNvSpPr txBox="1"/>
+          <p:nvPr/>
+        </p:nvSpPr>
+        <p:spPr>
+          <a:xfrm>
+            <a:off x="7611234" y="5260974"/>
+            <a:ext cx="1548000" cy="1015663"/>
+          </a:xfrm>
+          <a:prstGeom prst="rect">
+            <a:avLst/>
+          </a:prstGeom>
+          <a:noFill/>
+        </p:spPr>
+        <p:txBody>
+          <a:bodyPr wrap="square" lIns="0" rtlCol="0" anchor="t">
+            <a:spAutoFit/>
+          </a:bodyPr>
+          <a:lstStyle/>
+          <a:p>
+            <a:r>
+              <a:rPr lang="fr-FR" sz="2000" dirty="0">
+                <a:latin typeface="Segoe UI Light" panose="020B0502040204020203" pitchFamily="34" charset="0"/>
+                <a:cs typeface="Segoe UI Light" panose="020B0502040204020203" pitchFamily="34" charset="0"/>
+              </a:rPr>
+              <a:t>MULTI-MODES PUSHOVER</a:t>
+            </a:r>
+          </a:p>
+        </p:txBody>
+      </p:sp>
+    </p:spTree>
+    <p:extLst>
+      <p:ext uri="{BB962C8B-B14F-4D97-AF65-F5344CB8AC3E}">
+        <p14:creationId xmlns:p14="http://schemas.microsoft.com/office/powerpoint/2010/main" val="1243835820"/>
+      </p:ext>
+    </p:extLst>
+  </p:cSld>
+  <p:clrMapOvr>
+    <a:masterClrMapping/>
+  </p:clrMapOvr>
+  <mc:AlternateContent xmlns:mc="http://schemas.openxmlformats.org/markup-compatibility/2006" xmlns:p14="http://schemas.microsoft.com/office/powerpoint/2010/main">
+    <mc:Choice Requires="p14">
+      <p:transition spd="med" p14:dur="700">
+        <p:fade/>
+      </p:transition>
+    </mc:Choice>
+    <mc:Fallback xmlns="">
+      <p:transition spd="med">
+        <p:fade/>
+      </p:transition>
+    </mc:Fallback>
+  </mc:AlternateContent>
+  <p:timing>
+    <p:tnLst>
+      <p:par>
+        <p:cTn id="1" dur="indefinite" restart="never" nodeType="tmRoot"/>
+      </p:par>
+    </p:tnLst>
+  </p:timing>
+</p:sld>
+</file>
+
+<file path=ppt/slides/slide20.xml><?xml version="1.0" encoding="utf-8"?>
 <p:sld xmlns:a="http://schemas.openxmlformats.org/drawingml/2006/main" xmlns:r="http://schemas.openxmlformats.org/officeDocument/2006/relationships" xmlns:p="http://schemas.openxmlformats.org/presentationml/2006/main">
   <p:cSld>
     <p:spTree>
@@ -26628,7 +29821,7 @@
           <a:p>
             <a:fld id="{6F0746BA-D1AA-4FF4-8D48-BDBC7FF48778}" type="slidenum">
               <a:rPr lang="fr-FR" smtClean="0"/>
-              <a:t>18</a:t>
+              <a:t>20</a:t>
             </a:fld>
             <a:endParaRPr lang="fr-FR"/>
           </a:p>
@@ -26695,48 +29888,13 @@
       </p:cxnSp>
       <p:cxnSp>
         <p:nvCxnSpPr>
-          <p:cNvPr id="9" name="Straight Connector 8"/>
-          <p:cNvCxnSpPr/>
-          <p:nvPr/>
-        </p:nvCxnSpPr>
-        <p:spPr>
-          <a:xfrm>
-            <a:off x="7967329" y="3165180"/>
-            <a:ext cx="0" cy="269136"/>
-          </a:xfrm>
-          <a:prstGeom prst="line">
-            <a:avLst/>
-          </a:prstGeom>
-          <a:ln>
-            <a:solidFill>
-              <a:schemeClr val="tx1"/>
-            </a:solidFill>
-          </a:ln>
-        </p:spPr>
-        <p:style>
-          <a:lnRef idx="1">
-            <a:schemeClr val="accent1"/>
-          </a:lnRef>
-          <a:fillRef idx="0">
-            <a:schemeClr val="accent1"/>
-          </a:fillRef>
-          <a:effectRef idx="0">
-            <a:schemeClr val="accent1"/>
-          </a:effectRef>
-          <a:fontRef idx="minor">
-            <a:schemeClr val="tx1"/>
-          </a:fontRef>
-        </p:style>
-      </p:cxnSp>
-      <p:cxnSp>
-        <p:nvCxnSpPr>
           <p:cNvPr id="10" name="Straight Connector 9"/>
           <p:cNvCxnSpPr/>
           <p:nvPr/>
         </p:nvCxnSpPr>
         <p:spPr>
           <a:xfrm>
-            <a:off x="6092456" y="3165180"/>
+            <a:off x="6092456" y="3191760"/>
             <a:ext cx="0" cy="538272"/>
           </a:xfrm>
           <a:prstGeom prst="line">
@@ -26771,113 +29929,8 @@
         </p:nvCxnSpPr>
         <p:spPr>
           <a:xfrm>
-            <a:off x="11727712" y="3165180"/>
+            <a:off x="11727712" y="3197076"/>
             <a:ext cx="0" cy="538272"/>
-          </a:xfrm>
-          <a:prstGeom prst="line">
-            <a:avLst/>
-          </a:prstGeom>
-          <a:ln>
-            <a:solidFill>
-              <a:schemeClr val="tx1"/>
-            </a:solidFill>
-          </a:ln>
-        </p:spPr>
-        <p:style>
-          <a:lnRef idx="1">
-            <a:schemeClr val="accent1"/>
-          </a:lnRef>
-          <a:fillRef idx="0">
-            <a:schemeClr val="accent1"/>
-          </a:fillRef>
-          <a:effectRef idx="0">
-            <a:schemeClr val="accent1"/>
-          </a:effectRef>
-          <a:fontRef idx="minor">
-            <a:schemeClr val="tx1"/>
-          </a:fontRef>
-        </p:style>
-      </p:cxnSp>
-      <p:cxnSp>
-        <p:nvCxnSpPr>
-          <p:cNvPr id="12" name="Straight Connector 11"/>
-          <p:cNvCxnSpPr/>
-          <p:nvPr/>
-        </p:nvCxnSpPr>
-        <p:spPr>
-          <a:xfrm>
-            <a:off x="7627087" y="3434316"/>
-            <a:ext cx="0" cy="325621"/>
-          </a:xfrm>
-          <a:prstGeom prst="line">
-            <a:avLst/>
-          </a:prstGeom>
-          <a:ln>
-            <a:solidFill>
-              <a:schemeClr val="tx1"/>
-            </a:solidFill>
-          </a:ln>
-        </p:spPr>
-        <p:style>
-          <a:lnRef idx="1">
-            <a:schemeClr val="accent1"/>
-          </a:lnRef>
-          <a:fillRef idx="0">
-            <a:schemeClr val="accent1"/>
-          </a:fillRef>
-          <a:effectRef idx="0">
-            <a:schemeClr val="accent1"/>
-          </a:effectRef>
-          <a:fontRef idx="minor">
-            <a:schemeClr val="tx1"/>
-          </a:fontRef>
-        </p:style>
-      </p:cxnSp>
-      <p:cxnSp>
-        <p:nvCxnSpPr>
-          <p:cNvPr id="13" name="Straight Connector 12"/>
-          <p:cNvCxnSpPr/>
-          <p:nvPr/>
-        </p:nvCxnSpPr>
-        <p:spPr>
-          <a:xfrm>
-            <a:off x="9831571" y="3165180"/>
-            <a:ext cx="0" cy="269136"/>
-          </a:xfrm>
-          <a:prstGeom prst="line">
-            <a:avLst/>
-          </a:prstGeom>
-          <a:ln>
-            <a:solidFill>
-              <a:schemeClr val="tx1"/>
-            </a:solidFill>
-          </a:ln>
-        </p:spPr>
-        <p:style>
-          <a:lnRef idx="1">
-            <a:schemeClr val="accent1"/>
-          </a:lnRef>
-          <a:fillRef idx="0">
-            <a:schemeClr val="accent1"/>
-          </a:fillRef>
-          <a:effectRef idx="0">
-            <a:schemeClr val="accent1"/>
-          </a:effectRef>
-          <a:fontRef idx="minor">
-            <a:schemeClr val="tx1"/>
-          </a:fontRef>
-        </p:style>
-      </p:cxnSp>
-      <p:cxnSp>
-        <p:nvCxnSpPr>
-          <p:cNvPr id="14" name="Straight Connector 13"/>
-          <p:cNvCxnSpPr/>
-          <p:nvPr/>
-        </p:nvCxnSpPr>
-        <p:spPr>
-          <a:xfrm>
-            <a:off x="10203710" y="3434316"/>
-            <a:ext cx="0" cy="325621"/>
           </a:xfrm>
           <a:prstGeom prst="line">
             <a:avLst/>
@@ -26905,49 +29958,6 @@
       </p:cxnSp>
       <p:sp>
         <p:nvSpPr>
-          <p:cNvPr id="19" name="Oval 18"/>
-          <p:cNvSpPr/>
-          <p:nvPr/>
-        </p:nvSpPr>
-        <p:spPr>
-          <a:xfrm>
-            <a:off x="7185837" y="3375837"/>
-            <a:ext cx="138224" cy="138224"/>
-          </a:xfrm>
-          <a:prstGeom prst="ellipse">
-            <a:avLst/>
-          </a:prstGeom>
-          <a:ln>
-            <a:noFill/>
-          </a:ln>
-        </p:spPr>
-        <p:style>
-          <a:lnRef idx="2">
-            <a:schemeClr val="accent1">
-              <a:shade val="50000"/>
-            </a:schemeClr>
-          </a:lnRef>
-          <a:fillRef idx="1">
-            <a:schemeClr val="accent1"/>
-          </a:fillRef>
-          <a:effectRef idx="0">
-            <a:schemeClr val="accent1"/>
-          </a:effectRef>
-          <a:fontRef idx="minor">
-            <a:schemeClr val="lt1"/>
-          </a:fontRef>
-        </p:style>
-        <p:txBody>
-          <a:bodyPr rtlCol="0" anchor="ctr"/>
-          <a:lstStyle/>
-          <a:p>
-            <a:pPr algn="ctr"/>
-            <a:endParaRPr lang="en-US"/>
-          </a:p>
-        </p:txBody>
-      </p:sp>
-      <p:sp>
-        <p:nvSpPr>
           <p:cNvPr id="20" name="Oval 19"/>
           <p:cNvSpPr/>
           <p:nvPr/>
@@ -26960,6 +29970,9 @@
           <a:prstGeom prst="ellipse">
             <a:avLst/>
           </a:prstGeom>
+          <a:solidFill>
+            <a:schemeClr val="accent2"/>
+          </a:solidFill>
           <a:ln>
             <a:noFill/>
           </a:ln>
@@ -27003,6 +30016,9 @@
           <a:prstGeom prst="ellipse">
             <a:avLst/>
           </a:prstGeom>
+          <a:solidFill>
+            <a:schemeClr val="accent2"/>
+          </a:solidFill>
           <a:ln>
             <a:noFill/>
           </a:ln>
@@ -27032,6 +30048,1509 @@
           </a:p>
         </p:txBody>
       </p:sp>
+      <p:cxnSp>
+        <p:nvCxnSpPr>
+          <p:cNvPr id="7" name="Straight Connector 6"/>
+          <p:cNvCxnSpPr/>
+          <p:nvPr/>
+        </p:nvCxnSpPr>
+        <p:spPr>
+          <a:xfrm>
+            <a:off x="6092456" y="2502637"/>
+            <a:ext cx="1874873" cy="0"/>
+          </a:xfrm>
+          <a:prstGeom prst="line">
+            <a:avLst/>
+          </a:prstGeom>
+          <a:ln>
+            <a:solidFill>
+              <a:schemeClr val="tx1"/>
+            </a:solidFill>
+          </a:ln>
+        </p:spPr>
+        <p:style>
+          <a:lnRef idx="1">
+            <a:schemeClr val="accent1"/>
+          </a:lnRef>
+          <a:fillRef idx="0">
+            <a:schemeClr val="accent1"/>
+          </a:fillRef>
+          <a:effectRef idx="0">
+            <a:schemeClr val="accent1"/>
+          </a:effectRef>
+          <a:fontRef idx="minor">
+            <a:schemeClr val="tx1"/>
+          </a:fontRef>
+        </p:style>
+      </p:cxnSp>
+      <p:cxnSp>
+        <p:nvCxnSpPr>
+          <p:cNvPr id="15" name="Straight Connector 14"/>
+          <p:cNvCxnSpPr/>
+          <p:nvPr/>
+        </p:nvCxnSpPr>
+        <p:spPr>
+          <a:xfrm>
+            <a:off x="7967329" y="2502637"/>
+            <a:ext cx="0" cy="527642"/>
+          </a:xfrm>
+          <a:prstGeom prst="line">
+            <a:avLst/>
+          </a:prstGeom>
+          <a:ln>
+            <a:solidFill>
+              <a:schemeClr val="tx1"/>
+            </a:solidFill>
+          </a:ln>
+        </p:spPr>
+        <p:style>
+          <a:lnRef idx="1">
+            <a:schemeClr val="accent1"/>
+          </a:lnRef>
+          <a:fillRef idx="0">
+            <a:schemeClr val="accent1"/>
+          </a:fillRef>
+          <a:effectRef idx="0">
+            <a:schemeClr val="accent1"/>
+          </a:effectRef>
+          <a:fontRef idx="minor">
+            <a:schemeClr val="tx1"/>
+          </a:fontRef>
+        </p:style>
+      </p:cxnSp>
+      <p:cxnSp>
+        <p:nvCxnSpPr>
+          <p:cNvPr id="17" name="Straight Connector 16"/>
+          <p:cNvCxnSpPr/>
+          <p:nvPr/>
+        </p:nvCxnSpPr>
+        <p:spPr>
+          <a:xfrm>
+            <a:off x="7967329" y="3030279"/>
+            <a:ext cx="1864242" cy="0"/>
+          </a:xfrm>
+          <a:prstGeom prst="line">
+            <a:avLst/>
+          </a:prstGeom>
+          <a:ln>
+            <a:solidFill>
+              <a:schemeClr val="tx1"/>
+            </a:solidFill>
+          </a:ln>
+        </p:spPr>
+        <p:style>
+          <a:lnRef idx="1">
+            <a:schemeClr val="accent1"/>
+          </a:lnRef>
+          <a:fillRef idx="0">
+            <a:schemeClr val="accent1"/>
+          </a:fillRef>
+          <a:effectRef idx="0">
+            <a:schemeClr val="accent1"/>
+          </a:effectRef>
+          <a:fontRef idx="minor">
+            <a:schemeClr val="tx1"/>
+          </a:fontRef>
+        </p:style>
+      </p:cxnSp>
+      <p:cxnSp>
+        <p:nvCxnSpPr>
+          <p:cNvPr id="22" name="Straight Connector 21"/>
+          <p:cNvCxnSpPr/>
+          <p:nvPr/>
+        </p:nvCxnSpPr>
+        <p:spPr>
+          <a:xfrm flipV="1">
+            <a:off x="9831571" y="2371060"/>
+            <a:ext cx="0" cy="659220"/>
+          </a:xfrm>
+          <a:prstGeom prst="line">
+            <a:avLst/>
+          </a:prstGeom>
+          <a:ln>
+            <a:solidFill>
+              <a:schemeClr val="tx1"/>
+            </a:solidFill>
+          </a:ln>
+        </p:spPr>
+        <p:style>
+          <a:lnRef idx="1">
+            <a:schemeClr val="accent1"/>
+          </a:lnRef>
+          <a:fillRef idx="0">
+            <a:schemeClr val="accent1"/>
+          </a:fillRef>
+          <a:effectRef idx="0">
+            <a:schemeClr val="accent1"/>
+          </a:effectRef>
+          <a:fontRef idx="minor">
+            <a:schemeClr val="tx1"/>
+          </a:fontRef>
+        </p:style>
+      </p:cxnSp>
+      <p:cxnSp>
+        <p:nvCxnSpPr>
+          <p:cNvPr id="24" name="Straight Connector 23"/>
+          <p:cNvCxnSpPr/>
+          <p:nvPr/>
+        </p:nvCxnSpPr>
+        <p:spPr>
+          <a:xfrm>
+            <a:off x="9831571" y="2371060"/>
+            <a:ext cx="1896141" cy="0"/>
+          </a:xfrm>
+          <a:prstGeom prst="line">
+            <a:avLst/>
+          </a:prstGeom>
+          <a:ln>
+            <a:solidFill>
+              <a:schemeClr val="tx1"/>
+            </a:solidFill>
+          </a:ln>
+        </p:spPr>
+        <p:style>
+          <a:lnRef idx="1">
+            <a:schemeClr val="accent1"/>
+          </a:lnRef>
+          <a:fillRef idx="0">
+            <a:schemeClr val="accent1"/>
+          </a:fillRef>
+          <a:effectRef idx="0">
+            <a:schemeClr val="accent1"/>
+          </a:effectRef>
+          <a:fontRef idx="minor">
+            <a:schemeClr val="tx1"/>
+          </a:fontRef>
+        </p:style>
+      </p:cxnSp>
+      <p:cxnSp>
+        <p:nvCxnSpPr>
+          <p:cNvPr id="28" name="Straight Connector 27"/>
+          <p:cNvCxnSpPr/>
+          <p:nvPr/>
+        </p:nvCxnSpPr>
+        <p:spPr>
+          <a:xfrm>
+            <a:off x="6092456" y="4136065"/>
+            <a:ext cx="1093381" cy="0"/>
+          </a:xfrm>
+          <a:prstGeom prst="line">
+            <a:avLst/>
+          </a:prstGeom>
+          <a:ln>
+            <a:solidFill>
+              <a:schemeClr val="tx1"/>
+            </a:solidFill>
+          </a:ln>
+        </p:spPr>
+        <p:style>
+          <a:lnRef idx="1">
+            <a:schemeClr val="accent1"/>
+          </a:lnRef>
+          <a:fillRef idx="0">
+            <a:schemeClr val="accent1"/>
+          </a:fillRef>
+          <a:effectRef idx="0">
+            <a:schemeClr val="accent1"/>
+          </a:effectRef>
+          <a:fontRef idx="minor">
+            <a:schemeClr val="tx1"/>
+          </a:fontRef>
+        </p:style>
+      </p:cxnSp>
+      <p:cxnSp>
+        <p:nvCxnSpPr>
+          <p:cNvPr id="30" name="Straight Connector 29"/>
+          <p:cNvCxnSpPr/>
+          <p:nvPr/>
+        </p:nvCxnSpPr>
+        <p:spPr>
+          <a:xfrm>
+            <a:off x="7185837" y="4136065"/>
+            <a:ext cx="0" cy="478465"/>
+          </a:xfrm>
+          <a:prstGeom prst="line">
+            <a:avLst/>
+          </a:prstGeom>
+          <a:ln>
+            <a:solidFill>
+              <a:schemeClr val="tx1"/>
+            </a:solidFill>
+          </a:ln>
+        </p:spPr>
+        <p:style>
+          <a:lnRef idx="1">
+            <a:schemeClr val="accent1"/>
+          </a:lnRef>
+          <a:fillRef idx="0">
+            <a:schemeClr val="accent1"/>
+          </a:fillRef>
+          <a:effectRef idx="0">
+            <a:schemeClr val="accent1"/>
+          </a:effectRef>
+          <a:fontRef idx="minor">
+            <a:schemeClr val="tx1"/>
+          </a:fontRef>
+        </p:style>
+      </p:cxnSp>
+      <p:cxnSp>
+        <p:nvCxnSpPr>
+          <p:cNvPr id="33" name="Straight Connector 32"/>
+          <p:cNvCxnSpPr/>
+          <p:nvPr/>
+        </p:nvCxnSpPr>
+        <p:spPr>
+          <a:xfrm>
+            <a:off x="7185837" y="4635795"/>
+            <a:ext cx="3595577" cy="0"/>
+          </a:xfrm>
+          <a:prstGeom prst="line">
+            <a:avLst/>
+          </a:prstGeom>
+          <a:ln>
+            <a:solidFill>
+              <a:schemeClr val="tx1"/>
+            </a:solidFill>
+          </a:ln>
+        </p:spPr>
+        <p:style>
+          <a:lnRef idx="1">
+            <a:schemeClr val="accent1"/>
+          </a:lnRef>
+          <a:fillRef idx="0">
+            <a:schemeClr val="accent1"/>
+          </a:fillRef>
+          <a:effectRef idx="0">
+            <a:schemeClr val="accent1"/>
+          </a:effectRef>
+          <a:fontRef idx="minor">
+            <a:schemeClr val="tx1"/>
+          </a:fontRef>
+        </p:style>
+      </p:cxnSp>
+      <p:cxnSp>
+        <p:nvCxnSpPr>
+          <p:cNvPr id="35" name="Straight Connector 34"/>
+          <p:cNvCxnSpPr/>
+          <p:nvPr/>
+        </p:nvCxnSpPr>
+        <p:spPr>
+          <a:xfrm flipV="1">
+            <a:off x="10781412" y="4008475"/>
+            <a:ext cx="0" cy="616688"/>
+          </a:xfrm>
+          <a:prstGeom prst="line">
+            <a:avLst/>
+          </a:prstGeom>
+          <a:ln>
+            <a:solidFill>
+              <a:schemeClr val="tx1"/>
+            </a:solidFill>
+          </a:ln>
+        </p:spPr>
+        <p:style>
+          <a:lnRef idx="1">
+            <a:schemeClr val="accent1"/>
+          </a:lnRef>
+          <a:fillRef idx="0">
+            <a:schemeClr val="accent1"/>
+          </a:fillRef>
+          <a:effectRef idx="0">
+            <a:schemeClr val="accent1"/>
+          </a:effectRef>
+          <a:fontRef idx="minor">
+            <a:schemeClr val="tx1"/>
+          </a:fontRef>
+        </p:style>
+      </p:cxnSp>
+      <p:cxnSp>
+        <p:nvCxnSpPr>
+          <p:cNvPr id="37" name="Straight Connector 36"/>
+          <p:cNvCxnSpPr/>
+          <p:nvPr/>
+        </p:nvCxnSpPr>
+        <p:spPr>
+          <a:xfrm>
+            <a:off x="10781414" y="4019107"/>
+            <a:ext cx="946298" cy="0"/>
+          </a:xfrm>
+          <a:prstGeom prst="line">
+            <a:avLst/>
+          </a:prstGeom>
+          <a:ln>
+            <a:solidFill>
+              <a:schemeClr val="tx1"/>
+            </a:solidFill>
+          </a:ln>
+        </p:spPr>
+        <p:style>
+          <a:lnRef idx="1">
+            <a:schemeClr val="accent1"/>
+          </a:lnRef>
+          <a:fillRef idx="0">
+            <a:schemeClr val="accent1"/>
+          </a:fillRef>
+          <a:effectRef idx="0">
+            <a:schemeClr val="accent1"/>
+          </a:effectRef>
+          <a:fontRef idx="minor">
+            <a:schemeClr val="tx1"/>
+          </a:fontRef>
+        </p:style>
+      </p:cxnSp>
+      <p:sp>
+        <p:nvSpPr>
+          <p:cNvPr id="39" name="Oval 38"/>
+          <p:cNvSpPr/>
+          <p:nvPr/>
+        </p:nvSpPr>
+        <p:spPr>
+          <a:xfrm>
+            <a:off x="6105746" y="2433525"/>
+            <a:ext cx="138224" cy="138224"/>
+          </a:xfrm>
+          <a:prstGeom prst="ellipse">
+            <a:avLst/>
+          </a:prstGeom>
+          <a:ln>
+            <a:noFill/>
+          </a:ln>
+        </p:spPr>
+        <p:style>
+          <a:lnRef idx="2">
+            <a:schemeClr val="accent1">
+              <a:shade val="50000"/>
+            </a:schemeClr>
+          </a:lnRef>
+          <a:fillRef idx="1">
+            <a:schemeClr val="accent1"/>
+          </a:fillRef>
+          <a:effectRef idx="0">
+            <a:schemeClr val="accent1"/>
+          </a:effectRef>
+          <a:fontRef idx="minor">
+            <a:schemeClr val="lt1"/>
+          </a:fontRef>
+        </p:style>
+        <p:txBody>
+          <a:bodyPr rtlCol="0" anchor="ctr"/>
+          <a:lstStyle/>
+          <a:p>
+            <a:pPr algn="ctr"/>
+            <a:endParaRPr lang="en-US"/>
+          </a:p>
+        </p:txBody>
+      </p:sp>
+      <p:sp>
+        <p:nvSpPr>
+          <p:cNvPr id="40" name="Oval 39"/>
+          <p:cNvSpPr/>
+          <p:nvPr/>
+        </p:nvSpPr>
+        <p:spPr>
+          <a:xfrm>
+            <a:off x="7370130" y="2420234"/>
+            <a:ext cx="138224" cy="138224"/>
+          </a:xfrm>
+          <a:prstGeom prst="ellipse">
+            <a:avLst/>
+          </a:prstGeom>
+          <a:ln>
+            <a:noFill/>
+          </a:ln>
+        </p:spPr>
+        <p:style>
+          <a:lnRef idx="2">
+            <a:schemeClr val="accent1">
+              <a:shade val="50000"/>
+            </a:schemeClr>
+          </a:lnRef>
+          <a:fillRef idx="1">
+            <a:schemeClr val="accent1"/>
+          </a:fillRef>
+          <a:effectRef idx="0">
+            <a:schemeClr val="accent1"/>
+          </a:effectRef>
+          <a:fontRef idx="minor">
+            <a:schemeClr val="lt1"/>
+          </a:fontRef>
+        </p:style>
+        <p:txBody>
+          <a:bodyPr rtlCol="0" anchor="ctr"/>
+          <a:lstStyle/>
+          <a:p>
+            <a:pPr algn="ctr"/>
+            <a:endParaRPr lang="en-US"/>
+          </a:p>
+        </p:txBody>
+      </p:sp>
+      <p:sp>
+        <p:nvSpPr>
+          <p:cNvPr id="41" name="Oval 40"/>
+          <p:cNvSpPr/>
+          <p:nvPr/>
+        </p:nvSpPr>
+        <p:spPr>
+          <a:xfrm>
+            <a:off x="8295166" y="2966483"/>
+            <a:ext cx="138224" cy="138224"/>
+          </a:xfrm>
+          <a:prstGeom prst="ellipse">
+            <a:avLst/>
+          </a:prstGeom>
+          <a:ln>
+            <a:noFill/>
+          </a:ln>
+        </p:spPr>
+        <p:style>
+          <a:lnRef idx="2">
+            <a:schemeClr val="accent1">
+              <a:shade val="50000"/>
+            </a:schemeClr>
+          </a:lnRef>
+          <a:fillRef idx="1">
+            <a:schemeClr val="accent1"/>
+          </a:fillRef>
+          <a:effectRef idx="0">
+            <a:schemeClr val="accent1"/>
+          </a:effectRef>
+          <a:fontRef idx="minor">
+            <a:schemeClr val="lt1"/>
+          </a:fontRef>
+        </p:style>
+        <p:txBody>
+          <a:bodyPr rtlCol="0" anchor="ctr"/>
+          <a:lstStyle/>
+          <a:p>
+            <a:pPr algn="ctr"/>
+            <a:endParaRPr lang="en-US"/>
+          </a:p>
+        </p:txBody>
+      </p:sp>
+      <p:sp>
+        <p:nvSpPr>
+          <p:cNvPr id="42" name="Oval 41"/>
+          <p:cNvSpPr/>
+          <p:nvPr/>
+        </p:nvSpPr>
+        <p:spPr>
+          <a:xfrm>
+            <a:off x="9365511" y="2961167"/>
+            <a:ext cx="138224" cy="138224"/>
+          </a:xfrm>
+          <a:prstGeom prst="ellipse">
+            <a:avLst/>
+          </a:prstGeom>
+          <a:ln>
+            <a:noFill/>
+          </a:ln>
+        </p:spPr>
+        <p:style>
+          <a:lnRef idx="2">
+            <a:schemeClr val="accent1">
+              <a:shade val="50000"/>
+            </a:schemeClr>
+          </a:lnRef>
+          <a:fillRef idx="1">
+            <a:schemeClr val="accent1"/>
+          </a:fillRef>
+          <a:effectRef idx="0">
+            <a:schemeClr val="accent1"/>
+          </a:effectRef>
+          <a:fontRef idx="minor">
+            <a:schemeClr val="lt1"/>
+          </a:fontRef>
+        </p:style>
+        <p:txBody>
+          <a:bodyPr rtlCol="0" anchor="ctr"/>
+          <a:lstStyle/>
+          <a:p>
+            <a:pPr algn="ctr"/>
+            <a:endParaRPr lang="en-US"/>
+          </a:p>
+        </p:txBody>
+      </p:sp>
+      <p:sp>
+        <p:nvSpPr>
+          <p:cNvPr id="43" name="Oval 42"/>
+          <p:cNvSpPr/>
+          <p:nvPr/>
+        </p:nvSpPr>
+        <p:spPr>
+          <a:xfrm>
+            <a:off x="10271051" y="2301948"/>
+            <a:ext cx="138224" cy="138224"/>
+          </a:xfrm>
+          <a:prstGeom prst="ellipse">
+            <a:avLst/>
+          </a:prstGeom>
+          <a:ln>
+            <a:noFill/>
+          </a:ln>
+        </p:spPr>
+        <p:style>
+          <a:lnRef idx="2">
+            <a:schemeClr val="accent1">
+              <a:shade val="50000"/>
+            </a:schemeClr>
+          </a:lnRef>
+          <a:fillRef idx="1">
+            <a:schemeClr val="accent1"/>
+          </a:fillRef>
+          <a:effectRef idx="0">
+            <a:schemeClr val="accent1"/>
+          </a:effectRef>
+          <a:fontRef idx="minor">
+            <a:schemeClr val="lt1"/>
+          </a:fontRef>
+        </p:style>
+        <p:txBody>
+          <a:bodyPr rtlCol="0" anchor="ctr"/>
+          <a:lstStyle/>
+          <a:p>
+            <a:pPr algn="ctr"/>
+            <a:endParaRPr lang="en-US"/>
+          </a:p>
+        </p:txBody>
+      </p:sp>
+      <p:sp>
+        <p:nvSpPr>
+          <p:cNvPr id="44" name="Oval 43"/>
+          <p:cNvSpPr/>
+          <p:nvPr/>
+        </p:nvSpPr>
+        <p:spPr>
+          <a:xfrm>
+            <a:off x="11591261" y="2301948"/>
+            <a:ext cx="138224" cy="138224"/>
+          </a:xfrm>
+          <a:prstGeom prst="ellipse">
+            <a:avLst/>
+          </a:prstGeom>
+          <a:ln>
+            <a:noFill/>
+          </a:ln>
+        </p:spPr>
+        <p:style>
+          <a:lnRef idx="2">
+            <a:schemeClr val="accent1">
+              <a:shade val="50000"/>
+            </a:schemeClr>
+          </a:lnRef>
+          <a:fillRef idx="1">
+            <a:schemeClr val="accent1"/>
+          </a:fillRef>
+          <a:effectRef idx="0">
+            <a:schemeClr val="accent1"/>
+          </a:effectRef>
+          <a:fontRef idx="minor">
+            <a:schemeClr val="lt1"/>
+          </a:fontRef>
+        </p:style>
+        <p:txBody>
+          <a:bodyPr rtlCol="0" anchor="ctr"/>
+          <a:lstStyle/>
+          <a:p>
+            <a:pPr algn="ctr"/>
+            <a:endParaRPr lang="en-US"/>
+          </a:p>
+        </p:txBody>
+      </p:sp>
+      <p:sp>
+        <p:nvSpPr>
+          <p:cNvPr id="45" name="Oval 44"/>
+          <p:cNvSpPr/>
+          <p:nvPr/>
+        </p:nvSpPr>
+        <p:spPr>
+          <a:xfrm>
+            <a:off x="11589489" y="3949995"/>
+            <a:ext cx="138224" cy="138224"/>
+          </a:xfrm>
+          <a:prstGeom prst="ellipse">
+            <a:avLst/>
+          </a:prstGeom>
+          <a:ln>
+            <a:noFill/>
+          </a:ln>
+        </p:spPr>
+        <p:style>
+          <a:lnRef idx="2">
+            <a:schemeClr val="accent1">
+              <a:shade val="50000"/>
+            </a:schemeClr>
+          </a:lnRef>
+          <a:fillRef idx="1">
+            <a:schemeClr val="accent1"/>
+          </a:fillRef>
+          <a:effectRef idx="0">
+            <a:schemeClr val="accent1"/>
+          </a:effectRef>
+          <a:fontRef idx="minor">
+            <a:schemeClr val="lt1"/>
+          </a:fontRef>
+        </p:style>
+        <p:txBody>
+          <a:bodyPr rtlCol="0" anchor="ctr"/>
+          <a:lstStyle/>
+          <a:p>
+            <a:pPr algn="ctr"/>
+            <a:endParaRPr lang="en-US"/>
+          </a:p>
+        </p:txBody>
+      </p:sp>
+      <p:sp>
+        <p:nvSpPr>
+          <p:cNvPr id="47" name="Oval 46"/>
+          <p:cNvSpPr/>
+          <p:nvPr/>
+        </p:nvSpPr>
+        <p:spPr>
+          <a:xfrm>
+            <a:off x="11116339" y="3949995"/>
+            <a:ext cx="138224" cy="138224"/>
+          </a:xfrm>
+          <a:prstGeom prst="ellipse">
+            <a:avLst/>
+          </a:prstGeom>
+          <a:ln>
+            <a:noFill/>
+          </a:ln>
+        </p:spPr>
+        <p:style>
+          <a:lnRef idx="2">
+            <a:schemeClr val="accent1">
+              <a:shade val="50000"/>
+            </a:schemeClr>
+          </a:lnRef>
+          <a:fillRef idx="1">
+            <a:schemeClr val="accent1"/>
+          </a:fillRef>
+          <a:effectRef idx="0">
+            <a:schemeClr val="accent1"/>
+          </a:effectRef>
+          <a:fontRef idx="minor">
+            <a:schemeClr val="lt1"/>
+          </a:fontRef>
+        </p:style>
+        <p:txBody>
+          <a:bodyPr rtlCol="0" anchor="ctr"/>
+          <a:lstStyle/>
+          <a:p>
+            <a:pPr algn="ctr"/>
+            <a:endParaRPr lang="en-US"/>
+          </a:p>
+        </p:txBody>
+      </p:sp>
+      <p:sp>
+        <p:nvSpPr>
+          <p:cNvPr id="48" name="Oval 47"/>
+          <p:cNvSpPr/>
+          <p:nvPr/>
+        </p:nvSpPr>
+        <p:spPr>
+          <a:xfrm>
+            <a:off x="10271051" y="4570079"/>
+            <a:ext cx="138224" cy="138224"/>
+          </a:xfrm>
+          <a:prstGeom prst="ellipse">
+            <a:avLst/>
+          </a:prstGeom>
+          <a:ln>
+            <a:noFill/>
+          </a:ln>
+        </p:spPr>
+        <p:style>
+          <a:lnRef idx="2">
+            <a:schemeClr val="accent1">
+              <a:shade val="50000"/>
+            </a:schemeClr>
+          </a:lnRef>
+          <a:fillRef idx="1">
+            <a:schemeClr val="accent1"/>
+          </a:fillRef>
+          <a:effectRef idx="0">
+            <a:schemeClr val="accent1"/>
+          </a:effectRef>
+          <a:fontRef idx="minor">
+            <a:schemeClr val="lt1"/>
+          </a:fontRef>
+        </p:style>
+        <p:txBody>
+          <a:bodyPr rtlCol="0" anchor="ctr"/>
+          <a:lstStyle/>
+          <a:p>
+            <a:pPr algn="ctr"/>
+            <a:endParaRPr lang="en-US"/>
+          </a:p>
+        </p:txBody>
+      </p:sp>
+      <p:sp>
+        <p:nvSpPr>
+          <p:cNvPr id="49" name="Oval 48"/>
+          <p:cNvSpPr/>
+          <p:nvPr/>
+        </p:nvSpPr>
+        <p:spPr>
+          <a:xfrm>
+            <a:off x="7627087" y="4570079"/>
+            <a:ext cx="138224" cy="138224"/>
+          </a:xfrm>
+          <a:prstGeom prst="ellipse">
+            <a:avLst/>
+          </a:prstGeom>
+          <a:ln>
+            <a:noFill/>
+          </a:ln>
+        </p:spPr>
+        <p:style>
+          <a:lnRef idx="2">
+            <a:schemeClr val="accent1">
+              <a:shade val="50000"/>
+            </a:schemeClr>
+          </a:lnRef>
+          <a:fillRef idx="1">
+            <a:schemeClr val="accent1"/>
+          </a:fillRef>
+          <a:effectRef idx="0">
+            <a:schemeClr val="accent1"/>
+          </a:effectRef>
+          <a:fontRef idx="minor">
+            <a:schemeClr val="lt1"/>
+          </a:fontRef>
+        </p:style>
+        <p:txBody>
+          <a:bodyPr rtlCol="0" anchor="ctr"/>
+          <a:lstStyle/>
+          <a:p>
+            <a:pPr algn="ctr"/>
+            <a:endParaRPr lang="en-US"/>
+          </a:p>
+        </p:txBody>
+      </p:sp>
+      <p:sp>
+        <p:nvSpPr>
+          <p:cNvPr id="51" name="Oval 50"/>
+          <p:cNvSpPr/>
+          <p:nvPr/>
+        </p:nvSpPr>
+        <p:spPr>
+          <a:xfrm>
+            <a:off x="6811038" y="4066953"/>
+            <a:ext cx="138224" cy="138224"/>
+          </a:xfrm>
+          <a:prstGeom prst="ellipse">
+            <a:avLst/>
+          </a:prstGeom>
+          <a:ln>
+            <a:noFill/>
+          </a:ln>
+        </p:spPr>
+        <p:style>
+          <a:lnRef idx="2">
+            <a:schemeClr val="accent1">
+              <a:shade val="50000"/>
+            </a:schemeClr>
+          </a:lnRef>
+          <a:fillRef idx="1">
+            <a:schemeClr val="accent1"/>
+          </a:fillRef>
+          <a:effectRef idx="0">
+            <a:schemeClr val="accent1"/>
+          </a:effectRef>
+          <a:fontRef idx="minor">
+            <a:schemeClr val="lt1"/>
+          </a:fontRef>
+        </p:style>
+        <p:txBody>
+          <a:bodyPr rtlCol="0" anchor="ctr"/>
+          <a:lstStyle/>
+          <a:p>
+            <a:pPr algn="ctr"/>
+            <a:endParaRPr lang="en-US"/>
+          </a:p>
+        </p:txBody>
+      </p:sp>
+      <p:sp>
+        <p:nvSpPr>
+          <p:cNvPr id="52" name="Oval 51"/>
+          <p:cNvSpPr/>
+          <p:nvPr/>
+        </p:nvSpPr>
+        <p:spPr>
+          <a:xfrm>
+            <a:off x="6105746" y="4066953"/>
+            <a:ext cx="138224" cy="138224"/>
+          </a:xfrm>
+          <a:prstGeom prst="ellipse">
+            <a:avLst/>
+          </a:prstGeom>
+          <a:ln>
+            <a:noFill/>
+          </a:ln>
+        </p:spPr>
+        <p:style>
+          <a:lnRef idx="2">
+            <a:schemeClr val="accent1">
+              <a:shade val="50000"/>
+            </a:schemeClr>
+          </a:lnRef>
+          <a:fillRef idx="1">
+            <a:schemeClr val="accent1"/>
+          </a:fillRef>
+          <a:effectRef idx="0">
+            <a:schemeClr val="accent1"/>
+          </a:effectRef>
+          <a:fontRef idx="minor">
+            <a:schemeClr val="lt1"/>
+          </a:fontRef>
+        </p:style>
+        <p:txBody>
+          <a:bodyPr rtlCol="0" anchor="ctr"/>
+          <a:lstStyle/>
+          <a:p>
+            <a:pPr algn="ctr"/>
+            <a:endParaRPr lang="en-US"/>
+          </a:p>
+        </p:txBody>
+      </p:sp>
+      <p:sp>
+        <p:nvSpPr>
+          <p:cNvPr id="53" name="Oval 52"/>
+          <p:cNvSpPr/>
+          <p:nvPr/>
+        </p:nvSpPr>
+        <p:spPr>
+          <a:xfrm>
+            <a:off x="6811038" y="3369190"/>
+            <a:ext cx="138224" cy="138224"/>
+          </a:xfrm>
+          <a:prstGeom prst="ellipse">
+            <a:avLst/>
+          </a:prstGeom>
+          <a:solidFill>
+            <a:schemeClr val="accent2"/>
+          </a:solidFill>
+          <a:ln>
+            <a:noFill/>
+          </a:ln>
+        </p:spPr>
+        <p:style>
+          <a:lnRef idx="2">
+            <a:schemeClr val="accent1">
+              <a:shade val="50000"/>
+            </a:schemeClr>
+          </a:lnRef>
+          <a:fillRef idx="1">
+            <a:schemeClr val="accent1"/>
+          </a:fillRef>
+          <a:effectRef idx="0">
+            <a:schemeClr val="accent1"/>
+          </a:effectRef>
+          <a:fontRef idx="minor">
+            <a:schemeClr val="lt1"/>
+          </a:fontRef>
+        </p:style>
+        <p:txBody>
+          <a:bodyPr rtlCol="0" anchor="ctr"/>
+          <a:lstStyle/>
+          <a:p>
+            <a:pPr algn="ctr"/>
+            <a:endParaRPr lang="en-US"/>
+          </a:p>
+        </p:txBody>
+      </p:sp>
+      <p:sp>
+        <p:nvSpPr>
+          <p:cNvPr id="55" name="Oval 54"/>
+          <p:cNvSpPr/>
+          <p:nvPr/>
+        </p:nvSpPr>
+        <p:spPr>
+          <a:xfrm>
+            <a:off x="7627087" y="3365204"/>
+            <a:ext cx="138224" cy="138224"/>
+          </a:xfrm>
+          <a:prstGeom prst="ellipse">
+            <a:avLst/>
+          </a:prstGeom>
+          <a:solidFill>
+            <a:schemeClr val="accent2"/>
+          </a:solidFill>
+          <a:ln>
+            <a:noFill/>
+          </a:ln>
+        </p:spPr>
+        <p:style>
+          <a:lnRef idx="2">
+            <a:schemeClr val="accent1">
+              <a:shade val="50000"/>
+            </a:schemeClr>
+          </a:lnRef>
+          <a:fillRef idx="1">
+            <a:schemeClr val="accent1"/>
+          </a:fillRef>
+          <a:effectRef idx="0">
+            <a:schemeClr val="accent1"/>
+          </a:effectRef>
+          <a:fontRef idx="minor">
+            <a:schemeClr val="lt1"/>
+          </a:fontRef>
+        </p:style>
+        <p:txBody>
+          <a:bodyPr rtlCol="0" anchor="ctr"/>
+          <a:lstStyle/>
+          <a:p>
+            <a:pPr algn="ctr"/>
+            <a:endParaRPr lang="en-US"/>
+          </a:p>
+        </p:txBody>
+      </p:sp>
+      <p:sp>
+        <p:nvSpPr>
+          <p:cNvPr id="56" name="Oval 55"/>
+          <p:cNvSpPr/>
+          <p:nvPr/>
+        </p:nvSpPr>
+        <p:spPr>
+          <a:xfrm>
+            <a:off x="7370130" y="3365204"/>
+            <a:ext cx="138224" cy="138224"/>
+          </a:xfrm>
+          <a:prstGeom prst="ellipse">
+            <a:avLst/>
+          </a:prstGeom>
+          <a:solidFill>
+            <a:schemeClr val="accent2"/>
+          </a:solidFill>
+          <a:ln>
+            <a:noFill/>
+          </a:ln>
+        </p:spPr>
+        <p:style>
+          <a:lnRef idx="2">
+            <a:schemeClr val="accent1">
+              <a:shade val="50000"/>
+            </a:schemeClr>
+          </a:lnRef>
+          <a:fillRef idx="1">
+            <a:schemeClr val="accent1"/>
+          </a:fillRef>
+          <a:effectRef idx="0">
+            <a:schemeClr val="accent1"/>
+          </a:effectRef>
+          <a:fontRef idx="minor">
+            <a:schemeClr val="lt1"/>
+          </a:fontRef>
+        </p:style>
+        <p:txBody>
+          <a:bodyPr rtlCol="0" anchor="ctr"/>
+          <a:lstStyle/>
+          <a:p>
+            <a:pPr algn="ctr"/>
+            <a:endParaRPr lang="en-US"/>
+          </a:p>
+        </p:txBody>
+      </p:sp>
+      <p:sp>
+        <p:nvSpPr>
+          <p:cNvPr id="57" name="Oval 56"/>
+          <p:cNvSpPr/>
+          <p:nvPr/>
+        </p:nvSpPr>
+        <p:spPr>
+          <a:xfrm>
+            <a:off x="8295166" y="3365204"/>
+            <a:ext cx="138224" cy="138224"/>
+          </a:xfrm>
+          <a:prstGeom prst="ellipse">
+            <a:avLst/>
+          </a:prstGeom>
+          <a:solidFill>
+            <a:schemeClr val="accent2"/>
+          </a:solidFill>
+          <a:ln>
+            <a:noFill/>
+          </a:ln>
+        </p:spPr>
+        <p:style>
+          <a:lnRef idx="2">
+            <a:schemeClr val="accent1">
+              <a:shade val="50000"/>
+            </a:schemeClr>
+          </a:lnRef>
+          <a:fillRef idx="1">
+            <a:schemeClr val="accent1"/>
+          </a:fillRef>
+          <a:effectRef idx="0">
+            <a:schemeClr val="accent1"/>
+          </a:effectRef>
+          <a:fontRef idx="minor">
+            <a:schemeClr val="lt1"/>
+          </a:fontRef>
+        </p:style>
+        <p:txBody>
+          <a:bodyPr rtlCol="0" anchor="ctr"/>
+          <a:lstStyle/>
+          <a:p>
+            <a:pPr algn="ctr"/>
+            <a:endParaRPr lang="en-US"/>
+          </a:p>
+        </p:txBody>
+      </p:sp>
+      <p:sp>
+        <p:nvSpPr>
+          <p:cNvPr id="58" name="Oval 57"/>
+          <p:cNvSpPr/>
+          <p:nvPr/>
+        </p:nvSpPr>
+        <p:spPr>
+          <a:xfrm>
+            <a:off x="9365511" y="3363506"/>
+            <a:ext cx="138224" cy="138224"/>
+          </a:xfrm>
+          <a:prstGeom prst="ellipse">
+            <a:avLst/>
+          </a:prstGeom>
+          <a:solidFill>
+            <a:schemeClr val="accent2"/>
+          </a:solidFill>
+          <a:ln>
+            <a:noFill/>
+          </a:ln>
+        </p:spPr>
+        <p:style>
+          <a:lnRef idx="2">
+            <a:schemeClr val="accent1">
+              <a:shade val="50000"/>
+            </a:schemeClr>
+          </a:lnRef>
+          <a:fillRef idx="1">
+            <a:schemeClr val="accent1"/>
+          </a:fillRef>
+          <a:effectRef idx="0">
+            <a:schemeClr val="accent1"/>
+          </a:effectRef>
+          <a:fontRef idx="minor">
+            <a:schemeClr val="lt1"/>
+          </a:fontRef>
+        </p:style>
+        <p:txBody>
+          <a:bodyPr rtlCol="0" anchor="ctr"/>
+          <a:lstStyle/>
+          <a:p>
+            <a:pPr algn="ctr"/>
+            <a:endParaRPr lang="en-US"/>
+          </a:p>
+        </p:txBody>
+      </p:sp>
+      <p:sp>
+        <p:nvSpPr>
+          <p:cNvPr id="60" name="Oval 59"/>
+          <p:cNvSpPr/>
+          <p:nvPr/>
+        </p:nvSpPr>
+        <p:spPr>
+          <a:xfrm>
+            <a:off x="10271051" y="3372515"/>
+            <a:ext cx="138224" cy="138224"/>
+          </a:xfrm>
+          <a:prstGeom prst="ellipse">
+            <a:avLst/>
+          </a:prstGeom>
+          <a:solidFill>
+            <a:schemeClr val="accent2"/>
+          </a:solidFill>
+          <a:ln>
+            <a:noFill/>
+          </a:ln>
+        </p:spPr>
+        <p:style>
+          <a:lnRef idx="2">
+            <a:schemeClr val="accent1">
+              <a:shade val="50000"/>
+            </a:schemeClr>
+          </a:lnRef>
+          <a:fillRef idx="1">
+            <a:schemeClr val="accent1"/>
+          </a:fillRef>
+          <a:effectRef idx="0">
+            <a:schemeClr val="accent1"/>
+          </a:effectRef>
+          <a:fontRef idx="minor">
+            <a:schemeClr val="lt1"/>
+          </a:fontRef>
+        </p:style>
+        <p:txBody>
+          <a:bodyPr rtlCol="0" anchor="ctr"/>
+          <a:lstStyle/>
+          <a:p>
+            <a:pPr algn="ctr"/>
+            <a:endParaRPr lang="en-US"/>
+          </a:p>
+        </p:txBody>
+      </p:sp>
+      <p:sp>
+        <p:nvSpPr>
+          <p:cNvPr id="61" name="Oval 60"/>
+          <p:cNvSpPr/>
+          <p:nvPr/>
+        </p:nvSpPr>
+        <p:spPr>
+          <a:xfrm>
+            <a:off x="11116339" y="3363506"/>
+            <a:ext cx="138224" cy="138224"/>
+          </a:xfrm>
+          <a:prstGeom prst="ellipse">
+            <a:avLst/>
+          </a:prstGeom>
+          <a:solidFill>
+            <a:schemeClr val="accent2"/>
+          </a:solidFill>
+          <a:ln>
+            <a:noFill/>
+          </a:ln>
+        </p:spPr>
+        <p:style>
+          <a:lnRef idx="2">
+            <a:schemeClr val="accent1">
+              <a:shade val="50000"/>
+            </a:schemeClr>
+          </a:lnRef>
+          <a:fillRef idx="1">
+            <a:schemeClr val="accent1"/>
+          </a:fillRef>
+          <a:effectRef idx="0">
+            <a:schemeClr val="accent1"/>
+          </a:effectRef>
+          <a:fontRef idx="minor">
+            <a:schemeClr val="lt1"/>
+          </a:fontRef>
+        </p:style>
+        <p:txBody>
+          <a:bodyPr rtlCol="0" anchor="ctr"/>
+          <a:lstStyle/>
+          <a:p>
+            <a:pPr algn="ctr"/>
+            <a:endParaRPr lang="en-US"/>
+          </a:p>
+        </p:txBody>
+      </p:sp>
+      <p:cxnSp>
+        <p:nvCxnSpPr>
+          <p:cNvPr id="64" name="Straight Connector 63"/>
+          <p:cNvCxnSpPr/>
+          <p:nvPr/>
+        </p:nvCxnSpPr>
+        <p:spPr>
+          <a:xfrm>
+            <a:off x="11116339" y="3191762"/>
+            <a:ext cx="0" cy="538272"/>
+          </a:xfrm>
+          <a:prstGeom prst="line">
+            <a:avLst/>
+          </a:prstGeom>
+          <a:ln>
+            <a:solidFill>
+              <a:schemeClr val="tx1"/>
+            </a:solidFill>
+          </a:ln>
+        </p:spPr>
+        <p:style>
+          <a:lnRef idx="1">
+            <a:schemeClr val="accent1"/>
+          </a:lnRef>
+          <a:fillRef idx="0">
+            <a:schemeClr val="accent1"/>
+          </a:fillRef>
+          <a:effectRef idx="0">
+            <a:schemeClr val="accent1"/>
+          </a:effectRef>
+          <a:fontRef idx="minor">
+            <a:schemeClr val="tx1"/>
+          </a:fontRef>
+        </p:style>
+      </p:cxnSp>
+      <p:cxnSp>
+        <p:nvCxnSpPr>
+          <p:cNvPr id="65" name="Straight Connector 64"/>
+          <p:cNvCxnSpPr/>
+          <p:nvPr/>
+        </p:nvCxnSpPr>
+        <p:spPr>
+          <a:xfrm>
+            <a:off x="6811038" y="3188440"/>
+            <a:ext cx="0" cy="538272"/>
+          </a:xfrm>
+          <a:prstGeom prst="line">
+            <a:avLst/>
+          </a:prstGeom>
+          <a:ln>
+            <a:solidFill>
+              <a:schemeClr val="tx1"/>
+            </a:solidFill>
+          </a:ln>
+        </p:spPr>
+        <p:style>
+          <a:lnRef idx="1">
+            <a:schemeClr val="accent1"/>
+          </a:lnRef>
+          <a:fillRef idx="0">
+            <a:schemeClr val="accent1"/>
+          </a:fillRef>
+          <a:effectRef idx="0">
+            <a:schemeClr val="accent1"/>
+          </a:effectRef>
+          <a:fontRef idx="minor">
+            <a:schemeClr val="tx1"/>
+          </a:fontRef>
+        </p:style>
+      </p:cxnSp>
+      <p:cxnSp>
+        <p:nvCxnSpPr>
+          <p:cNvPr id="66" name="Straight Connector 65"/>
+          <p:cNvCxnSpPr/>
+          <p:nvPr/>
+        </p:nvCxnSpPr>
+        <p:spPr>
+          <a:xfrm>
+            <a:off x="7370130" y="3191761"/>
+            <a:ext cx="0" cy="538272"/>
+          </a:xfrm>
+          <a:prstGeom prst="line">
+            <a:avLst/>
+          </a:prstGeom>
+          <a:ln>
+            <a:solidFill>
+              <a:schemeClr val="tx1"/>
+            </a:solidFill>
+          </a:ln>
+        </p:spPr>
+        <p:style>
+          <a:lnRef idx="1">
+            <a:schemeClr val="accent1"/>
+          </a:lnRef>
+          <a:fillRef idx="0">
+            <a:schemeClr val="accent1"/>
+          </a:fillRef>
+          <a:effectRef idx="0">
+            <a:schemeClr val="accent1"/>
+          </a:effectRef>
+          <a:fontRef idx="minor">
+            <a:schemeClr val="tx1"/>
+          </a:fontRef>
+        </p:style>
+      </p:cxnSp>
+      <p:cxnSp>
+        <p:nvCxnSpPr>
+          <p:cNvPr id="67" name="Straight Connector 66"/>
+          <p:cNvCxnSpPr/>
+          <p:nvPr/>
+        </p:nvCxnSpPr>
+        <p:spPr>
+          <a:xfrm>
+            <a:off x="7627087" y="3190504"/>
+            <a:ext cx="0" cy="538272"/>
+          </a:xfrm>
+          <a:prstGeom prst="line">
+            <a:avLst/>
+          </a:prstGeom>
+          <a:ln>
+            <a:solidFill>
+              <a:schemeClr val="tx1"/>
+            </a:solidFill>
+          </a:ln>
+        </p:spPr>
+        <p:style>
+          <a:lnRef idx="1">
+            <a:schemeClr val="accent1"/>
+          </a:lnRef>
+          <a:fillRef idx="0">
+            <a:schemeClr val="accent1"/>
+          </a:fillRef>
+          <a:effectRef idx="0">
+            <a:schemeClr val="accent1"/>
+          </a:effectRef>
+          <a:fontRef idx="minor">
+            <a:schemeClr val="tx1"/>
+          </a:fontRef>
+        </p:style>
+      </p:cxnSp>
+      <p:cxnSp>
+        <p:nvCxnSpPr>
+          <p:cNvPr id="68" name="Straight Connector 67"/>
+          <p:cNvCxnSpPr/>
+          <p:nvPr/>
+        </p:nvCxnSpPr>
+        <p:spPr>
+          <a:xfrm>
+            <a:off x="8295166" y="3190504"/>
+            <a:ext cx="0" cy="538272"/>
+          </a:xfrm>
+          <a:prstGeom prst="line">
+            <a:avLst/>
+          </a:prstGeom>
+          <a:ln>
+            <a:solidFill>
+              <a:schemeClr val="tx1"/>
+            </a:solidFill>
+          </a:ln>
+        </p:spPr>
+        <p:style>
+          <a:lnRef idx="1">
+            <a:schemeClr val="accent1"/>
+          </a:lnRef>
+          <a:fillRef idx="0">
+            <a:schemeClr val="accent1"/>
+          </a:fillRef>
+          <a:effectRef idx="0">
+            <a:schemeClr val="accent1"/>
+          </a:effectRef>
+          <a:fontRef idx="minor">
+            <a:schemeClr val="tx1"/>
+          </a:fontRef>
+        </p:style>
+      </p:cxnSp>
+      <p:cxnSp>
+        <p:nvCxnSpPr>
+          <p:cNvPr id="69" name="Straight Connector 68"/>
+          <p:cNvCxnSpPr/>
+          <p:nvPr/>
+        </p:nvCxnSpPr>
+        <p:spPr>
+          <a:xfrm>
+            <a:off x="9365511" y="3196043"/>
+            <a:ext cx="0" cy="538272"/>
+          </a:xfrm>
+          <a:prstGeom prst="line">
+            <a:avLst/>
+          </a:prstGeom>
+          <a:ln>
+            <a:solidFill>
+              <a:schemeClr val="tx1"/>
+            </a:solidFill>
+          </a:ln>
+        </p:spPr>
+        <p:style>
+          <a:lnRef idx="1">
+            <a:schemeClr val="accent1"/>
+          </a:lnRef>
+          <a:fillRef idx="0">
+            <a:schemeClr val="accent1"/>
+          </a:fillRef>
+          <a:effectRef idx="0">
+            <a:schemeClr val="accent1"/>
+          </a:effectRef>
+          <a:fontRef idx="minor">
+            <a:schemeClr val="tx1"/>
+          </a:fontRef>
+        </p:style>
+      </p:cxnSp>
+      <p:cxnSp>
+        <p:nvCxnSpPr>
+          <p:cNvPr id="70" name="Straight Connector 69"/>
+          <p:cNvCxnSpPr/>
+          <p:nvPr/>
+        </p:nvCxnSpPr>
+        <p:spPr>
+          <a:xfrm>
+            <a:off x="10271051" y="3193013"/>
+            <a:ext cx="0" cy="538272"/>
+          </a:xfrm>
+          <a:prstGeom prst="line">
+            <a:avLst/>
+          </a:prstGeom>
+          <a:ln>
+            <a:solidFill>
+              <a:schemeClr val="tx1"/>
+            </a:solidFill>
+          </a:ln>
+        </p:spPr>
+        <p:style>
+          <a:lnRef idx="1">
+            <a:schemeClr val="accent1"/>
+          </a:lnRef>
+          <a:fillRef idx="0">
+            <a:schemeClr val="accent1"/>
+          </a:fillRef>
+          <a:effectRef idx="0">
+            <a:schemeClr val="accent1"/>
+          </a:effectRef>
+          <a:fontRef idx="minor">
+            <a:schemeClr val="tx1"/>
+          </a:fontRef>
+        </p:style>
+      </p:cxnSp>
+      <p:cxnSp>
+        <p:nvCxnSpPr>
+          <p:cNvPr id="72" name="Straight Connector 71"/>
+          <p:cNvCxnSpPr/>
+          <p:nvPr/>
+        </p:nvCxnSpPr>
+        <p:spPr>
+          <a:xfrm>
+            <a:off x="6092456" y="3186444"/>
+            <a:ext cx="5635256" cy="0"/>
+          </a:xfrm>
+          <a:prstGeom prst="line">
+            <a:avLst/>
+          </a:prstGeom>
+          <a:ln>
+            <a:solidFill>
+              <a:schemeClr val="tx1"/>
+            </a:solidFill>
+          </a:ln>
+        </p:spPr>
+        <p:style>
+          <a:lnRef idx="1">
+            <a:schemeClr val="accent1"/>
+          </a:lnRef>
+          <a:fillRef idx="0">
+            <a:schemeClr val="accent1"/>
+          </a:fillRef>
+          <a:effectRef idx="0">
+            <a:schemeClr val="accent1"/>
+          </a:effectRef>
+          <a:fontRef idx="minor">
+            <a:schemeClr val="tx1"/>
+          </a:fontRef>
+        </p:style>
+      </p:cxnSp>
+      <p:cxnSp>
+        <p:nvCxnSpPr>
+          <p:cNvPr id="74" name="Straight Connector 73"/>
+          <p:cNvCxnSpPr/>
+          <p:nvPr/>
+        </p:nvCxnSpPr>
+        <p:spPr>
+          <a:xfrm>
+            <a:off x="6092456" y="3734315"/>
+            <a:ext cx="5635256" cy="0"/>
+          </a:xfrm>
+          <a:prstGeom prst="line">
+            <a:avLst/>
+          </a:prstGeom>
+          <a:ln>
+            <a:solidFill>
+              <a:schemeClr val="tx1"/>
+            </a:solidFill>
+          </a:ln>
+        </p:spPr>
+        <p:style>
+          <a:lnRef idx="1">
+            <a:schemeClr val="accent1"/>
+          </a:lnRef>
+          <a:fillRef idx="0">
+            <a:schemeClr val="accent1"/>
+          </a:fillRef>
+          <a:effectRef idx="0">
+            <a:schemeClr val="accent1"/>
+          </a:effectRef>
+          <a:fontRef idx="minor">
+            <a:schemeClr val="tx1"/>
+          </a:fontRef>
+        </p:style>
+      </p:cxnSp>
     </p:spTree>
     <p:extLst>
       <p:ext uri="{BB962C8B-B14F-4D97-AF65-F5344CB8AC3E}">
@@ -27064,7 +31583,7 @@
 </p:sld>
 </file>
 
-<file path=ppt/slides/slide19.xml><?xml version="1.0" encoding="utf-8"?>
+<file path=ppt/slides/slide21.xml><?xml version="1.0" encoding="utf-8"?>
 <p:sld xmlns:a="http://schemas.openxmlformats.org/drawingml/2006/main" xmlns:r="http://schemas.openxmlformats.org/officeDocument/2006/relationships" xmlns:p="http://schemas.openxmlformats.org/presentationml/2006/main">
   <p:cSld>
     <p:spTree>
@@ -28475,7 +32994,7 @@
           <a:p>
             <a:fld id="{6F0746BA-D1AA-4FF4-8D48-BDBC7FF48778}" type="slidenum">
               <a:rPr lang="fr-FR" smtClean="0"/>
-              <a:t>19</a:t>
+              <a:t>21</a:t>
             </a:fld>
             <a:endParaRPr lang="fr-FR"/>
           </a:p>
@@ -28503,10 +33022,17 @@
       </p:transition>
     </mc:Fallback>
   </mc:AlternateContent>
+  <p:timing>
+    <p:tnLst>
+      <p:par>
+        <p:cTn id="1" dur="indefinite" restart="never" nodeType="tmRoot"/>
+      </p:par>
+    </p:tnLst>
+  </p:timing>
 </p:sld>
 </file>
 
-<file path=ppt/slides/slide2.xml><?xml version="1.0" encoding="utf-8"?>
+<file path=ppt/slides/slide22.xml><?xml version="1.0" encoding="utf-8"?>
 <p:sld xmlns:a="http://schemas.openxmlformats.org/drawingml/2006/main" xmlns:r="http://schemas.openxmlformats.org/officeDocument/2006/relationships" xmlns:p="http://schemas.openxmlformats.org/presentationml/2006/main">
   <p:cSld>
     <p:spTree>
@@ -28523,234 +33049,9 @@
           <a:chExt cx="0" cy="0"/>
         </a:xfrm>
       </p:grpSpPr>
-      <p:cxnSp>
-        <p:nvCxnSpPr>
-          <p:cNvPr id="3" name="Straight Connector 2"/>
-          <p:cNvCxnSpPr/>
-          <p:nvPr/>
-        </p:nvCxnSpPr>
-        <p:spPr>
-          <a:xfrm>
-            <a:off x="6096000" y="628650"/>
-            <a:ext cx="0" cy="5600700"/>
-          </a:xfrm>
-          <a:prstGeom prst="line">
-            <a:avLst/>
-          </a:prstGeom>
-          <a:ln>
-            <a:headEnd type="triangle" w="med" len="med"/>
-            <a:tailEnd type="triangle" w="med" len="med"/>
-          </a:ln>
-        </p:spPr>
-        <p:style>
-          <a:lnRef idx="1">
-            <a:schemeClr val="accent1"/>
-          </a:lnRef>
-          <a:fillRef idx="0">
-            <a:schemeClr val="accent1"/>
-          </a:fillRef>
-          <a:effectRef idx="0">
-            <a:schemeClr val="accent1"/>
-          </a:effectRef>
-          <a:fontRef idx="minor">
-            <a:schemeClr val="tx1"/>
-          </a:fontRef>
-        </p:style>
-      </p:cxnSp>
-      <p:cxnSp>
-        <p:nvCxnSpPr>
-          <p:cNvPr id="15" name="Straight Connector 14"/>
-          <p:cNvCxnSpPr/>
-          <p:nvPr/>
-        </p:nvCxnSpPr>
-        <p:spPr>
-          <a:xfrm>
-            <a:off x="1987550" y="3581400"/>
-            <a:ext cx="8216900" cy="0"/>
-          </a:xfrm>
-          <a:prstGeom prst="line">
-            <a:avLst/>
-          </a:prstGeom>
-          <a:ln>
-            <a:headEnd type="triangle" w="med" len="med"/>
-            <a:tailEnd type="triangle" w="med" len="med"/>
-          </a:ln>
-        </p:spPr>
-        <p:style>
-          <a:lnRef idx="1">
-            <a:schemeClr val="accent1"/>
-          </a:lnRef>
-          <a:fillRef idx="0">
-            <a:schemeClr val="accent1"/>
-          </a:fillRef>
-          <a:effectRef idx="0">
-            <a:schemeClr val="accent1"/>
-          </a:effectRef>
-          <a:fontRef idx="minor">
-            <a:schemeClr val="tx1"/>
-          </a:fontRef>
-        </p:style>
-      </p:cxnSp>
       <p:sp>
         <p:nvSpPr>
-          <p:cNvPr id="92" name="TextBox 91"/>
-          <p:cNvSpPr txBox="1"/>
-          <p:nvPr/>
-        </p:nvSpPr>
-        <p:spPr>
-          <a:xfrm>
-            <a:off x="5240655" y="119065"/>
-            <a:ext cx="1710690" cy="523220"/>
-          </a:xfrm>
-          <a:prstGeom prst="rect">
-            <a:avLst/>
-          </a:prstGeom>
-          <a:noFill/>
-        </p:spPr>
-        <p:txBody>
-          <a:bodyPr wrap="square" rtlCol="0" anchor="ctr">
-            <a:spAutoFit/>
-          </a:bodyPr>
-          <a:lstStyle/>
-          <a:p>
-            <a:pPr algn="ctr"/>
-            <a:r>
-              <a:rPr lang="fr-FR" sz="1400" b="1" spc="300" dirty="0">
-                <a:latin typeface="Segoe UI" panose="020B0502040204020203" pitchFamily="34" charset="0"/>
-                <a:cs typeface="Segoe UI" panose="020B0502040204020203" pitchFamily="34" charset="0"/>
-              </a:rPr>
-              <a:t>RIGOROUS </a:t>
-            </a:r>
-          </a:p>
-          <a:p>
-            <a:pPr algn="ctr"/>
-            <a:r>
-              <a:rPr lang="fr-FR" sz="1400" b="1" spc="300" dirty="0">
-                <a:latin typeface="Segoe UI" panose="020B0502040204020203" pitchFamily="34" charset="0"/>
-                <a:cs typeface="Segoe UI" panose="020B0502040204020203" pitchFamily="34" charset="0"/>
-              </a:rPr>
-              <a:t>PROCEDURE</a:t>
-            </a:r>
-          </a:p>
-        </p:txBody>
-      </p:sp>
-      <p:sp>
-        <p:nvSpPr>
-          <p:cNvPr id="95" name="TextBox 94"/>
-          <p:cNvSpPr txBox="1"/>
-          <p:nvPr/>
-        </p:nvSpPr>
-        <p:spPr>
-          <a:xfrm>
-            <a:off x="5240655" y="6215716"/>
-            <a:ext cx="1710690" cy="523220"/>
-          </a:xfrm>
-          <a:prstGeom prst="rect">
-            <a:avLst/>
-          </a:prstGeom>
-          <a:noFill/>
-        </p:spPr>
-        <p:txBody>
-          <a:bodyPr wrap="square" rtlCol="0" anchor="ctr">
-            <a:spAutoFit/>
-          </a:bodyPr>
-          <a:lstStyle/>
-          <a:p>
-            <a:pPr algn="ctr"/>
-            <a:r>
-              <a:rPr lang="fr-FR" sz="1400" b="1" spc="300" dirty="0">
-                <a:latin typeface="Segoe UI" panose="020B0502040204020203" pitchFamily="34" charset="0"/>
-                <a:cs typeface="Segoe UI" panose="020B0502040204020203" pitchFamily="34" charset="0"/>
-              </a:rPr>
-              <a:t>ENGINEER</a:t>
-            </a:r>
-          </a:p>
-          <a:p>
-            <a:pPr algn="ctr"/>
-            <a:r>
-              <a:rPr lang="fr-FR" sz="1400" b="1" spc="300" dirty="0">
-                <a:latin typeface="Segoe UI" panose="020B0502040204020203" pitchFamily="34" charset="0"/>
-                <a:cs typeface="Segoe UI" panose="020B0502040204020203" pitchFamily="34" charset="0"/>
-              </a:rPr>
-              <a:t>SIMPLICITY</a:t>
-            </a:r>
-          </a:p>
-        </p:txBody>
-      </p:sp>
-      <p:sp>
-        <p:nvSpPr>
-          <p:cNvPr id="96" name="TextBox 95"/>
-          <p:cNvSpPr txBox="1"/>
-          <p:nvPr/>
-        </p:nvSpPr>
-        <p:spPr>
-          <a:xfrm>
-            <a:off x="10204450" y="3432370"/>
-            <a:ext cx="1710690" cy="307777"/>
-          </a:xfrm>
-          <a:prstGeom prst="rect">
-            <a:avLst/>
-          </a:prstGeom>
-          <a:noFill/>
-        </p:spPr>
-        <p:txBody>
-          <a:bodyPr wrap="square" rtlCol="0" anchor="ctr">
-            <a:spAutoFit/>
-          </a:bodyPr>
-          <a:lstStyle/>
-          <a:p>
-            <a:r>
-              <a:rPr lang="fr-FR" sz="1400" b="1" spc="300" dirty="0">
-                <a:latin typeface="Segoe UI" panose="020B0502040204020203" pitchFamily="34" charset="0"/>
-                <a:cs typeface="Segoe UI" panose="020B0502040204020203" pitchFamily="34" charset="0"/>
-              </a:rPr>
-              <a:t>NON-LINEAR</a:t>
-            </a:r>
-          </a:p>
-        </p:txBody>
-      </p:sp>
-      <p:sp>
-        <p:nvSpPr>
-          <p:cNvPr id="97" name="TextBox 96"/>
-          <p:cNvSpPr txBox="1"/>
-          <p:nvPr/>
-        </p:nvSpPr>
-        <p:spPr>
-          <a:xfrm>
-            <a:off x="276860" y="3427511"/>
-            <a:ext cx="1710690" cy="307777"/>
-          </a:xfrm>
-          <a:prstGeom prst="rect">
-            <a:avLst/>
-          </a:prstGeom>
-          <a:noFill/>
-        </p:spPr>
-        <p:txBody>
-          <a:bodyPr wrap="square" rtlCol="0" anchor="ctr">
-            <a:spAutoFit/>
-          </a:bodyPr>
-          <a:lstStyle/>
-          <a:p>
-            <a:pPr algn="r"/>
-            <a:r>
-              <a:rPr lang="fr-FR" sz="1400" b="1" spc="300" dirty="0">
-                <a:latin typeface="Segoe UI" panose="020B0502040204020203" pitchFamily="34" charset="0"/>
-                <a:cs typeface="Segoe UI" panose="020B0502040204020203" pitchFamily="34" charset="0"/>
-              </a:rPr>
-              <a:t>LINEAR</a:t>
-            </a:r>
-          </a:p>
-        </p:txBody>
-      </p:sp>
-      <p:sp>
-        <p:nvSpPr>
-          <p:cNvPr id="2" name="投影片編號版面配置區 1">
-            <a:extLst>
-              <a:ext uri="{FF2B5EF4-FFF2-40B4-BE49-F238E27FC236}">
-                <a16:creationId xmlns:a16="http://schemas.microsoft.com/office/drawing/2014/main" id="{D474FC78-848E-4CF3-A0B5-01A6B88BBD80}"/>
-              </a:ext>
-            </a:extLst>
-          </p:cNvPr>
+          <p:cNvPr id="3" name="Slide Number Placeholder 2"/>
           <p:cNvSpPr>
             <a:spLocks noGrp="1"/>
           </p:cNvSpPr>
@@ -28765,644 +33066,49 @@
           <a:p>
             <a:fld id="{6F0746BA-D1AA-4FF4-8D48-BDBC7FF48778}" type="slidenum">
               <a:rPr lang="fr-FR" smtClean="0"/>
-              <a:t>2</a:t>
+              <a:pPr/>
+              <a:t>22</a:t>
             </a:fld>
-            <a:endParaRPr lang="fr-FR" dirty="0"/>
+            <a:endParaRPr lang="fr-FR"/>
           </a:p>
         </p:txBody>
       </p:sp>
-      <p:grpSp>
-        <p:nvGrpSpPr>
-          <p:cNvPr id="43" name="Group 1"/>
-          <p:cNvGrpSpPr/>
+      <p:pic>
+        <p:nvPicPr>
+          <p:cNvPr id="5" name="Picture 4">
+            <a:hlinkClick r:id="rId2" action="ppaction://hlinkfile"/>
+          </p:cNvPr>
+          <p:cNvPicPr>
+            <a:picLocks noChangeAspect="1"/>
+          </p:cNvPicPr>
           <p:nvPr/>
-        </p:nvGrpSpPr>
-        <p:grpSpPr>
-          <a:xfrm>
-            <a:off x="3231751" y="793935"/>
-            <a:ext cx="944566" cy="944566"/>
-            <a:chOff x="3173014" y="2956717"/>
-            <a:chExt cx="944566" cy="944566"/>
-          </a:xfrm>
-        </p:grpSpPr>
-        <p:sp>
-          <p:nvSpPr>
-            <p:cNvPr id="44" name="Oval 18"/>
-            <p:cNvSpPr/>
-            <p:nvPr/>
-          </p:nvSpPr>
-          <p:spPr>
-            <a:xfrm>
-              <a:off x="3290491" y="3074194"/>
-              <a:ext cx="709612" cy="709612"/>
-            </a:xfrm>
-            <a:prstGeom prst="ellipse">
-              <a:avLst/>
-            </a:prstGeom>
-            <a:solidFill>
-              <a:schemeClr val="bg1">
-                <a:lumMod val="85000"/>
-              </a:schemeClr>
-            </a:solidFill>
-            <a:ln>
-              <a:noFill/>
-            </a:ln>
-          </p:spPr>
-          <p:style>
-            <a:lnRef idx="2">
-              <a:schemeClr val="accent1">
-                <a:shade val="50000"/>
-              </a:schemeClr>
-            </a:lnRef>
-            <a:fillRef idx="1">
-              <a:schemeClr val="accent1"/>
-            </a:fillRef>
-            <a:effectRef idx="0">
-              <a:schemeClr val="accent1"/>
-            </a:effectRef>
-            <a:fontRef idx="minor">
-              <a:schemeClr val="lt1"/>
-            </a:fontRef>
-          </p:style>
-          <p:txBody>
-            <a:bodyPr rtlCol="0" anchor="ctr"/>
-            <a:lstStyle/>
-            <a:p>
-              <a:pPr algn="ctr"/>
-              <a:endParaRPr lang="fr-FR" dirty="0"/>
-            </a:p>
-          </p:txBody>
-        </p:sp>
-        <p:sp>
-          <p:nvSpPr>
-            <p:cNvPr id="45" name="Oval 22"/>
-            <p:cNvSpPr/>
-            <p:nvPr/>
-          </p:nvSpPr>
-          <p:spPr>
-            <a:xfrm>
-              <a:off x="3173014" y="2956717"/>
-              <a:ext cx="944566" cy="944566"/>
-            </a:xfrm>
-            <a:prstGeom prst="ellipse">
-              <a:avLst/>
-            </a:prstGeom>
-            <a:solidFill>
-              <a:schemeClr val="bg1">
-                <a:lumMod val="85000"/>
-                <a:alpha val="42000"/>
-              </a:schemeClr>
-            </a:solidFill>
-            <a:ln>
-              <a:noFill/>
-            </a:ln>
-          </p:spPr>
-          <p:style>
-            <a:lnRef idx="2">
-              <a:schemeClr val="accent1">
-                <a:shade val="50000"/>
-              </a:schemeClr>
-            </a:lnRef>
-            <a:fillRef idx="1">
-              <a:schemeClr val="accent1"/>
-            </a:fillRef>
-            <a:effectRef idx="0">
-              <a:schemeClr val="accent1"/>
-            </a:effectRef>
-            <a:fontRef idx="minor">
-              <a:schemeClr val="lt1"/>
-            </a:fontRef>
-          </p:style>
-          <p:txBody>
-            <a:bodyPr rtlCol="0" anchor="ctr"/>
-            <a:lstStyle/>
-            <a:p>
-              <a:pPr algn="ctr"/>
-              <a:r>
-                <a:rPr lang="fr-FR" sz="2800" dirty="0">
-                  <a:solidFill>
-                    <a:schemeClr val="tx1"/>
-                  </a:solidFill>
-                  <a:latin typeface="Segoe UI" panose="020B0502040204020203" pitchFamily="34" charset="0"/>
-                  <a:cs typeface="Segoe UI" panose="020B0502040204020203" pitchFamily="34" charset="0"/>
-                </a:rPr>
-                <a:t>2</a:t>
-              </a:r>
-            </a:p>
-          </p:txBody>
-        </p:sp>
-      </p:grpSp>
-      <p:grpSp>
-        <p:nvGrpSpPr>
-          <p:cNvPr id="46" name="Group 24"/>
-          <p:cNvGrpSpPr/>
-          <p:nvPr/>
-        </p:nvGrpSpPr>
-        <p:grpSpPr>
-          <a:xfrm>
-            <a:off x="3231751" y="3852852"/>
-            <a:ext cx="944566" cy="944566"/>
-            <a:chOff x="3173014" y="2956717"/>
-            <a:chExt cx="944566" cy="944566"/>
-          </a:xfrm>
-        </p:grpSpPr>
-        <p:sp>
-          <p:nvSpPr>
-            <p:cNvPr id="47" name="Oval 25"/>
-            <p:cNvSpPr/>
-            <p:nvPr/>
-          </p:nvSpPr>
-          <p:spPr>
-            <a:xfrm>
-              <a:off x="3290491" y="3074194"/>
-              <a:ext cx="709612" cy="709612"/>
-            </a:xfrm>
-            <a:prstGeom prst="ellipse">
-              <a:avLst/>
-            </a:prstGeom>
-            <a:solidFill>
-              <a:schemeClr val="bg1">
-                <a:lumMod val="85000"/>
-              </a:schemeClr>
-            </a:solidFill>
-            <a:ln>
-              <a:noFill/>
-            </a:ln>
-          </p:spPr>
-          <p:style>
-            <a:lnRef idx="2">
-              <a:schemeClr val="accent1">
-                <a:shade val="50000"/>
-              </a:schemeClr>
-            </a:lnRef>
-            <a:fillRef idx="1">
-              <a:schemeClr val="accent1"/>
-            </a:fillRef>
-            <a:effectRef idx="0">
-              <a:schemeClr val="accent1"/>
-            </a:effectRef>
-            <a:fontRef idx="minor">
-              <a:schemeClr val="lt1"/>
-            </a:fontRef>
-          </p:style>
-          <p:txBody>
-            <a:bodyPr rtlCol="0" anchor="ctr"/>
-            <a:lstStyle/>
-            <a:p>
-              <a:pPr algn="ctr"/>
-              <a:endParaRPr lang="fr-FR"/>
-            </a:p>
-          </p:txBody>
-        </p:sp>
-        <p:sp>
-          <p:nvSpPr>
-            <p:cNvPr id="48" name="Oval 26"/>
-            <p:cNvSpPr/>
-            <p:nvPr/>
-          </p:nvSpPr>
-          <p:spPr>
-            <a:xfrm>
-              <a:off x="3173014" y="2956717"/>
-              <a:ext cx="944566" cy="944566"/>
-            </a:xfrm>
-            <a:prstGeom prst="ellipse">
-              <a:avLst/>
-            </a:prstGeom>
-            <a:solidFill>
-              <a:schemeClr val="bg1">
-                <a:lumMod val="85000"/>
-                <a:alpha val="42000"/>
-              </a:schemeClr>
-            </a:solidFill>
-            <a:ln>
-              <a:noFill/>
-            </a:ln>
-          </p:spPr>
-          <p:style>
-            <a:lnRef idx="2">
-              <a:schemeClr val="accent1">
-                <a:shade val="50000"/>
-              </a:schemeClr>
-            </a:lnRef>
-            <a:fillRef idx="1">
-              <a:schemeClr val="accent1"/>
-            </a:fillRef>
-            <a:effectRef idx="0">
-              <a:schemeClr val="accent1"/>
-            </a:effectRef>
-            <a:fontRef idx="minor">
-              <a:schemeClr val="lt1"/>
-            </a:fontRef>
-          </p:style>
-          <p:txBody>
-            <a:bodyPr rtlCol="0" anchor="ctr"/>
-            <a:lstStyle/>
-            <a:p>
-              <a:pPr algn="ctr"/>
-              <a:r>
-                <a:rPr lang="fr-FR" sz="2800" dirty="0">
-                  <a:solidFill>
-                    <a:schemeClr val="tx1"/>
-                  </a:solidFill>
-                  <a:latin typeface="Segoe UI" panose="020B0502040204020203" pitchFamily="34" charset="0"/>
-                  <a:cs typeface="Segoe UI" panose="020B0502040204020203" pitchFamily="34" charset="0"/>
-                </a:rPr>
-                <a:t>1</a:t>
-              </a:r>
-            </a:p>
-          </p:txBody>
-        </p:sp>
-      </p:grpSp>
-      <p:sp>
-        <p:nvSpPr>
-          <p:cNvPr id="49" name="TextBox 98"/>
-          <p:cNvSpPr txBox="1"/>
-          <p:nvPr/>
-        </p:nvSpPr>
+        </p:nvPicPr>
+        <p:blipFill>
+          <a:blip r:embed="rId3">
+            <a:extLst>
+              <a:ext uri="{28A0092B-C50C-407E-A947-70E740481C1C}">
+                <a14:useLocalDpi xmlns:a14="http://schemas.microsoft.com/office/drawing/2010/main" val="0"/>
+              </a:ext>
+            </a:extLst>
+          </a:blip>
+          <a:stretch>
+            <a:fillRect/>
+          </a:stretch>
+        </p:blipFill>
         <p:spPr>
           <a:xfrm>
-            <a:off x="3231753" y="5260966"/>
-            <a:ext cx="1548000" cy="1015663"/>
+            <a:off x="0" y="-476250"/>
+            <a:ext cx="12192000" cy="7334250"/>
           </a:xfrm>
           <a:prstGeom prst="rect">
             <a:avLst/>
           </a:prstGeom>
-          <a:noFill/>
         </p:spPr>
-        <p:txBody>
-          <a:bodyPr wrap="square" lIns="0" rtlCol="0" anchor="t">
-            <a:spAutoFit/>
-          </a:bodyPr>
-          <a:lstStyle/>
-          <a:p>
-            <a:r>
-              <a:rPr lang="fr-FR" sz="2000" dirty="0">
-                <a:latin typeface="Segoe UI Light" panose="020B0502040204020203" pitchFamily="34" charset="0"/>
-                <a:cs typeface="Segoe UI Light" panose="020B0502040204020203" pitchFamily="34" charset="0"/>
-              </a:rPr>
-              <a:t>FROM EXISTING REBAR</a:t>
-            </a:r>
-            <a:endParaRPr lang="fr-FR" sz="2000" dirty="0">
-              <a:solidFill>
-                <a:schemeClr val="accent1"/>
-              </a:solidFill>
-              <a:latin typeface="Segoe UI Light" panose="020B0502040204020203" pitchFamily="34" charset="0"/>
-              <a:cs typeface="Segoe UI Light" panose="020B0502040204020203" pitchFamily="34" charset="0"/>
-            </a:endParaRPr>
-          </a:p>
-        </p:txBody>
-      </p:sp>
-      <p:grpSp>
-        <p:nvGrpSpPr>
-          <p:cNvPr id="50" name="Group 27"/>
-          <p:cNvGrpSpPr/>
-          <p:nvPr/>
-        </p:nvGrpSpPr>
-        <p:grpSpPr>
-          <a:xfrm>
-            <a:off x="7611237" y="799884"/>
-            <a:ext cx="944566" cy="944566"/>
-            <a:chOff x="3173014" y="2956717"/>
-            <a:chExt cx="944566" cy="944566"/>
-          </a:xfrm>
-        </p:grpSpPr>
-        <p:sp>
-          <p:nvSpPr>
-            <p:cNvPr id="51" name="Oval 28"/>
-            <p:cNvSpPr/>
-            <p:nvPr/>
-          </p:nvSpPr>
-          <p:spPr>
-            <a:xfrm>
-              <a:off x="3290491" y="3074194"/>
-              <a:ext cx="709612" cy="709612"/>
-            </a:xfrm>
-            <a:prstGeom prst="ellipse">
-              <a:avLst/>
-            </a:prstGeom>
-            <a:solidFill>
-              <a:schemeClr val="bg1">
-                <a:lumMod val="85000"/>
-              </a:schemeClr>
-            </a:solidFill>
-            <a:ln>
-              <a:noFill/>
-            </a:ln>
-          </p:spPr>
-          <p:style>
-            <a:lnRef idx="2">
-              <a:schemeClr val="accent1">
-                <a:shade val="50000"/>
-              </a:schemeClr>
-            </a:lnRef>
-            <a:fillRef idx="1">
-              <a:schemeClr val="accent1"/>
-            </a:fillRef>
-            <a:effectRef idx="0">
-              <a:schemeClr val="accent1"/>
-            </a:effectRef>
-            <a:fontRef idx="minor">
-              <a:schemeClr val="lt1"/>
-            </a:fontRef>
-          </p:style>
-          <p:txBody>
-            <a:bodyPr rtlCol="0" anchor="ctr"/>
-            <a:lstStyle/>
-            <a:p>
-              <a:pPr algn="ctr"/>
-              <a:endParaRPr lang="fr-FR"/>
-            </a:p>
-          </p:txBody>
-        </p:sp>
-        <p:sp>
-          <p:nvSpPr>
-            <p:cNvPr id="52" name="Oval 29"/>
-            <p:cNvSpPr/>
-            <p:nvPr/>
-          </p:nvSpPr>
-          <p:spPr>
-            <a:xfrm>
-              <a:off x="3173014" y="2956717"/>
-              <a:ext cx="944566" cy="944566"/>
-            </a:xfrm>
-            <a:prstGeom prst="ellipse">
-              <a:avLst/>
-            </a:prstGeom>
-            <a:solidFill>
-              <a:schemeClr val="bg1">
-                <a:lumMod val="85000"/>
-                <a:alpha val="42000"/>
-              </a:schemeClr>
-            </a:solidFill>
-            <a:ln>
-              <a:noFill/>
-            </a:ln>
-          </p:spPr>
-          <p:style>
-            <a:lnRef idx="2">
-              <a:schemeClr val="accent1">
-                <a:shade val="50000"/>
-              </a:schemeClr>
-            </a:lnRef>
-            <a:fillRef idx="1">
-              <a:schemeClr val="accent1"/>
-            </a:fillRef>
-            <a:effectRef idx="0">
-              <a:schemeClr val="accent1"/>
-            </a:effectRef>
-            <a:fontRef idx="minor">
-              <a:schemeClr val="lt1"/>
-            </a:fontRef>
-          </p:style>
-          <p:txBody>
-            <a:bodyPr rtlCol="0" anchor="ctr"/>
-            <a:lstStyle/>
-            <a:p>
-              <a:pPr algn="ctr"/>
-              <a:r>
-                <a:rPr lang="fr-FR" sz="2800" dirty="0">
-                  <a:solidFill>
-                    <a:schemeClr val="tx1"/>
-                  </a:solidFill>
-                  <a:latin typeface="Segoe UI" panose="020B0502040204020203" pitchFamily="34" charset="0"/>
-                  <a:cs typeface="Segoe UI" panose="020B0502040204020203" pitchFamily="34" charset="0"/>
-                </a:rPr>
-                <a:t>3</a:t>
-              </a:r>
-            </a:p>
-          </p:txBody>
-        </p:sp>
-      </p:grpSp>
-      <p:grpSp>
-        <p:nvGrpSpPr>
-          <p:cNvPr id="53" name="Group 30"/>
-          <p:cNvGrpSpPr/>
-          <p:nvPr/>
-        </p:nvGrpSpPr>
-        <p:grpSpPr>
-          <a:xfrm>
-            <a:off x="7611236" y="3852860"/>
-            <a:ext cx="944566" cy="944566"/>
-            <a:chOff x="3173014" y="2956717"/>
-            <a:chExt cx="944566" cy="944566"/>
-          </a:xfrm>
-        </p:grpSpPr>
-        <p:sp>
-          <p:nvSpPr>
-            <p:cNvPr id="54" name="Oval 31"/>
-            <p:cNvSpPr/>
-            <p:nvPr/>
-          </p:nvSpPr>
-          <p:spPr>
-            <a:xfrm>
-              <a:off x="3290491" y="3074194"/>
-              <a:ext cx="709612" cy="709612"/>
-            </a:xfrm>
-            <a:prstGeom prst="ellipse">
-              <a:avLst/>
-            </a:prstGeom>
-            <a:solidFill>
-              <a:schemeClr val="bg1">
-                <a:lumMod val="85000"/>
-              </a:schemeClr>
-            </a:solidFill>
-            <a:ln>
-              <a:noFill/>
-            </a:ln>
-          </p:spPr>
-          <p:style>
-            <a:lnRef idx="2">
-              <a:schemeClr val="accent1">
-                <a:shade val="50000"/>
-              </a:schemeClr>
-            </a:lnRef>
-            <a:fillRef idx="1">
-              <a:schemeClr val="accent1"/>
-            </a:fillRef>
-            <a:effectRef idx="0">
-              <a:schemeClr val="accent1"/>
-            </a:effectRef>
-            <a:fontRef idx="minor">
-              <a:schemeClr val="lt1"/>
-            </a:fontRef>
-          </p:style>
-          <p:txBody>
-            <a:bodyPr rtlCol="0" anchor="ctr"/>
-            <a:lstStyle/>
-            <a:p>
-              <a:pPr algn="ctr"/>
-              <a:endParaRPr lang="fr-FR"/>
-            </a:p>
-          </p:txBody>
-        </p:sp>
-        <p:sp>
-          <p:nvSpPr>
-            <p:cNvPr id="55" name="Oval 32"/>
-            <p:cNvSpPr/>
-            <p:nvPr/>
-          </p:nvSpPr>
-          <p:spPr>
-            <a:xfrm>
-              <a:off x="3173014" y="2956717"/>
-              <a:ext cx="944566" cy="944566"/>
-            </a:xfrm>
-            <a:prstGeom prst="ellipse">
-              <a:avLst/>
-            </a:prstGeom>
-            <a:solidFill>
-              <a:schemeClr val="bg1">
-                <a:lumMod val="85000"/>
-                <a:alpha val="42000"/>
-              </a:schemeClr>
-            </a:solidFill>
-            <a:ln>
-              <a:noFill/>
-            </a:ln>
-          </p:spPr>
-          <p:style>
-            <a:lnRef idx="2">
-              <a:schemeClr val="accent1">
-                <a:shade val="50000"/>
-              </a:schemeClr>
-            </a:lnRef>
-            <a:fillRef idx="1">
-              <a:schemeClr val="accent1"/>
-            </a:fillRef>
-            <a:effectRef idx="0">
-              <a:schemeClr val="accent1"/>
-            </a:effectRef>
-            <a:fontRef idx="minor">
-              <a:schemeClr val="lt1"/>
-            </a:fontRef>
-          </p:style>
-          <p:txBody>
-            <a:bodyPr rtlCol="0" anchor="ctr"/>
-            <a:lstStyle/>
-            <a:p>
-              <a:pPr algn="ctr"/>
-              <a:r>
-                <a:rPr lang="fr-FR" sz="2800" dirty="0">
-                  <a:solidFill>
-                    <a:schemeClr val="tx1"/>
-                  </a:solidFill>
-                  <a:latin typeface="Segoe UI" panose="020B0502040204020203" pitchFamily="34" charset="0"/>
-                  <a:cs typeface="Segoe UI" panose="020B0502040204020203" pitchFamily="34" charset="0"/>
-                </a:rPr>
-                <a:t>4</a:t>
-              </a:r>
-            </a:p>
-          </p:txBody>
-        </p:sp>
-      </p:grpSp>
-      <p:sp>
-        <p:nvSpPr>
-          <p:cNvPr id="56" name="TextBox 41"/>
-          <p:cNvSpPr txBox="1"/>
-          <p:nvPr/>
-        </p:nvSpPr>
-        <p:spPr>
-          <a:xfrm>
-            <a:off x="3231752" y="2202049"/>
-            <a:ext cx="1548000" cy="1015663"/>
-          </a:xfrm>
-          <a:prstGeom prst="rect">
-            <a:avLst/>
-          </a:prstGeom>
-          <a:noFill/>
-        </p:spPr>
-        <p:txBody>
-          <a:bodyPr wrap="square" lIns="0" rtlCol="0" anchor="t">
-            <a:spAutoFit/>
-          </a:bodyPr>
-          <a:lstStyle/>
-          <a:p>
-            <a:r>
-              <a:rPr lang="fr-FR" sz="2000" dirty="0">
-                <a:latin typeface="Segoe UI Light" panose="020B0502040204020203" pitchFamily="34" charset="0"/>
-                <a:cs typeface="Segoe UI Light" panose="020B0502040204020203" pitchFamily="34" charset="0"/>
-              </a:rPr>
-              <a:t>ETABS DEMAND</a:t>
-            </a:r>
-          </a:p>
-          <a:p>
-            <a:r>
-              <a:rPr lang="fr-FR" sz="2000" dirty="0">
-                <a:latin typeface="Segoe UI Light" panose="020B0502040204020203" pitchFamily="34" charset="0"/>
-                <a:cs typeface="Segoe UI Light" panose="020B0502040204020203" pitchFamily="34" charset="0"/>
-              </a:rPr>
-              <a:t>MULTI-CUT</a:t>
-            </a:r>
-          </a:p>
-        </p:txBody>
-      </p:sp>
-      <p:sp>
-        <p:nvSpPr>
-          <p:cNvPr id="57" name="TextBox 42"/>
-          <p:cNvSpPr txBox="1"/>
-          <p:nvPr/>
-        </p:nvSpPr>
-        <p:spPr>
-          <a:xfrm>
-            <a:off x="7611236" y="2207998"/>
-            <a:ext cx="1548000" cy="1015663"/>
-          </a:xfrm>
-          <a:prstGeom prst="rect">
-            <a:avLst/>
-          </a:prstGeom>
-          <a:noFill/>
-        </p:spPr>
-        <p:txBody>
-          <a:bodyPr wrap="square" lIns="0" rtlCol="0" anchor="t">
-            <a:spAutoFit/>
-          </a:bodyPr>
-          <a:lstStyle/>
-          <a:p>
-            <a:r>
-              <a:rPr lang="fr-FR" altLang="zh-TW" sz="2000" dirty="0">
-                <a:latin typeface="Segoe UI Light" panose="020B0502040204020203" pitchFamily="34" charset="0"/>
-                <a:cs typeface="Segoe UI Light" panose="020B0502040204020203" pitchFamily="34" charset="0"/>
-              </a:rPr>
-              <a:t>NONLINEAR HISTORY ANALYSIS</a:t>
-            </a:r>
-          </a:p>
-        </p:txBody>
-      </p:sp>
-      <p:sp>
-        <p:nvSpPr>
-          <p:cNvPr id="83" name="TextBox 43"/>
-          <p:cNvSpPr txBox="1"/>
-          <p:nvPr/>
-        </p:nvSpPr>
-        <p:spPr>
-          <a:xfrm>
-            <a:off x="7611234" y="5260974"/>
-            <a:ext cx="1548000" cy="1015663"/>
-          </a:xfrm>
-          <a:prstGeom prst="rect">
-            <a:avLst/>
-          </a:prstGeom>
-          <a:noFill/>
-        </p:spPr>
-        <p:txBody>
-          <a:bodyPr wrap="square" lIns="0" rtlCol="0" anchor="t">
-            <a:spAutoFit/>
-          </a:bodyPr>
-          <a:lstStyle/>
-          <a:p>
-            <a:r>
-              <a:rPr lang="fr-FR" sz="2000" dirty="0">
-                <a:latin typeface="Segoe UI Light" panose="020B0502040204020203" pitchFamily="34" charset="0"/>
-                <a:cs typeface="Segoe UI Light" panose="020B0502040204020203" pitchFamily="34" charset="0"/>
-              </a:rPr>
-              <a:t>MULTI-MODES PUSHOVER</a:t>
-            </a:r>
-          </a:p>
-        </p:txBody>
-      </p:sp>
+      </p:pic>
     </p:spTree>
     <p:extLst>
       <p:ext uri="{BB962C8B-B14F-4D97-AF65-F5344CB8AC3E}">
-        <p14:creationId xmlns:p14="http://schemas.microsoft.com/office/powerpoint/2010/main" val="1243835820"/>
+        <p14:creationId xmlns:p14="http://schemas.microsoft.com/office/powerpoint/2010/main" val="1159854965"/>
       </p:ext>
     </p:extLst>
   </p:cSld>
@@ -29421,6 +33127,13 @@
       </p:transition>
     </mc:Fallback>
   </mc:AlternateContent>
+  <p:timing>
+    <p:tnLst>
+      <p:par>
+        <p:cTn id="1" dur="indefinite" restart="never" nodeType="tmRoot"/>
+      </p:par>
+    </p:tnLst>
+  </p:timing>
 </p:sld>
 </file>
 
@@ -30010,6 +33723,13 @@
       </p:transition>
     </mc:Fallback>
   </mc:AlternateContent>
+  <p:timing>
+    <p:tnLst>
+      <p:par>
+        <p:cTn id="1" dur="indefinite" restart="never" nodeType="tmRoot"/>
+      </p:par>
+    </p:tnLst>
+  </p:timing>
 </p:sld>
 </file>
 
@@ -32496,11 +36216,7 @@
           <a:p>
             <a:r>
               <a:rPr lang="en-US" dirty="0" smtClean="0"/>
-              <a:t>Benchmark </a:t>
-            </a:r>
-            <a:r>
-              <a:rPr lang="en-US" dirty="0" smtClean="0"/>
-              <a:t>Model</a:t>
+              <a:t>Benchmark Model</a:t>
             </a:r>
             <a:endParaRPr lang="en-US" dirty="0"/>
           </a:p>
@@ -32858,7 +36574,7 @@
         </p:blipFill>
         <p:spPr>
           <a:xfrm>
-            <a:off x="5384800" y="4160013"/>
+            <a:off x="6103031" y="204702"/>
             <a:ext cx="5249063" cy="1353733"/>
           </a:xfrm>
           <a:prstGeom prst="rect">
@@ -32866,8 +36582,8 @@
           </a:prstGeom>
         </p:spPr>
       </p:pic>
-      <mc:AlternateContent xmlns:mc="http://schemas.openxmlformats.org/markup-compatibility/2006">
-        <mc:Choice xmlns:a14="http://schemas.microsoft.com/office/drawing/2010/main" Requires="a14">
+      <mc:AlternateContent xmlns:mc="http://schemas.openxmlformats.org/markup-compatibility/2006" xmlns:a14="http://schemas.microsoft.com/office/drawing/2010/main">
+        <mc:Choice Requires="a14">
           <p:sp>
             <p:nvSpPr>
               <p:cNvPr id="8" name="文字方塊 7"/>
@@ -32903,6 +36619,9 @@
                     <m:oMath xmlns:m="http://schemas.openxmlformats.org/officeDocument/2006/math">
                       <m:r>
                         <a:rPr lang="en-US" altLang="zh-TW" sz="2000" b="0" i="1" smtClean="0">
+                          <a:solidFill>
+                            <a:schemeClr val="accent1"/>
+                          </a:solidFill>
                           <a:latin typeface="Cambria Math" panose="02040503050406030204" pitchFamily="18" charset="0"/>
                           <a:cs typeface="Segoe UI Light" panose="020B0502040204020203" pitchFamily="34" charset="0"/>
                         </a:rPr>
@@ -32910,6 +36629,9 @@
                       </m:r>
                       <m:r>
                         <a:rPr lang="en-US" altLang="zh-TW" sz="2000" b="0" i="1" smtClean="0">
+                          <a:solidFill>
+                            <a:schemeClr val="accent1"/>
+                          </a:solidFill>
                           <a:latin typeface="Cambria Math" panose="02040503050406030204" pitchFamily="18" charset="0"/>
                           <a:cs typeface="Segoe UI Light" panose="020B0502040204020203" pitchFamily="34" charset="0"/>
                         </a:rPr>
@@ -32937,6 +36659,9 @@
                       </m:r>
                       <m:r>
                         <a:rPr lang="en-US" altLang="zh-TW" sz="2000" b="0" i="1" smtClean="0">
+                          <a:solidFill>
+                            <a:schemeClr val="accent1"/>
+                          </a:solidFill>
                           <a:latin typeface="Cambria Math" panose="02040503050406030204" pitchFamily="18" charset="0"/>
                           <a:cs typeface="Segoe UI Light" panose="020B0502040204020203" pitchFamily="34" charset="0"/>
                         </a:rPr>
@@ -32946,6 +36671,9 @@
                   </m:oMathPara>
                 </a14:m>
                 <a:endParaRPr lang="en-US" altLang="zh-TW" sz="2000" dirty="0" smtClean="0">
+                  <a:solidFill>
+                    <a:schemeClr val="accent1"/>
+                  </a:solidFill>
                   <a:latin typeface="Segoe UI Light" panose="020B0502040204020203" pitchFamily="34" charset="0"/>
                   <a:cs typeface="Segoe UI Light" panose="020B0502040204020203" pitchFamily="34" charset="0"/>
                 </a:endParaRPr>
@@ -33105,7 +36833,7 @@
             </p:txBody>
           </p:sp>
         </mc:Choice>
-        <mc:Fallback>
+        <mc:Fallback xmlns="">
           <p:sp>
             <p:nvSpPr>
               <p:cNvPr id="8" name="文字方塊 7"/>
@@ -33144,8 +36872,8 @@
           </p:sp>
         </mc:Fallback>
       </mc:AlternateContent>
-      <mc:AlternateContent xmlns:mc="http://schemas.openxmlformats.org/markup-compatibility/2006">
-        <mc:Choice xmlns:a14="http://schemas.microsoft.com/office/drawing/2010/main" Requires="a14">
+      <mc:AlternateContent xmlns:mc="http://schemas.openxmlformats.org/markup-compatibility/2006" xmlns:a14="http://schemas.microsoft.com/office/drawing/2010/main">
+        <mc:Choice Requires="a14">
           <p:sp>
             <p:nvSpPr>
               <p:cNvPr id="9" name="文字方塊 8"/>
@@ -33236,6 +36964,9 @@
                     <m:oMath xmlns:m="http://schemas.openxmlformats.org/officeDocument/2006/math">
                       <m:r>
                         <a:rPr lang="en-US" altLang="zh-TW" sz="2000" i="1" dirty="0" smtClean="0">
+                          <a:solidFill>
+                            <a:schemeClr val="accent1"/>
+                          </a:solidFill>
                           <a:latin typeface="Cambria Math" panose="02040503050406030204" pitchFamily="18" charset="0"/>
                           <a:cs typeface="Segoe UI Light" panose="020B0502040204020203" pitchFamily="34" charset="0"/>
                         </a:rPr>
@@ -33243,6 +36974,9 @@
                       </m:r>
                       <m:r>
                         <a:rPr lang="en-US" altLang="zh-TW" sz="2000" i="1" dirty="0" smtClean="0">
+                          <a:solidFill>
+                            <a:schemeClr val="accent1"/>
+                          </a:solidFill>
                           <a:latin typeface="Cambria Math" panose="02040503050406030204" pitchFamily="18" charset="0"/>
                           <a:cs typeface="Segoe UI Light" panose="020B0502040204020203" pitchFamily="34" charset="0"/>
                         </a:rPr>
@@ -33250,6 +36984,9 @@
                       </m:r>
                       <m:r>
                         <a:rPr lang="en-US" altLang="zh-TW" sz="2000" i="1" dirty="0">
+                          <a:solidFill>
+                            <a:schemeClr val="accent1"/>
+                          </a:solidFill>
                           <a:latin typeface="Cambria Math" panose="02040503050406030204" pitchFamily="18" charset="0"/>
                           <a:cs typeface="Segoe UI Light" panose="020B0502040204020203" pitchFamily="34" charset="0"/>
                         </a:rPr>
@@ -33257,6 +36994,9 @@
                       </m:r>
                       <m:r>
                         <a:rPr lang="en-US" altLang="zh-TW" sz="2000" i="1" dirty="0">
+                          <a:solidFill>
+                            <a:schemeClr val="accent1"/>
+                          </a:solidFill>
                           <a:latin typeface="Cambria Math" panose="02040503050406030204" pitchFamily="18" charset="0"/>
                           <a:cs typeface="Segoe UI Light" panose="020B0502040204020203" pitchFamily="34" charset="0"/>
                         </a:rPr>
@@ -33266,6 +37006,9 @@
                         <m:sSupPr>
                           <m:ctrlPr>
                             <a:rPr lang="en-US" altLang="zh-TW" sz="2000" i="1" dirty="0">
+                              <a:solidFill>
+                                <a:schemeClr val="accent1"/>
+                              </a:solidFill>
                               <a:latin typeface="Cambria Math" panose="02040503050406030204" pitchFamily="18" charset="0"/>
                               <a:cs typeface="Segoe UI Light" panose="020B0502040204020203" pitchFamily="34" charset="0"/>
                             </a:rPr>
@@ -33274,6 +37017,9 @@
                         <m:e>
                           <m:r>
                             <a:rPr lang="en-US" altLang="zh-TW" sz="2000" i="1" dirty="0">
+                              <a:solidFill>
+                                <a:schemeClr val="accent1"/>
+                              </a:solidFill>
                               <a:latin typeface="Cambria Math" panose="02040503050406030204" pitchFamily="18" charset="0"/>
                               <a:cs typeface="Segoe UI Light" panose="020B0502040204020203" pitchFamily="34" charset="0"/>
                             </a:rPr>
@@ -33283,6 +37029,9 @@
                         <m:sup>
                           <m:r>
                             <a:rPr lang="en-US" altLang="zh-TW" sz="2000" i="1" dirty="0">
+                              <a:solidFill>
+                                <a:schemeClr val="accent1"/>
+                              </a:solidFill>
                               <a:latin typeface="Cambria Math" panose="02040503050406030204" pitchFamily="18" charset="0"/>
                               <a:cs typeface="Segoe UI Light" panose="020B0502040204020203" pitchFamily="34" charset="0"/>
                             </a:rPr>
@@ -33294,6 +37043,9 @@
                   </m:oMathPara>
                 </a14:m>
                 <a:endParaRPr lang="en-US" altLang="zh-TW" sz="2000" dirty="0">
+                  <a:solidFill>
+                    <a:schemeClr val="accent1"/>
+                  </a:solidFill>
                   <a:latin typeface="Segoe UI Light" panose="020B0502040204020203" pitchFamily="34" charset="0"/>
                   <a:cs typeface="Segoe UI Light" panose="020B0502040204020203" pitchFamily="34" charset="0"/>
                 </a:endParaRPr>
@@ -33312,6 +37064,9 @@
                     <m:oMath xmlns:m="http://schemas.openxmlformats.org/officeDocument/2006/math">
                       <m:r>
                         <a:rPr lang="en-US" altLang="zh-TW" sz="2000" i="1">
+                          <a:solidFill>
+                            <a:schemeClr val="accent1"/>
+                          </a:solidFill>
                           <a:latin typeface="Cambria Math" panose="02040503050406030204" pitchFamily="18" charset="0"/>
                           <a:cs typeface="Segoe UI Light" panose="020B0502040204020203" pitchFamily="34" charset="0"/>
                         </a:rPr>
@@ -33319,6 +37074,9 @@
                       </m:r>
                       <m:r>
                         <a:rPr lang="en-US" altLang="zh-TW" sz="2000" i="1">
+                          <a:solidFill>
+                            <a:schemeClr val="accent1"/>
+                          </a:solidFill>
                           <a:latin typeface="Cambria Math" panose="02040503050406030204" pitchFamily="18" charset="0"/>
                           <a:cs typeface="Segoe UI Light" panose="020B0502040204020203" pitchFamily="34" charset="0"/>
                         </a:rPr>
@@ -33326,6 +37084,9 @@
                       </m:r>
                       <m:r>
                         <a:rPr lang="en-US" altLang="zh-TW" sz="2000" i="1">
+                          <a:solidFill>
+                            <a:schemeClr val="accent1"/>
+                          </a:solidFill>
                           <a:latin typeface="Cambria Math" panose="02040503050406030204" pitchFamily="18" charset="0"/>
                           <a:cs typeface="Segoe UI Light" panose="020B0502040204020203" pitchFamily="34" charset="0"/>
                         </a:rPr>
@@ -33333,6 +37094,9 @@
                       </m:r>
                       <m:r>
                         <a:rPr lang="en-US" altLang="zh-TW" sz="2000" i="1">
+                          <a:solidFill>
+                            <a:schemeClr val="accent1"/>
+                          </a:solidFill>
                           <a:latin typeface="Cambria Math" panose="02040503050406030204" pitchFamily="18" charset="0"/>
                           <a:cs typeface="Segoe UI Light" panose="020B0502040204020203" pitchFamily="34" charset="0"/>
                         </a:rPr>
@@ -33342,6 +37106,9 @@
                         <m:sSupPr>
                           <m:ctrlPr>
                             <a:rPr lang="en-US" altLang="zh-TW" sz="2000" i="1">
+                              <a:solidFill>
+                                <a:schemeClr val="accent1"/>
+                              </a:solidFill>
                               <a:latin typeface="Cambria Math" panose="02040503050406030204" pitchFamily="18" charset="0"/>
                               <a:cs typeface="Segoe UI Light" panose="020B0502040204020203" pitchFamily="34" charset="0"/>
                             </a:rPr>
@@ -33350,6 +37117,9 @@
                         <m:e>
                           <m:r>
                             <a:rPr lang="en-US" altLang="zh-TW" sz="2000" i="1">
+                              <a:solidFill>
+                                <a:schemeClr val="accent1"/>
+                              </a:solidFill>
                               <a:latin typeface="Cambria Math" panose="02040503050406030204" pitchFamily="18" charset="0"/>
                               <a:cs typeface="Segoe UI Light" panose="020B0502040204020203" pitchFamily="34" charset="0"/>
                             </a:rPr>
@@ -33359,6 +37129,9 @@
                         <m:sup>
                           <m:r>
                             <a:rPr lang="en-US" altLang="zh-TW" sz="2000" i="1">
+                              <a:solidFill>
+                                <a:schemeClr val="accent1"/>
+                              </a:solidFill>
                               <a:latin typeface="Cambria Math" panose="02040503050406030204" pitchFamily="18" charset="0"/>
                               <a:cs typeface="Segoe UI Light" panose="020B0502040204020203" pitchFamily="34" charset="0"/>
                             </a:rPr>
@@ -33377,7 +37150,7 @@
             </p:txBody>
           </p:sp>
         </mc:Choice>
-        <mc:Fallback>
+        <mc:Fallback xmlns="">
           <p:sp>
             <p:nvSpPr>
               <p:cNvPr id="9" name="文字方塊 8"/>
@@ -33424,7 +37197,7 @@
         </p:nvCxnSpPr>
         <p:spPr>
           <a:xfrm>
-            <a:off x="11135360" y="4389120"/>
+            <a:off x="11668363" y="386771"/>
             <a:ext cx="0" cy="975360"/>
           </a:xfrm>
           <a:prstGeom prst="straightConnector1">
@@ -33435,6 +37208,561 @@
               <a:schemeClr val="tx1"/>
             </a:solidFill>
             <a:tailEnd type="triangle"/>
+          </a:ln>
+        </p:spPr>
+        <p:style>
+          <a:lnRef idx="1">
+            <a:schemeClr val="accent1"/>
+          </a:lnRef>
+          <a:fillRef idx="0">
+            <a:schemeClr val="accent1"/>
+          </a:fillRef>
+          <a:effectRef idx="0">
+            <a:schemeClr val="accent1"/>
+          </a:effectRef>
+          <a:fontRef idx="minor">
+            <a:schemeClr val="tx1"/>
+          </a:fontRef>
+        </p:style>
+      </p:cxnSp>
+      <mc:AlternateContent xmlns:mc="http://schemas.openxmlformats.org/markup-compatibility/2006" xmlns:a14="http://schemas.microsoft.com/office/drawing/2010/main">
+        <mc:Choice Requires="a14">
+          <p:sp>
+            <p:nvSpPr>
+              <p:cNvPr id="7" name="TextBox 6"/>
+              <p:cNvSpPr txBox="1"/>
+              <p:nvPr/>
+            </p:nvSpPr>
+            <p:spPr>
+              <a:xfrm>
+                <a:off x="7543800" y="4384796"/>
+                <a:ext cx="1541128" cy="830997"/>
+              </a:xfrm>
+              <a:prstGeom prst="rect">
+                <a:avLst/>
+              </a:prstGeom>
+              <a:noFill/>
+            </p:spPr>
+            <p:txBody>
+              <a:bodyPr wrap="none" lIns="0" rtlCol="0" anchor="t">
+                <a:spAutoFit/>
+              </a:bodyPr>
+              <a:lstStyle/>
+              <a:p>
+                <a:pPr>
+                  <a:lnSpc>
+                    <a:spcPct val="120000"/>
+                  </a:lnSpc>
+                </a:pPr>
+                <a14:m>
+                  <m:oMathPara xmlns:m="http://schemas.openxmlformats.org/officeDocument/2006/math">
+                    <m:oMathParaPr>
+                      <m:jc m:val="left"/>
+                    </m:oMathParaPr>
+                    <m:oMath xmlns:m="http://schemas.openxmlformats.org/officeDocument/2006/math">
+                      <m:r>
+                        <m:rPr>
+                          <m:sty m:val="p"/>
+                        </m:rPr>
+                        <a:rPr lang="en-US" altLang="zh-TW" sz="2000" i="1" smtClean="0">
+                          <a:latin typeface="Cambria Math" panose="02040503050406030204" pitchFamily="18" charset="0"/>
+                          <a:cs typeface="Segoe UI Light" panose="020B0502040204020203" pitchFamily="34" charset="0"/>
+                        </a:rPr>
+                        <m:t>T</m:t>
+                      </m:r>
+                      <m:r>
+                        <a:rPr lang="en-US" altLang="zh-TW" sz="2000" i="1" smtClean="0">
+                          <a:latin typeface="Cambria Math" panose="02040503050406030204" pitchFamily="18" charset="0"/>
+                          <a:cs typeface="Segoe UI Light" panose="020B0502040204020203" pitchFamily="34" charset="0"/>
+                        </a:rPr>
+                        <m:t>𝑜𝑝</m:t>
+                      </m:r>
+                      <m:r>
+                        <a:rPr lang="en-US" altLang="zh-TW" sz="2000" i="1" smtClean="0">
+                          <a:latin typeface="Cambria Math" panose="02040503050406030204" pitchFamily="18" charset="0"/>
+                          <a:cs typeface="Segoe UI Light" panose="020B0502040204020203" pitchFamily="34" charset="0"/>
+                        </a:rPr>
+                        <m:t>: 3.7%</m:t>
+                      </m:r>
+                    </m:oMath>
+                  </m:oMathPara>
+                </a14:m>
+                <a:endParaRPr lang="en-US" sz="2000" dirty="0" smtClean="0">
+                  <a:latin typeface="Segoe UI Light" panose="020B0502040204020203" pitchFamily="34" charset="0"/>
+                  <a:cs typeface="Segoe UI Light" panose="020B0502040204020203" pitchFamily="34" charset="0"/>
+                </a:endParaRPr>
+              </a:p>
+              <a:p>
+                <a:pPr>
+                  <a:lnSpc>
+                    <a:spcPct val="120000"/>
+                  </a:lnSpc>
+                </a:pPr>
+                <a14:m>
+                  <m:oMathPara xmlns:m="http://schemas.openxmlformats.org/officeDocument/2006/math">
+                    <m:oMathParaPr>
+                      <m:jc m:val="left"/>
+                    </m:oMathParaPr>
+                    <m:oMath xmlns:m="http://schemas.openxmlformats.org/officeDocument/2006/math">
+                      <m:r>
+                        <a:rPr lang="en-US" altLang="zh-TW" sz="2000" i="1" dirty="0">
+                          <a:latin typeface="Cambria Math" panose="02040503050406030204" pitchFamily="18" charset="0"/>
+                          <a:cs typeface="Segoe UI Light" panose="020B0502040204020203" pitchFamily="34" charset="0"/>
+                        </a:rPr>
+                        <m:t>𝐵𝑜𝑡</m:t>
+                      </m:r>
+                      <m:r>
+                        <a:rPr lang="en-US" altLang="zh-TW" sz="2000" i="1" dirty="0">
+                          <a:latin typeface="Cambria Math" panose="02040503050406030204" pitchFamily="18" charset="0"/>
+                          <a:cs typeface="Segoe UI Light" panose="020B0502040204020203" pitchFamily="34" charset="0"/>
+                        </a:rPr>
+                        <m:t>: −1.5%</m:t>
+                      </m:r>
+                    </m:oMath>
+                  </m:oMathPara>
+                </a14:m>
+                <a:endParaRPr lang="en-US" sz="2000" dirty="0" smtClean="0">
+                  <a:latin typeface="Segoe UI Light" panose="020B0502040204020203" pitchFamily="34" charset="0"/>
+                  <a:cs typeface="Segoe UI Light" panose="020B0502040204020203" pitchFamily="34" charset="0"/>
+                </a:endParaRPr>
+              </a:p>
+            </p:txBody>
+          </p:sp>
+        </mc:Choice>
+        <mc:Fallback xmlns="">
+          <p:sp>
+            <p:nvSpPr>
+              <p:cNvPr id="7" name="TextBox 6"/>
+              <p:cNvSpPr txBox="1">
+                <a:spLocks noRot="1" noChangeAspect="1" noMove="1" noResize="1" noEditPoints="1" noAdjustHandles="1" noChangeArrowheads="1" noChangeShapeType="1" noTextEdit="1"/>
+              </p:cNvSpPr>
+              <p:nvPr/>
+            </p:nvSpPr>
+            <p:spPr>
+              <a:xfrm>
+                <a:off x="7543800" y="4384796"/>
+                <a:ext cx="1541128" cy="830997"/>
+              </a:xfrm>
+              <a:prstGeom prst="rect">
+                <a:avLst/>
+              </a:prstGeom>
+              <a:blipFill>
+                <a:blip r:embed="rId8"/>
+                <a:stretch>
+                  <a:fillRect/>
+                </a:stretch>
+              </a:blipFill>
+            </p:spPr>
+            <p:txBody>
+              <a:bodyPr/>
+              <a:lstStyle/>
+              <a:p>
+                <a:r>
+                  <a:rPr lang="en-US">
+                    <a:noFill/>
+                  </a:rPr>
+                  <a:t> </a:t>
+                </a:r>
+              </a:p>
+            </p:txBody>
+          </p:sp>
+        </mc:Fallback>
+      </mc:AlternateContent>
+      <p:sp>
+        <p:nvSpPr>
+          <p:cNvPr id="10" name="TextBox 9"/>
+          <p:cNvSpPr txBox="1"/>
+          <p:nvPr/>
+        </p:nvSpPr>
+        <p:spPr>
+          <a:xfrm>
+            <a:off x="7775274" y="3618845"/>
+            <a:ext cx="1078180" cy="461665"/>
+          </a:xfrm>
+          <a:prstGeom prst="rect">
+            <a:avLst/>
+          </a:prstGeom>
+          <a:noFill/>
+        </p:spPr>
+        <p:txBody>
+          <a:bodyPr wrap="none" lIns="0" rtlCol="0" anchor="t">
+            <a:spAutoFit/>
+          </a:bodyPr>
+          <a:lstStyle/>
+          <a:p>
+            <a:pPr algn="l">
+              <a:lnSpc>
+                <a:spcPct val="120000"/>
+              </a:lnSpc>
+            </a:pPr>
+            <a:r>
+              <a:rPr lang="en-US" altLang="zh-TW" sz="2000" dirty="0" smtClean="0">
+                <a:latin typeface="Segoe UI Light" panose="020B0502040204020203" pitchFamily="34" charset="0"/>
+                <a:cs typeface="Segoe UI Light" panose="020B0502040204020203" pitchFamily="34" charset="0"/>
+              </a:rPr>
+              <a:t>#7 </a:t>
+            </a:r>
+            <a:r>
+              <a:rPr lang="en-US" altLang="zh-TW" sz="2000" dirty="0" smtClean="0">
+                <a:latin typeface="Segoe UI Light" panose="020B0502040204020203" pitchFamily="34" charset="0"/>
+                <a:cs typeface="Segoe UI Light" panose="020B0502040204020203" pitchFamily="34" charset="0"/>
+                <a:sym typeface="Wingdings" panose="05000000000000000000" pitchFamily="2" charset="2"/>
+              </a:rPr>
+              <a:t> </a:t>
+            </a:r>
+            <a:r>
+              <a:rPr lang="en-US" altLang="zh-TW" sz="2000" dirty="0" smtClean="0">
+                <a:latin typeface="Segoe UI Light" panose="020B0502040204020203" pitchFamily="34" charset="0"/>
+                <a:cs typeface="Segoe UI Light" panose="020B0502040204020203" pitchFamily="34" charset="0"/>
+              </a:rPr>
+              <a:t>#8</a:t>
+            </a:r>
+            <a:endParaRPr lang="en-US" sz="2000" dirty="0" smtClean="0">
+              <a:latin typeface="Segoe UI Light" panose="020B0502040204020203" pitchFamily="34" charset="0"/>
+              <a:cs typeface="Segoe UI Light" panose="020B0502040204020203" pitchFamily="34" charset="0"/>
+            </a:endParaRPr>
+          </a:p>
+        </p:txBody>
+      </p:sp>
+      <mc:AlternateContent xmlns:mc="http://schemas.openxmlformats.org/markup-compatibility/2006" xmlns:a14="http://schemas.microsoft.com/office/drawing/2010/main">
+        <mc:Choice Requires="a14">
+          <p:sp>
+            <p:nvSpPr>
+              <p:cNvPr id="14" name="TextBox 13"/>
+              <p:cNvSpPr txBox="1"/>
+              <p:nvPr/>
+            </p:nvSpPr>
+            <p:spPr>
+              <a:xfrm>
+                <a:off x="9699418" y="4384796"/>
+                <a:ext cx="1370440" cy="830997"/>
+              </a:xfrm>
+              <a:prstGeom prst="rect">
+                <a:avLst/>
+              </a:prstGeom>
+              <a:noFill/>
+            </p:spPr>
+            <p:txBody>
+              <a:bodyPr wrap="none" lIns="0" rtlCol="0" anchor="t">
+                <a:spAutoFit/>
+              </a:bodyPr>
+              <a:lstStyle/>
+              <a:p>
+                <a:pPr>
+                  <a:lnSpc>
+                    <a:spcPct val="120000"/>
+                  </a:lnSpc>
+                </a:pPr>
+                <a14:m>
+                  <m:oMathPara xmlns:m="http://schemas.openxmlformats.org/officeDocument/2006/math">
+                    <m:oMathParaPr>
+                      <m:jc m:val="left"/>
+                    </m:oMathParaPr>
+                    <m:oMath xmlns:m="http://schemas.openxmlformats.org/officeDocument/2006/math">
+                      <m:r>
+                        <m:rPr>
+                          <m:sty m:val="p"/>
+                        </m:rPr>
+                        <a:rPr lang="en-US" altLang="zh-TW" sz="2000" i="1" smtClean="0">
+                          <a:latin typeface="Cambria Math" panose="02040503050406030204" pitchFamily="18" charset="0"/>
+                          <a:cs typeface="Segoe UI Light" panose="020B0502040204020203" pitchFamily="34" charset="0"/>
+                        </a:rPr>
+                        <m:t>T</m:t>
+                      </m:r>
+                      <m:r>
+                        <a:rPr lang="en-US" altLang="zh-TW" sz="2000" i="1" smtClean="0">
+                          <a:latin typeface="Cambria Math" panose="02040503050406030204" pitchFamily="18" charset="0"/>
+                          <a:cs typeface="Segoe UI Light" panose="020B0502040204020203" pitchFamily="34" charset="0"/>
+                        </a:rPr>
+                        <m:t>𝑜𝑝</m:t>
+                      </m:r>
+                      <m:r>
+                        <a:rPr lang="en-US" altLang="zh-TW" sz="2000" i="1" smtClean="0">
+                          <a:latin typeface="Cambria Math" panose="02040503050406030204" pitchFamily="18" charset="0"/>
+                          <a:cs typeface="Segoe UI Light" panose="020B0502040204020203" pitchFamily="34" charset="0"/>
+                        </a:rPr>
+                        <m:t>: 0.9%</m:t>
+                      </m:r>
+                    </m:oMath>
+                  </m:oMathPara>
+                </a14:m>
+                <a:endParaRPr lang="en-US" sz="2000" dirty="0" smtClean="0">
+                  <a:latin typeface="Segoe UI Light" panose="020B0502040204020203" pitchFamily="34" charset="0"/>
+                  <a:cs typeface="Segoe UI Light" panose="020B0502040204020203" pitchFamily="34" charset="0"/>
+                </a:endParaRPr>
+              </a:p>
+              <a:p>
+                <a:pPr>
+                  <a:lnSpc>
+                    <a:spcPct val="120000"/>
+                  </a:lnSpc>
+                </a:pPr>
+                <a14:m>
+                  <m:oMathPara xmlns:m="http://schemas.openxmlformats.org/officeDocument/2006/math">
+                    <m:oMathParaPr>
+                      <m:jc m:val="left"/>
+                    </m:oMathParaPr>
+                    <m:oMath xmlns:m="http://schemas.openxmlformats.org/officeDocument/2006/math">
+                      <m:r>
+                        <a:rPr lang="en-US" altLang="zh-TW" sz="2000" i="1" dirty="0">
+                          <a:latin typeface="Cambria Math" panose="02040503050406030204" pitchFamily="18" charset="0"/>
+                          <a:cs typeface="Segoe UI Light" panose="020B0502040204020203" pitchFamily="34" charset="0"/>
+                        </a:rPr>
+                        <m:t>𝐵𝑜𝑡</m:t>
+                      </m:r>
+                      <m:r>
+                        <a:rPr lang="en-US" altLang="zh-TW" sz="2000" i="1" dirty="0">
+                          <a:latin typeface="Cambria Math" panose="02040503050406030204" pitchFamily="18" charset="0"/>
+                          <a:cs typeface="Segoe UI Light" panose="020B0502040204020203" pitchFamily="34" charset="0"/>
+                        </a:rPr>
+                        <m:t>: 1.5%</m:t>
+                      </m:r>
+                    </m:oMath>
+                  </m:oMathPara>
+                </a14:m>
+                <a:endParaRPr lang="en-US" sz="2000" dirty="0" smtClean="0">
+                  <a:latin typeface="Segoe UI Light" panose="020B0502040204020203" pitchFamily="34" charset="0"/>
+                  <a:cs typeface="Segoe UI Light" panose="020B0502040204020203" pitchFamily="34" charset="0"/>
+                </a:endParaRPr>
+              </a:p>
+            </p:txBody>
+          </p:sp>
+        </mc:Choice>
+        <mc:Fallback xmlns="">
+          <p:sp>
+            <p:nvSpPr>
+              <p:cNvPr id="14" name="TextBox 13"/>
+              <p:cNvSpPr txBox="1">
+                <a:spLocks noRot="1" noChangeAspect="1" noMove="1" noResize="1" noEditPoints="1" noAdjustHandles="1" noChangeArrowheads="1" noChangeShapeType="1" noTextEdit="1"/>
+              </p:cNvSpPr>
+              <p:nvPr/>
+            </p:nvSpPr>
+            <p:spPr>
+              <a:xfrm>
+                <a:off x="9699418" y="4384796"/>
+                <a:ext cx="1370440" cy="830997"/>
+              </a:xfrm>
+              <a:prstGeom prst="rect">
+                <a:avLst/>
+              </a:prstGeom>
+              <a:blipFill>
+                <a:blip r:embed="rId9"/>
+                <a:stretch>
+                  <a:fillRect/>
+                </a:stretch>
+              </a:blipFill>
+            </p:spPr>
+            <p:txBody>
+              <a:bodyPr/>
+              <a:lstStyle/>
+              <a:p>
+                <a:r>
+                  <a:rPr lang="en-US">
+                    <a:noFill/>
+                  </a:rPr>
+                  <a:t> </a:t>
+                </a:r>
+              </a:p>
+            </p:txBody>
+          </p:sp>
+        </mc:Fallback>
+      </mc:AlternateContent>
+      <mc:AlternateContent xmlns:mc="http://schemas.openxmlformats.org/markup-compatibility/2006" xmlns:a14="http://schemas.microsoft.com/office/drawing/2010/main">
+        <mc:Choice Requires="a14">
+          <p:sp>
+            <p:nvSpPr>
+              <p:cNvPr id="15" name="TextBox 14"/>
+              <p:cNvSpPr txBox="1"/>
+              <p:nvPr/>
+            </p:nvSpPr>
+            <p:spPr>
+              <a:xfrm>
+                <a:off x="5384800" y="4383084"/>
+                <a:ext cx="1521635" cy="830997"/>
+              </a:xfrm>
+              <a:prstGeom prst="rect">
+                <a:avLst/>
+              </a:prstGeom>
+              <a:noFill/>
+            </p:spPr>
+            <p:txBody>
+              <a:bodyPr wrap="none" lIns="0" rtlCol="0" anchor="t">
+                <a:spAutoFit/>
+              </a:bodyPr>
+              <a:lstStyle/>
+              <a:p>
+                <a:pPr>
+                  <a:lnSpc>
+                    <a:spcPct val="120000"/>
+                  </a:lnSpc>
+                </a:pPr>
+                <a14:m>
+                  <m:oMathPara xmlns:m="http://schemas.openxmlformats.org/officeDocument/2006/math">
+                    <m:oMathParaPr>
+                      <m:jc m:val="left"/>
+                    </m:oMathParaPr>
+                    <m:oMath xmlns:m="http://schemas.openxmlformats.org/officeDocument/2006/math">
+                      <m:r>
+                        <m:rPr>
+                          <m:sty m:val="p"/>
+                        </m:rPr>
+                        <a:rPr lang="en-US" altLang="zh-TW" sz="2000" i="1" smtClean="0">
+                          <a:latin typeface="Cambria Math" panose="02040503050406030204" pitchFamily="18" charset="0"/>
+                          <a:cs typeface="Segoe UI Light" panose="020B0502040204020203" pitchFamily="34" charset="0"/>
+                        </a:rPr>
+                        <m:t>T</m:t>
+                      </m:r>
+                      <m:r>
+                        <a:rPr lang="en-US" altLang="zh-TW" sz="2000" b="0" i="1" smtClean="0">
+                          <a:latin typeface="Cambria Math" panose="02040503050406030204" pitchFamily="18" charset="0"/>
+                          <a:cs typeface="Segoe UI Light" panose="020B0502040204020203" pitchFamily="34" charset="0"/>
+                        </a:rPr>
+                        <m:t>𝑜𝑝</m:t>
+                      </m:r>
+                      <m:r>
+                        <a:rPr lang="en-US" altLang="zh-TW" sz="2000" b="0" i="1" smtClean="0">
+                          <a:latin typeface="Cambria Math" panose="02040503050406030204" pitchFamily="18" charset="0"/>
+                          <a:cs typeface="Segoe UI Light" panose="020B0502040204020203" pitchFamily="34" charset="0"/>
+                        </a:rPr>
+                        <m:t>: −3.6%</m:t>
+                      </m:r>
+                    </m:oMath>
+                  </m:oMathPara>
+                </a14:m>
+                <a:endParaRPr lang="en-US" sz="2000" dirty="0" smtClean="0">
+                  <a:latin typeface="Segoe UI Light" panose="020B0502040204020203" pitchFamily="34" charset="0"/>
+                  <a:cs typeface="Segoe UI Light" panose="020B0502040204020203" pitchFamily="34" charset="0"/>
+                </a:endParaRPr>
+              </a:p>
+              <a:p>
+                <a:pPr>
+                  <a:lnSpc>
+                    <a:spcPct val="120000"/>
+                  </a:lnSpc>
+                </a:pPr>
+                <a14:m>
+                  <m:oMathPara xmlns:m="http://schemas.openxmlformats.org/officeDocument/2006/math">
+                    <m:oMathParaPr>
+                      <m:jc m:val="left"/>
+                    </m:oMathParaPr>
+                    <m:oMath xmlns:m="http://schemas.openxmlformats.org/officeDocument/2006/math">
+                      <m:r>
+                        <a:rPr lang="en-US" altLang="zh-TW" sz="2000" b="0" i="1" dirty="0" smtClean="0">
+                          <a:latin typeface="Cambria Math" panose="02040503050406030204" pitchFamily="18" charset="0"/>
+                          <a:cs typeface="Segoe UI Light" panose="020B0502040204020203" pitchFamily="34" charset="0"/>
+                        </a:rPr>
+                        <m:t>𝐵𝑜𝑡</m:t>
+                      </m:r>
+                      <m:r>
+                        <a:rPr lang="en-US" altLang="zh-TW" sz="2000" b="0" i="1" dirty="0" smtClean="0">
+                          <a:latin typeface="Cambria Math" panose="02040503050406030204" pitchFamily="18" charset="0"/>
+                          <a:cs typeface="Segoe UI Light" panose="020B0502040204020203" pitchFamily="34" charset="0"/>
+                        </a:rPr>
+                        <m:t>: −4.8%</m:t>
+                      </m:r>
+                    </m:oMath>
+                  </m:oMathPara>
+                </a14:m>
+                <a:endParaRPr lang="en-US" sz="2000" dirty="0" smtClean="0">
+                  <a:latin typeface="Segoe UI Light" panose="020B0502040204020203" pitchFamily="34" charset="0"/>
+                  <a:cs typeface="Segoe UI Light" panose="020B0502040204020203" pitchFamily="34" charset="0"/>
+                </a:endParaRPr>
+              </a:p>
+            </p:txBody>
+          </p:sp>
+        </mc:Choice>
+        <mc:Fallback xmlns="">
+          <p:sp>
+            <p:nvSpPr>
+              <p:cNvPr id="15" name="TextBox 14"/>
+              <p:cNvSpPr txBox="1">
+                <a:spLocks noRot="1" noChangeAspect="1" noMove="1" noResize="1" noEditPoints="1" noAdjustHandles="1" noChangeArrowheads="1" noChangeShapeType="1" noTextEdit="1"/>
+              </p:cNvSpPr>
+              <p:nvPr/>
+            </p:nvSpPr>
+            <p:spPr>
+              <a:xfrm>
+                <a:off x="5384800" y="4383084"/>
+                <a:ext cx="1521635" cy="830997"/>
+              </a:xfrm>
+              <a:prstGeom prst="rect">
+                <a:avLst/>
+              </a:prstGeom>
+              <a:blipFill>
+                <a:blip r:embed="rId10"/>
+                <a:stretch>
+                  <a:fillRect/>
+                </a:stretch>
+              </a:blipFill>
+            </p:spPr>
+            <p:txBody>
+              <a:bodyPr/>
+              <a:lstStyle/>
+              <a:p>
+                <a:r>
+                  <a:rPr lang="en-US">
+                    <a:noFill/>
+                  </a:rPr>
+                  <a:t> </a:t>
+                </a:r>
+              </a:p>
+            </p:txBody>
+          </p:sp>
+        </mc:Fallback>
+      </mc:AlternateContent>
+      <p:cxnSp>
+        <p:nvCxnSpPr>
+          <p:cNvPr id="13" name="Straight Connector 12"/>
+          <p:cNvCxnSpPr/>
+          <p:nvPr/>
+        </p:nvCxnSpPr>
+        <p:spPr>
+          <a:xfrm>
+            <a:off x="5156791" y="3848986"/>
+            <a:ext cx="2387009" cy="0"/>
+          </a:xfrm>
+          <a:prstGeom prst="line">
+            <a:avLst/>
+          </a:prstGeom>
+          <a:ln>
+            <a:solidFill>
+              <a:schemeClr val="tx1"/>
+            </a:solidFill>
+          </a:ln>
+        </p:spPr>
+        <p:style>
+          <a:lnRef idx="1">
+            <a:schemeClr val="accent1"/>
+          </a:lnRef>
+          <a:fillRef idx="0">
+            <a:schemeClr val="accent1"/>
+          </a:fillRef>
+          <a:effectRef idx="0">
+            <a:schemeClr val="accent1"/>
+          </a:effectRef>
+          <a:fontRef idx="minor">
+            <a:schemeClr val="tx1"/>
+          </a:fontRef>
+        </p:style>
+      </p:cxnSp>
+      <p:cxnSp>
+        <p:nvCxnSpPr>
+          <p:cNvPr id="16" name="Straight Connector 15"/>
+          <p:cNvCxnSpPr/>
+          <p:nvPr/>
+        </p:nvCxnSpPr>
+        <p:spPr>
+          <a:xfrm>
+            <a:off x="8965085" y="3848986"/>
+            <a:ext cx="2387009" cy="0"/>
+          </a:xfrm>
+          <a:prstGeom prst="line">
+            <a:avLst/>
+          </a:prstGeom>
+          <a:ln>
+            <a:solidFill>
+              <a:schemeClr val="tx1"/>
+            </a:solidFill>
           </a:ln>
         </p:spPr>
         <p:style>
@@ -34366,7 +38694,7 @@
             <p:spPr>
               <a:xfrm>
                 <a:off x="6104122" y="5369550"/>
-                <a:ext cx="595869" cy="427425"/>
+                <a:ext cx="788934" cy="461665"/>
               </a:xfrm>
               <a:prstGeom prst="rect">
                 <a:avLst/>
@@ -34385,30 +38713,28 @@
                   </a:lnSpc>
                 </a:pPr>
                 <a14:m>
-                  <m:oMath xmlns:m="http://schemas.openxmlformats.org/officeDocument/2006/math">
-                    <m:r>
-                      <a:rPr lang="en-US" altLang="zh-TW" sz="2000" b="0" i="1" smtClean="0">
-                        <a:latin typeface="Cambria Math" panose="02040503050406030204" pitchFamily="18" charset="0"/>
-                        <a:cs typeface="Segoe UI Light" panose="020B0502040204020203" pitchFamily="34" charset="0"/>
-                      </a:rPr>
-                      <m:t>𝑘</m:t>
-                    </m:r>
-                    <m:r>
-                      <a:rPr lang="en-US" altLang="zh-TW" sz="2000" b="0" i="1" smtClean="0">
-                        <a:latin typeface="Cambria Math" panose="02040503050406030204" pitchFamily="18" charset="0"/>
-                        <a:cs typeface="Segoe UI Light" panose="020B0502040204020203" pitchFamily="34" charset="0"/>
-                      </a:rPr>
-                      <m:t>=</m:t>
-                    </m:r>
-                  </m:oMath>
+                  <m:oMathPara xmlns:m="http://schemas.openxmlformats.org/officeDocument/2006/math">
+                    <m:oMathParaPr>
+                      <m:jc m:val="centerGroup"/>
+                    </m:oMathParaPr>
+                    <m:oMath xmlns:m="http://schemas.openxmlformats.org/officeDocument/2006/math">
+                      <m:r>
+                        <a:rPr lang="en-US" altLang="zh-TW" sz="2000" b="0" i="1" smtClean="0">
+                          <a:latin typeface="Cambria Math" panose="02040503050406030204" pitchFamily="18" charset="0"/>
+                          <a:cs typeface="Segoe UI Light" panose="020B0502040204020203" pitchFamily="34" charset="0"/>
+                        </a:rPr>
+                        <m:t>𝑘</m:t>
+                      </m:r>
+                      <m:r>
+                        <a:rPr lang="en-US" altLang="zh-TW" sz="2000" b="0" i="1" smtClean="0">
+                          <a:latin typeface="Cambria Math" panose="02040503050406030204" pitchFamily="18" charset="0"/>
+                          <a:cs typeface="Segoe UI Light" panose="020B0502040204020203" pitchFamily="34" charset="0"/>
+                        </a:rPr>
+                        <m:t>=1</m:t>
+                      </m:r>
+                    </m:oMath>
+                  </m:oMathPara>
                 </a14:m>
-                <a:r>
-                  <a:rPr lang="en-US" altLang="zh-TW" sz="2000" dirty="0" smtClean="0">
-                    <a:latin typeface="Segoe UI Light" panose="020B0502040204020203" pitchFamily="34" charset="0"/>
-                    <a:cs typeface="Segoe UI Light" panose="020B0502040204020203" pitchFamily="34" charset="0"/>
-                  </a:rPr>
-                  <a:t>1</a:t>
-                </a:r>
                 <a:endParaRPr lang="zh-TW" altLang="en-US" sz="2000" dirty="0" smtClean="0">
                   <a:latin typeface="Segoe UI Light" panose="020B0502040204020203" pitchFamily="34" charset="0"/>
                   <a:cs typeface="Segoe UI Light" panose="020B0502040204020203" pitchFamily="34" charset="0"/>
@@ -34429,7 +38755,7 @@
             <p:spPr>
               <a:xfrm>
                 <a:off x="6104122" y="5369550"/>
-                <a:ext cx="595869" cy="427425"/>
+                <a:ext cx="788934" cy="461665"/>
               </a:xfrm>
               <a:prstGeom prst="rect">
                 <a:avLst/>
@@ -34437,7 +38763,7 @@
               <a:blipFill>
                 <a:blip r:embed="rId6"/>
                 <a:stretch>
-                  <a:fillRect l="-15306" t="-1429" r="-10204" b="-25714"/>
+                  <a:fillRect/>
                 </a:stretch>
               </a:blipFill>
             </p:spPr>
@@ -34446,7 +38772,7 @@
               <a:lstStyle/>
               <a:p>
                 <a:r>
-                  <a:rPr lang="zh-TW" altLang="en-US">
+                  <a:rPr lang="en-US">
                     <a:noFill/>
                   </a:rPr>
                   <a:t> </a:t>
@@ -34584,6 +38910,13 @@
       </p:transition>
     </mc:Fallback>
   </mc:AlternateContent>
+  <p:timing>
+    <p:tnLst>
+      <p:par>
+        <p:cTn id="1" dur="indefinite" restart="never" nodeType="tmRoot"/>
+      </p:par>
+    </p:tnLst>
+  </p:timing>
 </p:sld>
 </file>
 
@@ -35271,6 +39604,13 @@
       </p:transition>
     </mc:Fallback>
   </mc:AlternateContent>
+  <p:timing>
+    <p:tnLst>
+      <p:par>
+        <p:cTn id="1" dur="indefinite" restart="never" nodeType="tmRoot"/>
+      </p:par>
+    </p:tnLst>
+  </p:timing>
 </p:sld>
 </file>
 
@@ -35845,12 +40185,6 @@
 </file>
 
 <file path=customXml/item1.xml><?xml version="1.0" encoding="utf-8"?>
-<p:properties xmlns:p="http://schemas.microsoft.com/office/2006/metadata/properties" xmlns:xsi="http://www.w3.org/2001/XMLSchema-instance" xmlns:pc="http://schemas.microsoft.com/office/infopath/2007/PartnerControls">
-  <documentManagement/>
-</p:properties>
-</file>
-
-<file path=customXml/item2.xml><?xml version="1.0" encoding="utf-8"?>
 <ct:contentTypeSchema xmlns:ct="http://schemas.microsoft.com/office/2006/metadata/contentType" xmlns:ma="http://schemas.microsoft.com/office/2006/metadata/properties/metaAttributes" ct:_="" ma:_="" ma:contentTypeName="Document" ma:contentTypeID="0x01010005FA520563873D4EB8CBD5344A351BEB" ma:contentTypeVersion="0" ma:contentTypeDescription="Crée un document." ma:contentTypeScope="" ma:versionID="005ce72954985de94fc750614f2007cc">
   <xsd:schema xmlns:xsd="http://www.w3.org/2001/XMLSchema" xmlns:xs="http://www.w3.org/2001/XMLSchema" xmlns:p="http://schemas.microsoft.com/office/2006/metadata/properties" targetNamespace="http://schemas.microsoft.com/office/2006/metadata/properties" ma:root="true" ma:fieldsID="36883d0f3030e52908f9a4448a35c02a">
     <xsd:element name="properties">
@@ -35964,6 +40298,12 @@
 </ct:contentTypeSchema>
 </file>
 
+<file path=customXml/item2.xml><?xml version="1.0" encoding="utf-8"?>
+<p:properties xmlns:p="http://schemas.microsoft.com/office/2006/metadata/properties" xmlns:xsi="http://www.w3.org/2001/XMLSchema-instance" xmlns:pc="http://schemas.microsoft.com/office/infopath/2007/PartnerControls">
+  <documentManagement/>
+</p:properties>
+</file>
+
 <file path=customXml/item3.xml><?xml version="1.0" encoding="utf-8"?>
 <?mso-contentType ?>
 <FormTemplates xmlns="http://schemas.microsoft.com/sharepoint/v3/contenttype/forms">
@@ -35974,21 +40314,6 @@
 </file>
 
 <file path=customXml/itemProps1.xml><?xml version="1.0" encoding="utf-8"?>
-<ds:datastoreItem xmlns:ds="http://schemas.openxmlformats.org/officeDocument/2006/customXml" ds:itemID="{88BF5EC3-CBCF-41C7-846F-A9B4B81CCEA8}">
-  <ds:schemaRefs>
-    <ds:schemaRef ds:uri="http://www.w3.org/XML/1998/namespace"/>
-    <ds:schemaRef ds:uri="http://schemas.microsoft.com/office/infopath/2007/PartnerControls"/>
-    <ds:schemaRef ds:uri="http://schemas.openxmlformats.org/package/2006/metadata/core-properties"/>
-    <ds:schemaRef ds:uri="http://purl.org/dc/dcmitype/"/>
-    <ds:schemaRef ds:uri="http://purl.org/dc/elements/1.1/"/>
-    <ds:schemaRef ds:uri="http://schemas.microsoft.com/office/2006/documentManagement/types"/>
-    <ds:schemaRef ds:uri="http://schemas.microsoft.com/office/2006/metadata/properties"/>
-    <ds:schemaRef ds:uri="http://purl.org/dc/terms/"/>
-  </ds:schemaRefs>
-</ds:datastoreItem>
-</file>
-
-<file path=customXml/itemProps2.xml><?xml version="1.0" encoding="utf-8"?>
 <ds:datastoreItem xmlns:ds="http://schemas.openxmlformats.org/officeDocument/2006/customXml" ds:itemID="{FF14EDAB-351E-4851-B148-260C81C296AA}">
   <ds:schemaRefs>
     <ds:schemaRef ds:uri="http://schemas.microsoft.com/office/2006/metadata/contentType"/>
@@ -36004,6 +40329,21 @@
 </ds:datastoreItem>
 </file>
 
+<file path=customXml/itemProps2.xml><?xml version="1.0" encoding="utf-8"?>
+<ds:datastoreItem xmlns:ds="http://schemas.openxmlformats.org/officeDocument/2006/customXml" ds:itemID="{88BF5EC3-CBCF-41C7-846F-A9B4B81CCEA8}">
+  <ds:schemaRefs>
+    <ds:schemaRef ds:uri="http://www.w3.org/XML/1998/namespace"/>
+    <ds:schemaRef ds:uri="http://schemas.microsoft.com/office/infopath/2007/PartnerControls"/>
+    <ds:schemaRef ds:uri="http://schemas.openxmlformats.org/package/2006/metadata/core-properties"/>
+    <ds:schemaRef ds:uri="http://purl.org/dc/dcmitype/"/>
+    <ds:schemaRef ds:uri="http://purl.org/dc/elements/1.1/"/>
+    <ds:schemaRef ds:uri="http://schemas.microsoft.com/office/2006/documentManagement/types"/>
+    <ds:schemaRef ds:uri="http://schemas.microsoft.com/office/2006/metadata/properties"/>
+    <ds:schemaRef ds:uri="http://purl.org/dc/terms/"/>
+  </ds:schemaRefs>
+</ds:datastoreItem>
+</file>
+
 <file path=customXml/itemProps3.xml><?xml version="1.0" encoding="utf-8"?>
 <ds:datastoreItem xmlns:ds="http://schemas.openxmlformats.org/officeDocument/2006/customXml" ds:itemID="{95457E87-E546-449E-A4D1-371201992E58}">
   <ds:schemaRefs>
